--- a/presentations/03.2_conditionals.pptx
+++ b/presentations/03.2_conditionals.pptx
@@ -218,7 +218,7 @@
           <a:p>
             <a:fld id="{FD93C9B2-20F6-4DB1-B471-224337D0AC79}" type="datetimeFigureOut">
               <a:rPr lang="en-US" smtClean="0"/>
-              <a:t>11/18/2022</a:t>
+              <a:t>1/11/2023</a:t>
             </a:fld>
             <a:endParaRPr lang="en-US"/>
           </a:p>
@@ -576,6 +576,90 @@
 </p:notes>
 </file>
 
+<file path=ppt/notesSlides/notesSlide10.xml><?xml version="1.0" encoding="utf-8"?>
+<p:notes xmlns:a="http://schemas.openxmlformats.org/drawingml/2006/main" xmlns:r="http://schemas.openxmlformats.org/officeDocument/2006/relationships" xmlns:p="http://schemas.openxmlformats.org/presentationml/2006/main">
+  <p:cSld>
+    <p:spTree>
+      <p:nvGrpSpPr>
+        <p:cNvPr id="1" name=""/>
+        <p:cNvGrpSpPr/>
+        <p:nvPr/>
+      </p:nvGrpSpPr>
+      <p:grpSpPr>
+        <a:xfrm>
+          <a:off x="0" y="0"/>
+          <a:ext cx="0" cy="0"/>
+          <a:chOff x="0" y="0"/>
+          <a:chExt cx="0" cy="0"/>
+        </a:xfrm>
+      </p:grpSpPr>
+      <p:sp>
+        <p:nvSpPr>
+          <p:cNvPr id="2" name="Slide Image Placeholder 1"/>
+          <p:cNvSpPr>
+            <a:spLocks noGrp="1" noRot="1" noChangeAspect="1"/>
+          </p:cNvSpPr>
+          <p:nvPr>
+            <p:ph type="sldImg"/>
+          </p:nvPr>
+        </p:nvSpPr>
+        <p:spPr/>
+      </p:sp>
+      <p:sp>
+        <p:nvSpPr>
+          <p:cNvPr id="3" name="Notes Placeholder 2"/>
+          <p:cNvSpPr>
+            <a:spLocks noGrp="1"/>
+          </p:cNvSpPr>
+          <p:nvPr>
+            <p:ph type="body" idx="1"/>
+          </p:nvPr>
+        </p:nvSpPr>
+        <p:spPr/>
+        <p:txBody>
+          <a:bodyPr/>
+          <a:lstStyle/>
+          <a:p>
+            <a:endParaRPr lang="en-US" dirty="0"/>
+          </a:p>
+        </p:txBody>
+      </p:sp>
+      <p:sp>
+        <p:nvSpPr>
+          <p:cNvPr id="4" name="Slide Number Placeholder 3"/>
+          <p:cNvSpPr>
+            <a:spLocks noGrp="1"/>
+          </p:cNvSpPr>
+          <p:nvPr>
+            <p:ph type="sldNum" sz="quarter" idx="5"/>
+          </p:nvPr>
+        </p:nvSpPr>
+        <p:spPr/>
+        <p:txBody>
+          <a:bodyPr/>
+          <a:lstStyle/>
+          <a:p>
+            <a:fld id="{3148858F-F1DB-4027-9C85-CCA6849540DD}" type="slidenum">
+              <a:rPr lang="en-US" smtClean="0"/>
+              <a:t>11</a:t>
+            </a:fld>
+            <a:endParaRPr lang="en-US"/>
+          </a:p>
+        </p:txBody>
+      </p:sp>
+    </p:spTree>
+    <p:extLst>
+      <p:ext uri="{BB962C8B-B14F-4D97-AF65-F5344CB8AC3E}">
+        <p14:creationId xmlns:p14="http://schemas.microsoft.com/office/powerpoint/2010/main" val="3732517905"/>
+      </p:ext>
+    </p:extLst>
+  </p:cSld>
+  <p:clrMapOvr>
+    <a:masterClrMapping/>
+  </p:clrMapOvr>
+</p:notes>
+</file>
+
 <file path=ppt/notesSlides/notesSlide2.xml><?xml version="1.0" encoding="utf-8"?>
 <p:notes xmlns:a="http://schemas.openxmlformats.org/drawingml/2006/main" xmlns:r="http://schemas.openxmlformats.org/officeDocument/2006/relationships" xmlns:p="http://schemas.openxmlformats.org/presentationml/2006/main">
   <p:cSld>
@@ -1206,7 +1290,7 @@
           <a:p>
             <a:fld id="{3148858F-F1DB-4027-9C85-CCA6849540DD}" type="slidenum">
               <a:rPr lang="en-US" smtClean="0"/>
-              <a:t>11</a:t>
+              <a:t>9</a:t>
             </a:fld>
             <a:endParaRPr lang="en-US"/>
           </a:p>
@@ -1215,7 +1299,91 @@
     </p:spTree>
     <p:extLst>
       <p:ext uri="{BB962C8B-B14F-4D97-AF65-F5344CB8AC3E}">
-        <p14:creationId xmlns:p14="http://schemas.microsoft.com/office/powerpoint/2010/main" val="3732517905"/>
+        <p14:creationId xmlns:p14="http://schemas.microsoft.com/office/powerpoint/2010/main" val="2201319819"/>
+      </p:ext>
+    </p:extLst>
+  </p:cSld>
+  <p:clrMapOvr>
+    <a:masterClrMapping/>
+  </p:clrMapOvr>
+</p:notes>
+</file>
+
+<file path=ppt/notesSlides/notesSlide9.xml><?xml version="1.0" encoding="utf-8"?>
+<p:notes xmlns:a="http://schemas.openxmlformats.org/drawingml/2006/main" xmlns:r="http://schemas.openxmlformats.org/officeDocument/2006/relationships" xmlns:p="http://schemas.openxmlformats.org/presentationml/2006/main">
+  <p:cSld>
+    <p:spTree>
+      <p:nvGrpSpPr>
+        <p:cNvPr id="1" name=""/>
+        <p:cNvGrpSpPr/>
+        <p:nvPr/>
+      </p:nvGrpSpPr>
+      <p:grpSpPr>
+        <a:xfrm>
+          <a:off x="0" y="0"/>
+          <a:ext cx="0" cy="0"/>
+          <a:chOff x="0" y="0"/>
+          <a:chExt cx="0" cy="0"/>
+        </a:xfrm>
+      </p:grpSpPr>
+      <p:sp>
+        <p:nvSpPr>
+          <p:cNvPr id="2" name="Slide Image Placeholder 1"/>
+          <p:cNvSpPr>
+            <a:spLocks noGrp="1" noRot="1" noChangeAspect="1"/>
+          </p:cNvSpPr>
+          <p:nvPr>
+            <p:ph type="sldImg"/>
+          </p:nvPr>
+        </p:nvSpPr>
+        <p:spPr/>
+      </p:sp>
+      <p:sp>
+        <p:nvSpPr>
+          <p:cNvPr id="3" name="Notes Placeholder 2"/>
+          <p:cNvSpPr>
+            <a:spLocks noGrp="1"/>
+          </p:cNvSpPr>
+          <p:nvPr>
+            <p:ph type="body" idx="1"/>
+          </p:nvPr>
+        </p:nvSpPr>
+        <p:spPr/>
+        <p:txBody>
+          <a:bodyPr/>
+          <a:lstStyle/>
+          <a:p>
+            <a:endParaRPr lang="en-US" dirty="0"/>
+          </a:p>
+        </p:txBody>
+      </p:sp>
+      <p:sp>
+        <p:nvSpPr>
+          <p:cNvPr id="4" name="Slide Number Placeholder 3"/>
+          <p:cNvSpPr>
+            <a:spLocks noGrp="1"/>
+          </p:cNvSpPr>
+          <p:nvPr>
+            <p:ph type="sldNum" sz="quarter" idx="5"/>
+          </p:nvPr>
+        </p:nvSpPr>
+        <p:spPr/>
+        <p:txBody>
+          <a:bodyPr/>
+          <a:lstStyle/>
+          <a:p>
+            <a:fld id="{3148858F-F1DB-4027-9C85-CCA6849540DD}" type="slidenum">
+              <a:rPr lang="en-US" smtClean="0"/>
+              <a:t>10</a:t>
+            </a:fld>
+            <a:endParaRPr lang="en-US"/>
+          </a:p>
+        </p:txBody>
+      </p:sp>
+    </p:spTree>
+    <p:extLst>
+      <p:ext uri="{BB962C8B-B14F-4D97-AF65-F5344CB8AC3E}">
+        <p14:creationId xmlns:p14="http://schemas.microsoft.com/office/powerpoint/2010/main" val="4168275842"/>
       </p:ext>
     </p:extLst>
   </p:cSld>
@@ -1372,7 +1540,7 @@
           <a:p>
             <a:fld id="{C3F78080-8D0A-4BE8-A5B4-CB115102D524}" type="datetimeFigureOut">
               <a:rPr lang="en-US" smtClean="0"/>
-              <a:t>11/18/2022</a:t>
+              <a:t>1/11/2023</a:t>
             </a:fld>
             <a:endParaRPr lang="en-US"/>
           </a:p>
@@ -1570,7 +1738,7 @@
           <a:p>
             <a:fld id="{C3F78080-8D0A-4BE8-A5B4-CB115102D524}" type="datetimeFigureOut">
               <a:rPr lang="en-US" smtClean="0"/>
-              <a:t>11/18/2022</a:t>
+              <a:t>1/11/2023</a:t>
             </a:fld>
             <a:endParaRPr lang="en-US"/>
           </a:p>
@@ -1778,7 +1946,7 @@
           <a:p>
             <a:fld id="{C3F78080-8D0A-4BE8-A5B4-CB115102D524}" type="datetimeFigureOut">
               <a:rPr lang="en-US" smtClean="0"/>
-              <a:t>11/18/2022</a:t>
+              <a:t>1/11/2023</a:t>
             </a:fld>
             <a:endParaRPr lang="en-US"/>
           </a:p>
@@ -1976,7 +2144,7 @@
           <a:p>
             <a:fld id="{C3F78080-8D0A-4BE8-A5B4-CB115102D524}" type="datetimeFigureOut">
               <a:rPr lang="en-US" smtClean="0"/>
-              <a:t>11/18/2022</a:t>
+              <a:t>1/11/2023</a:t>
             </a:fld>
             <a:endParaRPr lang="en-US"/>
           </a:p>
@@ -2251,7 +2419,7 @@
           <a:p>
             <a:fld id="{C3F78080-8D0A-4BE8-A5B4-CB115102D524}" type="datetimeFigureOut">
               <a:rPr lang="en-US" smtClean="0"/>
-              <a:t>11/18/2022</a:t>
+              <a:t>1/11/2023</a:t>
             </a:fld>
             <a:endParaRPr lang="en-US"/>
           </a:p>
@@ -2516,7 +2684,7 @@
           <a:p>
             <a:fld id="{C3F78080-8D0A-4BE8-A5B4-CB115102D524}" type="datetimeFigureOut">
               <a:rPr lang="en-US" smtClean="0"/>
-              <a:t>11/18/2022</a:t>
+              <a:t>1/11/2023</a:t>
             </a:fld>
             <a:endParaRPr lang="en-US"/>
           </a:p>
@@ -2928,7 +3096,7 @@
           <a:p>
             <a:fld id="{C3F78080-8D0A-4BE8-A5B4-CB115102D524}" type="datetimeFigureOut">
               <a:rPr lang="en-US" smtClean="0"/>
-              <a:t>11/18/2022</a:t>
+              <a:t>1/11/2023</a:t>
             </a:fld>
             <a:endParaRPr lang="en-US"/>
           </a:p>
@@ -3069,7 +3237,7 @@
           <a:p>
             <a:fld id="{C3F78080-8D0A-4BE8-A5B4-CB115102D524}" type="datetimeFigureOut">
               <a:rPr lang="en-US" smtClean="0"/>
-              <a:t>11/18/2022</a:t>
+              <a:t>1/11/2023</a:t>
             </a:fld>
             <a:endParaRPr lang="en-US"/>
           </a:p>
@@ -3182,7 +3350,7 @@
           <a:p>
             <a:fld id="{C3F78080-8D0A-4BE8-A5B4-CB115102D524}" type="datetimeFigureOut">
               <a:rPr lang="en-US" smtClean="0"/>
-              <a:t>11/18/2022</a:t>
+              <a:t>1/11/2023</a:t>
             </a:fld>
             <a:endParaRPr lang="en-US"/>
           </a:p>
@@ -3493,7 +3661,7 @@
           <a:p>
             <a:fld id="{C3F78080-8D0A-4BE8-A5B4-CB115102D524}" type="datetimeFigureOut">
               <a:rPr lang="en-US" smtClean="0"/>
-              <a:t>11/18/2022</a:t>
+              <a:t>1/11/2023</a:t>
             </a:fld>
             <a:endParaRPr lang="en-US"/>
           </a:p>
@@ -3781,7 +3949,7 @@
           <a:p>
             <a:fld id="{C3F78080-8D0A-4BE8-A5B4-CB115102D524}" type="datetimeFigureOut">
               <a:rPr lang="en-US" smtClean="0"/>
-              <a:t>11/18/2022</a:t>
+              <a:t>1/11/2023</a:t>
             </a:fld>
             <a:endParaRPr lang="en-US"/>
           </a:p>
@@ -4022,7 +4190,7 @@
           <a:p>
             <a:fld id="{C3F78080-8D0A-4BE8-A5B4-CB115102D524}" type="datetimeFigureOut">
               <a:rPr lang="en-US" smtClean="0"/>
-              <a:t>11/18/2022</a:t>
+              <a:t>1/11/2023</a:t>
             </a:fld>
             <a:endParaRPr lang="en-US"/>
           </a:p>
@@ -4462,12 +4630,14 @@
           </a:xfrm>
         </p:spPr>
         <p:txBody>
-          <a:bodyPr/>
+          <a:bodyPr>
+            <a:normAutofit/>
+          </a:bodyPr>
           <a:lstStyle/>
           <a:p>
             <a:r>
-              <a:rPr lang="en-US" dirty="0">
-                <a:latin typeface="Palatino Linotype" panose="02040502050505030304" pitchFamily="18" charset="0"/>
+              <a:rPr lang="en-US" sz="2800" dirty="0">
+                <a:latin typeface="Avenir" panose="02000503020000020003" pitchFamily="2" charset="0"/>
                 <a:cs typeface="Segoe UI" panose="020B0502040204020203" pitchFamily="34" charset="0"/>
               </a:rPr>
               <a:t>Python Booleans and Conditionals</a:t>
@@ -4505,6 +4675,36 @@
           <a:xfrm>
             <a:off x="844551" y="3633112"/>
             <a:ext cx="6154487" cy="1268482"/>
+          </a:xfrm>
+          <a:prstGeom prst="rect">
+            <a:avLst/>
+          </a:prstGeom>
+        </p:spPr>
+      </p:pic>
+      <p:pic>
+        <p:nvPicPr>
+          <p:cNvPr id="4" name="Picture 3" descr="Logo, icon&#10;&#10;Description automatically generated">
+            <a:extLst>
+              <a:ext uri="{FF2B5EF4-FFF2-40B4-BE49-F238E27FC236}">
+                <a16:creationId xmlns:a16="http://schemas.microsoft.com/office/drawing/2014/main" id="{314800B0-A82B-0C3A-6052-1E1C880F262A}"/>
+              </a:ext>
+            </a:extLst>
+          </p:cNvPr>
+          <p:cNvPicPr>
+            <a:picLocks noChangeAspect="1"/>
+          </p:cNvPicPr>
+          <p:nvPr/>
+        </p:nvPicPr>
+        <p:blipFill>
+          <a:blip r:embed="rId4"/>
+          <a:stretch>
+            <a:fillRect/>
+          </a:stretch>
+        </p:blipFill>
+        <p:spPr>
+          <a:xfrm flipH="1">
+            <a:off x="11072551" y="5776267"/>
+            <a:ext cx="831910" cy="831910"/>
           </a:xfrm>
           <a:prstGeom prst="rect">
             <a:avLst/>
@@ -4575,43 +4775,42 @@
           <a:lstStyle/>
           <a:p>
             <a:r>
-              <a:rPr lang="en-US" dirty="0"/>
+              <a:rPr lang="en-US" b="1" dirty="0">
+                <a:latin typeface="Avenir Black" panose="02000503020000020003" pitchFamily="2" charset="0"/>
+              </a:rPr>
               <a:t>Python </a:t>
             </a:r>
             <a:r>
-              <a:rPr lang="en-US" dirty="0">
+              <a:rPr lang="en-US" b="1" dirty="0">
                 <a:solidFill>
-                  <a:srgbClr val="FF00FF"/>
+                  <a:srgbClr val="5A5AA8"/>
                 </a:solidFill>
+                <a:latin typeface="Avenir Black" panose="02000503020000020003" pitchFamily="2" charset="0"/>
               </a:rPr>
               <a:t>if </a:t>
             </a:r>
             <a:r>
-              <a:rPr lang="en-US" dirty="0" err="1">
+              <a:rPr lang="en-US" b="1" dirty="0" err="1">
                 <a:solidFill>
-                  <a:srgbClr val="FF00FF"/>
+                  <a:srgbClr val="5A5AA8"/>
                 </a:solidFill>
+                <a:latin typeface="Avenir Black" panose="02000503020000020003" pitchFamily="2" charset="0"/>
               </a:rPr>
               <a:t>elif</a:t>
             </a:r>
             <a:r>
-              <a:rPr lang="en-US" dirty="0">
+              <a:rPr lang="en-US" b="1" dirty="0">
                 <a:solidFill>
-                  <a:srgbClr val="FF00FF"/>
+                  <a:srgbClr val="5A5AA8"/>
                 </a:solidFill>
-              </a:rPr>
-              <a:t> </a:t>
-            </a:r>
-            <a:r>
-              <a:rPr lang="en-US" dirty="0">
-                <a:solidFill>
-                  <a:srgbClr val="0070C0"/>
-                </a:solidFill>
-              </a:rPr>
-              <a:t>(else if) </a:t>
-            </a:r>
-            <a:r>
-              <a:rPr lang="en-US" dirty="0"/>
+                <a:latin typeface="Avenir Black" panose="02000503020000020003" pitchFamily="2" charset="0"/>
+              </a:rPr>
+              <a:t> (else if) </a:t>
+            </a:r>
+            <a:r>
+              <a:rPr lang="en-US" b="1" dirty="0">
+                <a:latin typeface="Avenir Black" panose="02000503020000020003" pitchFamily="2" charset="0"/>
+              </a:rPr>
               <a:t>statement</a:t>
             </a:r>
           </a:p>
@@ -4633,74 +4832,71 @@
             <p:ph sz="half" idx="1"/>
           </p:nvPr>
         </p:nvSpPr>
-        <p:spPr/>
+        <p:spPr>
+          <a:xfrm>
+            <a:off x="838200" y="1690689"/>
+            <a:ext cx="5181600" cy="4351338"/>
+          </a:xfrm>
+        </p:spPr>
         <p:txBody>
-          <a:bodyPr/>
+          <a:bodyPr>
+            <a:normAutofit/>
+          </a:bodyPr>
           <a:lstStyle/>
           <a:p>
             <a:r>
-              <a:rPr lang="en-US" dirty="0">
+              <a:rPr lang="en-US" sz="2400" dirty="0">
                 <a:solidFill>
-                  <a:srgbClr val="FF00FF"/>
+                  <a:srgbClr val="5A5AA8"/>
                 </a:solidFill>
-              </a:rPr>
-              <a:t>If </a:t>
-            </a:r>
-            <a:r>
-              <a:rPr lang="en-US" dirty="0" err="1">
+                <a:latin typeface="Avenir" panose="02000503020000020003" pitchFamily="2" charset="0"/>
+              </a:rPr>
+              <a:t> If </a:t>
+            </a:r>
+            <a:r>
+              <a:rPr lang="en-US" sz="2400" dirty="0" err="1">
                 <a:solidFill>
-                  <a:srgbClr val="FF00FF"/>
+                  <a:srgbClr val="5A5AA8"/>
                 </a:solidFill>
+                <a:latin typeface="Avenir" panose="02000503020000020003" pitchFamily="2" charset="0"/>
               </a:rPr>
               <a:t>elif</a:t>
             </a:r>
             <a:r>
-              <a:rPr lang="en-US" dirty="0">
+              <a:rPr lang="en-US" sz="2400" dirty="0">
                 <a:solidFill>
-                  <a:srgbClr val="FF00FF"/>
+                  <a:srgbClr val="5A5AA8"/>
                 </a:solidFill>
+                <a:latin typeface="Avenir" panose="02000503020000020003" pitchFamily="2" charset="0"/>
               </a:rPr>
               <a:t> </a:t>
             </a:r>
             <a:r>
-              <a:rPr lang="en-US" dirty="0"/>
+              <a:rPr lang="en-US" sz="2400" dirty="0">
+                <a:latin typeface="Avenir" panose="02000503020000020003" pitchFamily="2" charset="0"/>
+              </a:rPr>
               <a:t>statement syntax</a:t>
             </a:r>
           </a:p>
           <a:p>
-            <a:endParaRPr lang="en-US" dirty="0"/>
+            <a:endParaRPr lang="en-US" sz="2400" dirty="0">
+              <a:latin typeface="Avenir" panose="02000503020000020003" pitchFamily="2" charset="0"/>
+            </a:endParaRPr>
           </a:p>
           <a:p>
             <a:pPr marL="0" indent="0">
               <a:buNone/>
             </a:pPr>
             <a:r>
-              <a:rPr lang="en-US" dirty="0"/>
-              <a:t>	</a:t>
-            </a:r>
-            <a:r>
-              <a:rPr lang="en-US" dirty="0">
+              <a:rPr lang="en-US" sz="2400" dirty="0">
                 <a:solidFill>
-                  <a:srgbClr val="FF00FF"/>
+                  <a:schemeClr val="bg2">
+                    <a:lumMod val="50000"/>
+                  </a:schemeClr>
                 </a:solidFill>
-              </a:rPr>
-              <a:t>if</a:t>
-            </a:r>
-            <a:r>
-              <a:rPr lang="en-US" dirty="0"/>
-              <a:t> </a:t>
-            </a:r>
-            <a:r>
-              <a:rPr lang="en-US" dirty="0">
-                <a:solidFill>
-                  <a:srgbClr val="92D050"/>
-                </a:solidFill>
-              </a:rPr>
-              <a:t>&lt;condition1&gt;</a:t>
-            </a:r>
-            <a:r>
-              <a:rPr lang="en-US" dirty="0"/>
-              <a:t>:</a:t>
+                <a:latin typeface="Avenir" panose="02000503020000020003" pitchFamily="2" charset="0"/>
+              </a:rPr>
+              <a:t>	if &lt;condition1&gt;:</a:t>
             </a:r>
           </a:p>
           <a:p>
@@ -4708,16 +4904,15 @@
               <a:buNone/>
             </a:pPr>
             <a:r>
-              <a:rPr lang="en-US" dirty="0"/>
-              <a:t>		</a:t>
-            </a:r>
-            <a:r>
-              <a:rPr lang="en-US" dirty="0">
+              <a:rPr lang="en-US" sz="2400" dirty="0">
                 <a:solidFill>
-                  <a:srgbClr val="92D050"/>
+                  <a:schemeClr val="bg2">
+                    <a:lumMod val="50000"/>
+                  </a:schemeClr>
                 </a:solidFill>
-              </a:rPr>
-              <a:t>&lt; statements&gt;</a:t>
+                <a:latin typeface="Avenir" panose="02000503020000020003" pitchFamily="2" charset="0"/>
+              </a:rPr>
+              <a:t>		&lt; statements&gt;</a:t>
             </a:r>
           </a:p>
           <a:p>
@@ -4725,46 +4920,37 @@
               <a:buNone/>
             </a:pPr>
             <a:r>
-              <a:rPr lang="en-US" dirty="0">
+              <a:rPr lang="en-US" sz="2400" dirty="0">
                 <a:solidFill>
-                  <a:srgbClr val="92D050"/>
-                </a:solidFill>
-              </a:rPr>
-              <a:t>	</a:t>
-            </a:r>
-            <a:r>
-              <a:rPr lang="en-US" dirty="0" err="1">
-                <a:solidFill>
-                  <a:srgbClr val="FF00FF"/>
-                </a:solidFill>
-              </a:rPr>
-              <a:t>elif</a:t>
-            </a:r>
-            <a:r>
-              <a:rPr lang="en-US" dirty="0">
-                <a:solidFill>
-                  <a:srgbClr val="FF00FF"/>
-                </a:solidFill>
-              </a:rPr>
-              <a:t> </a:t>
-            </a:r>
-            <a:r>
-              <a:rPr lang="en-US" dirty="0">
-                <a:solidFill>
-                  <a:srgbClr val="92D050"/>
-                </a:solidFill>
-              </a:rPr>
-              <a:t>&lt;condition2&gt;</a:t>
-            </a:r>
-            <a:r>
-              <a:rPr lang="en-US" dirty="0">
-                <a:solidFill>
-                  <a:schemeClr val="tx1">
-                    <a:lumMod val="95000"/>
+                  <a:schemeClr val="bg2">
+                    <a:lumMod val="50000"/>
                   </a:schemeClr>
                 </a:solidFill>
-              </a:rPr>
-              <a:t>:</a:t>
+                <a:latin typeface="Avenir" panose="02000503020000020003" pitchFamily="2" charset="0"/>
+              </a:rPr>
+              <a:t>	</a:t>
+            </a:r>
+            <a:r>
+              <a:rPr lang="en-US" sz="2400" dirty="0" err="1">
+                <a:solidFill>
+                  <a:schemeClr val="bg2">
+                    <a:lumMod val="50000"/>
+                  </a:schemeClr>
+                </a:solidFill>
+                <a:latin typeface="Avenir" panose="02000503020000020003" pitchFamily="2" charset="0"/>
+              </a:rPr>
+              <a:t>elif</a:t>
+            </a:r>
+            <a:r>
+              <a:rPr lang="en-US" sz="2400" dirty="0">
+                <a:solidFill>
+                  <a:schemeClr val="bg2">
+                    <a:lumMod val="50000"/>
+                  </a:schemeClr>
+                </a:solidFill>
+                <a:latin typeface="Avenir" panose="02000503020000020003" pitchFamily="2" charset="0"/>
+              </a:rPr>
+              <a:t> &lt;condition2&gt;:</a:t>
             </a:r>
           </a:p>
           <a:p>
@@ -4772,16 +4958,15 @@
               <a:buNone/>
             </a:pPr>
             <a:r>
-              <a:rPr lang="en-US" dirty="0"/>
-              <a:t>		</a:t>
-            </a:r>
-            <a:r>
-              <a:rPr lang="en-US" dirty="0">
+              <a:rPr lang="en-US" sz="2400" dirty="0">
                 <a:solidFill>
-                  <a:srgbClr val="92D050"/>
+                  <a:schemeClr val="bg2">
+                    <a:lumMod val="50000"/>
+                  </a:schemeClr>
                 </a:solidFill>
-              </a:rPr>
-              <a:t>&lt;statements&gt;</a:t>
+                <a:latin typeface="Avenir" panose="02000503020000020003" pitchFamily="2" charset="0"/>
+              </a:rPr>
+              <a:t>		&lt;statements&gt;</a:t>
             </a:r>
           </a:p>
           <a:p>
@@ -4789,10 +4974,13 @@
               <a:buNone/>
             </a:pPr>
             <a:r>
-              <a:rPr lang="en-US" dirty="0">
+              <a:rPr lang="en-US" sz="2400" dirty="0">
                 <a:solidFill>
-                  <a:srgbClr val="92D050"/>
+                  <a:schemeClr val="bg2">
+                    <a:lumMod val="50000"/>
+                  </a:schemeClr>
                 </a:solidFill>
+                <a:latin typeface="Avenir" panose="02000503020000020003" pitchFamily="2" charset="0"/>
               </a:rPr>
               <a:t>	&lt;statements after if&gt;</a:t>
             </a:r>
@@ -4802,7 +4990,9 @@
               <a:buNone/>
             </a:pPr>
             <a:r>
-              <a:rPr lang="en-US" dirty="0"/>
+              <a:rPr lang="en-US" sz="2400" dirty="0">
+                <a:latin typeface="Avenir" panose="02000503020000020003" pitchFamily="2" charset="0"/>
+              </a:rPr>
               <a:t>	</a:t>
             </a:r>
           </a:p>
@@ -4822,7 +5012,7 @@
         </p:nvSpPr>
         <p:spPr>
           <a:xfrm>
-            <a:off x="5795964" y="1690690"/>
+            <a:off x="5795964" y="1604835"/>
             <a:ext cx="4833935" cy="3416320"/>
           </a:xfrm>
           <a:prstGeom prst="rect">
@@ -4841,32 +5031,49 @@
               <a:buChar char="•"/>
             </a:pPr>
             <a:r>
-              <a:rPr lang="en-US" sz="2400" dirty="0"/>
+              <a:rPr lang="en-US" sz="2400" dirty="0">
+                <a:latin typeface="Avenir" panose="02000503020000020003" pitchFamily="2" charset="0"/>
+              </a:rPr>
               <a:t>Indented </a:t>
             </a:r>
             <a:r>
               <a:rPr lang="en-US" sz="2400" dirty="0">
                 <a:solidFill>
-                  <a:srgbClr val="92D050"/>
+                  <a:srgbClr val="5A5AA8"/>
                 </a:solidFill>
-              </a:rPr>
-              <a:t>&lt;statements&gt;</a:t>
-            </a:r>
-            <a:r>
-              <a:rPr lang="en-US" sz="2400" dirty="0"/>
-              <a:t> after the </a:t>
+                <a:latin typeface="Avenir" panose="02000503020000020003" pitchFamily="2" charset="0"/>
+              </a:rPr>
+              <a:t>&lt;statements&gt; </a:t>
+            </a:r>
+            <a:r>
+              <a:rPr lang="en-US" sz="2400" dirty="0">
+                <a:latin typeface="Avenir" panose="02000503020000020003" pitchFamily="2" charset="0"/>
+              </a:rPr>
+              <a:t>after the </a:t>
             </a:r>
             <a:r>
               <a:rPr lang="en-US" sz="2400" dirty="0" err="1">
                 <a:solidFill>
-                  <a:srgbClr val="FF00FF"/>
+                  <a:srgbClr val="5A5AA8"/>
                 </a:solidFill>
+                <a:latin typeface="Avenir" panose="02000503020000020003" pitchFamily="2" charset="0"/>
               </a:rPr>
               <a:t>elif</a:t>
             </a:r>
             <a:r>
-              <a:rPr lang="en-US" sz="2400" dirty="0"/>
-              <a:t> are executed if </a:t>
+              <a:rPr lang="en-US" sz="2400" dirty="0">
+                <a:solidFill>
+                  <a:srgbClr val="5A5AA8"/>
+                </a:solidFill>
+                <a:latin typeface="Avenir" panose="02000503020000020003" pitchFamily="2" charset="0"/>
+              </a:rPr>
+              <a:t> </a:t>
+            </a:r>
+            <a:r>
+              <a:rPr lang="en-US" sz="2400" dirty="0">
+                <a:latin typeface="Avenir" panose="02000503020000020003" pitchFamily="2" charset="0"/>
+              </a:rPr>
+              <a:t>are executed if </a:t>
             </a:r>
           </a:p>
           <a:p>
@@ -4878,6 +5085,7 @@
               <a:solidFill>
                 <a:srgbClr val="92D050"/>
               </a:solidFill>
+              <a:latin typeface="Avenir" panose="02000503020000020003" pitchFamily="2" charset="0"/>
             </a:endParaRPr>
           </a:p>
           <a:p>
@@ -4888,31 +5096,27 @@
             <a:r>
               <a:rPr lang="en-US" sz="2400" dirty="0">
                 <a:solidFill>
-                  <a:srgbClr val="92D050"/>
+                  <a:schemeClr val="tx1">
+                    <a:lumMod val="50000"/>
+                    <a:lumOff val="50000"/>
+                  </a:schemeClr>
                 </a:solidFill>
-              </a:rPr>
-              <a:t>&lt;condition1&gt;</a:t>
-            </a:r>
-            <a:r>
-              <a:rPr lang="en-US" sz="2400" dirty="0"/>
-              <a:t> is </a:t>
-            </a:r>
+                <a:latin typeface="Avenir" panose="02000503020000020003" pitchFamily="2" charset="0"/>
+              </a:rPr>
+              <a:t>&lt;condition1&gt; is False</a:t>
+            </a:r>
+          </a:p>
+          <a:p>
+            <a:pPr lvl="2"/>
             <a:r>
               <a:rPr lang="en-US" sz="2400" dirty="0">
                 <a:solidFill>
-                  <a:srgbClr val="FFC000"/>
+                  <a:schemeClr val="tx1">
+                    <a:lumMod val="50000"/>
+                    <a:lumOff val="50000"/>
+                  </a:schemeClr>
                 </a:solidFill>
-              </a:rPr>
-              <a:t>False</a:t>
-            </a:r>
-          </a:p>
-          <a:p>
-            <a:pPr lvl="2"/>
-            <a:r>
-              <a:rPr lang="en-US" sz="2400" dirty="0">
-                <a:solidFill>
-                  <a:srgbClr val="FFC000"/>
-                </a:solidFill>
+                <a:latin typeface="Avenir" panose="02000503020000020003" pitchFamily="2" charset="0"/>
               </a:rPr>
               <a:t>AND</a:t>
             </a:r>
@@ -4925,36 +5129,14 @@
             <a:r>
               <a:rPr lang="en-US" sz="2400" dirty="0">
                 <a:solidFill>
-                  <a:srgbClr val="92D050"/>
-                </a:solidFill>
-              </a:rPr>
-              <a:t>&lt;condition2&gt;</a:t>
-            </a:r>
-            <a:r>
-              <a:rPr lang="en-US" sz="2400" dirty="0">
-                <a:solidFill>
-                  <a:srgbClr val="FFC000"/>
-                </a:solidFill>
-              </a:rPr>
-              <a:t> </a:t>
-            </a:r>
-            <a:r>
-              <a:rPr lang="en-US" sz="2400" dirty="0">
-                <a:solidFill>
                   <a:schemeClr val="tx1">
-                    <a:lumMod val="95000"/>
+                    <a:lumMod val="50000"/>
+                    <a:lumOff val="50000"/>
                   </a:schemeClr>
                 </a:solidFill>
-              </a:rPr>
-              <a:t>is</a:t>
-            </a:r>
-            <a:r>
-              <a:rPr lang="en-US" sz="2400" dirty="0">
-                <a:solidFill>
-                  <a:srgbClr val="FFC000"/>
-                </a:solidFill>
-              </a:rPr>
-              <a:t> True</a:t>
+                <a:latin typeface="Avenir" panose="02000503020000020003" pitchFamily="2" charset="0"/>
+              </a:rPr>
+              <a:t>&lt;condition2&gt; is True</a:t>
             </a:r>
           </a:p>
           <a:p>
@@ -4966,6 +5148,7 @@
               <a:solidFill>
                 <a:srgbClr val="FFC000"/>
               </a:solidFill>
+              <a:latin typeface="Avenir" panose="02000503020000020003" pitchFamily="2" charset="0"/>
             </a:endParaRPr>
           </a:p>
           <a:p>
@@ -4980,22 +5163,34 @@
                     <a:lumMod val="95000"/>
                   </a:schemeClr>
                 </a:solidFill>
-              </a:rPr>
-              <a:t>Multiple </a:t>
+                <a:latin typeface="Avenir" panose="02000503020000020003" pitchFamily="2" charset="0"/>
+              </a:rPr>
+              <a:t>Multiple</a:t>
+            </a:r>
+            <a:r>
+              <a:rPr lang="en-US" sz="2400" dirty="0">
+                <a:solidFill>
+                  <a:srgbClr val="65BB75"/>
+                </a:solidFill>
+                <a:latin typeface="Avenir" panose="02000503020000020003" pitchFamily="2" charset="0"/>
+              </a:rPr>
+              <a:t> </a:t>
             </a:r>
             <a:r>
               <a:rPr lang="en-US" sz="2400" dirty="0" err="1">
                 <a:solidFill>
-                  <a:srgbClr val="FF00FF"/>
+                  <a:srgbClr val="5A5AA8"/>
                 </a:solidFill>
+                <a:latin typeface="Avenir" panose="02000503020000020003" pitchFamily="2" charset="0"/>
               </a:rPr>
               <a:t>elif</a:t>
             </a:r>
             <a:r>
               <a:rPr lang="en-US" sz="2400" dirty="0">
                 <a:solidFill>
-                  <a:srgbClr val="FF00FF"/>
+                  <a:srgbClr val="5A5AA8"/>
                 </a:solidFill>
+                <a:latin typeface="Avenir" panose="02000503020000020003" pitchFamily="2" charset="0"/>
               </a:rPr>
               <a:t> </a:t>
             </a:r>
@@ -5006,617 +5201,94 @@
                     <a:lumMod val="95000"/>
                   </a:schemeClr>
                 </a:solidFill>
+                <a:latin typeface="Avenir" panose="02000503020000020003" pitchFamily="2" charset="0"/>
               </a:rPr>
               <a:t>blocks are allowed, but only one </a:t>
             </a:r>
             <a:r>
               <a:rPr lang="en-US" sz="2400" dirty="0">
                 <a:solidFill>
-                  <a:srgbClr val="FF00FF"/>
+                  <a:srgbClr val="5A5AA8"/>
                 </a:solidFill>
+                <a:latin typeface="Avenir" panose="02000503020000020003" pitchFamily="2" charset="0"/>
               </a:rPr>
               <a:t>else</a:t>
             </a:r>
           </a:p>
         </p:txBody>
       </p:sp>
-      <p:sp>
-        <p:nvSpPr>
-          <p:cNvPr id="11" name="Content Placeholder 7">
+      <p:pic>
+        <p:nvPicPr>
+          <p:cNvPr id="3" name="Picture 2" descr="A picture containing dark, gauge&#10;&#10;Description automatically generated">
             <a:extLst>
               <a:ext uri="{FF2B5EF4-FFF2-40B4-BE49-F238E27FC236}">
-                <a16:creationId xmlns:a16="http://schemas.microsoft.com/office/drawing/2014/main" id="{E33DFA88-EFB4-431A-BBBF-F7D1E799E3C6}"/>
+                <a16:creationId xmlns:a16="http://schemas.microsoft.com/office/drawing/2014/main" id="{5AB2A819-C8B3-8F27-4DAB-1965BC98863D}"/>
               </a:ext>
             </a:extLst>
           </p:cNvPr>
-          <p:cNvSpPr txBox="1">
-            <a:spLocks/>
-          </p:cNvSpPr>
+          <p:cNvPicPr>
+            <a:picLocks noChangeAspect="1"/>
+          </p:cNvPicPr>
           <p:nvPr/>
-        </p:nvSpPr>
+        </p:nvPicPr>
+        <p:blipFill>
+          <a:blip r:embed="rId3">
+            <a:extLst>
+              <a:ext uri="{28A0092B-C50C-407E-A947-70E740481C1C}">
+                <a14:useLocalDpi xmlns:a14="http://schemas.microsoft.com/office/drawing/2010/main" val="0"/>
+              </a:ext>
+            </a:extLst>
+          </a:blip>
+          <a:stretch>
+            <a:fillRect/>
+          </a:stretch>
+        </p:blipFill>
         <p:spPr>
           <a:xfrm>
-            <a:off x="1311281" y="4983184"/>
-            <a:ext cx="4833935" cy="1645203"/>
+            <a:off x="11378037" y="6031948"/>
+            <a:ext cx="800100" cy="812800"/>
           </a:xfrm>
           <a:prstGeom prst="rect">
             <a:avLst/>
           </a:prstGeom>
-          <a:solidFill>
-            <a:schemeClr val="bg1"/>
-          </a:solidFill>
         </p:spPr>
-        <p:txBody>
-          <a:bodyPr vert="horz" lIns="91440" tIns="45720" rIns="91440" bIns="45720" rtlCol="0">
-            <a:normAutofit fontScale="77500" lnSpcReduction="20000"/>
-          </a:bodyPr>
-          <a:lstStyle>
-            <a:lvl1pPr marL="171450" indent="-171450" algn="l" defTabSz="685800" rtl="0" eaLnBrk="1" latinLnBrk="0" hangingPunct="1">
-              <a:lnSpc>
-                <a:spcPct val="90000"/>
-              </a:lnSpc>
-              <a:spcBef>
-                <a:spcPts val="750"/>
-              </a:spcBef>
-              <a:buFont typeface="Arial" panose="020B0604020202020204" pitchFamily="34" charset="0"/>
-              <a:buChar char="•"/>
-              <a:defRPr sz="2400" kern="1200">
-                <a:gradFill>
-                  <a:gsLst>
-                    <a:gs pos="34000">
-                      <a:schemeClr val="tx1">
-                        <a:lumMod val="93000"/>
-                      </a:schemeClr>
-                    </a:gs>
-                    <a:gs pos="0">
-                      <a:schemeClr val="bg1">
-                        <a:lumMod val="25000"/>
-                        <a:lumOff val="75000"/>
-                      </a:schemeClr>
-                    </a:gs>
-                    <a:gs pos="100000">
-                      <a:schemeClr val="tx2">
-                        <a:lumMod val="0"/>
-                        <a:lumOff val="100000"/>
-                      </a:schemeClr>
-                    </a:gs>
-                  </a:gsLst>
-                  <a:lin ang="4800000" scaled="0"/>
-                </a:gradFill>
-                <a:latin typeface="+mn-lt"/>
-                <a:ea typeface="+mn-ea"/>
-                <a:cs typeface="+mn-cs"/>
-              </a:defRPr>
-            </a:lvl1pPr>
-            <a:lvl2pPr marL="514350" indent="-171450" algn="l" defTabSz="685800" rtl="0" eaLnBrk="1" latinLnBrk="0" hangingPunct="1">
-              <a:lnSpc>
-                <a:spcPct val="90000"/>
-              </a:lnSpc>
-              <a:spcBef>
-                <a:spcPts val="375"/>
-              </a:spcBef>
-              <a:buFont typeface="Arial" panose="020B0604020202020204" pitchFamily="34" charset="0"/>
-              <a:buChar char="•"/>
-              <a:defRPr sz="2000" kern="1200">
-                <a:gradFill>
-                  <a:gsLst>
-                    <a:gs pos="34000">
-                      <a:schemeClr val="tx1">
-                        <a:lumMod val="93000"/>
-                      </a:schemeClr>
-                    </a:gs>
-                    <a:gs pos="0">
-                      <a:schemeClr val="bg1">
-                        <a:lumMod val="25000"/>
-                        <a:lumOff val="75000"/>
-                      </a:schemeClr>
-                    </a:gs>
-                    <a:gs pos="100000">
-                      <a:schemeClr val="tx2">
-                        <a:lumMod val="0"/>
-                        <a:lumOff val="100000"/>
-                      </a:schemeClr>
-                    </a:gs>
-                  </a:gsLst>
-                  <a:lin ang="4800000" scaled="0"/>
-                </a:gradFill>
-                <a:latin typeface="+mn-lt"/>
-                <a:ea typeface="+mn-ea"/>
-                <a:cs typeface="+mn-cs"/>
-              </a:defRPr>
-            </a:lvl2pPr>
-            <a:lvl3pPr marL="857250" indent="-171450" algn="l" defTabSz="685800" rtl="0" eaLnBrk="1" latinLnBrk="0" hangingPunct="1">
-              <a:lnSpc>
-                <a:spcPct val="90000"/>
-              </a:lnSpc>
-              <a:spcBef>
-                <a:spcPts val="375"/>
-              </a:spcBef>
-              <a:buFont typeface="Arial" panose="020B0604020202020204" pitchFamily="34" charset="0"/>
-              <a:buChar char="•"/>
-              <a:defRPr sz="1600" kern="1200">
-                <a:gradFill>
-                  <a:gsLst>
-                    <a:gs pos="34000">
-                      <a:schemeClr val="tx1">
-                        <a:lumMod val="93000"/>
-                      </a:schemeClr>
-                    </a:gs>
-                    <a:gs pos="0">
-                      <a:schemeClr val="bg1">
-                        <a:lumMod val="25000"/>
-                        <a:lumOff val="75000"/>
-                      </a:schemeClr>
-                    </a:gs>
-                    <a:gs pos="100000">
-                      <a:schemeClr val="tx2">
-                        <a:lumMod val="0"/>
-                        <a:lumOff val="100000"/>
-                      </a:schemeClr>
-                    </a:gs>
-                  </a:gsLst>
-                  <a:lin ang="4800000" scaled="0"/>
-                </a:gradFill>
-                <a:latin typeface="+mn-lt"/>
-                <a:ea typeface="+mn-ea"/>
-                <a:cs typeface="+mn-cs"/>
-              </a:defRPr>
-            </a:lvl3pPr>
-            <a:lvl4pPr marL="1200150" indent="-171450" algn="l" defTabSz="685800" rtl="0" eaLnBrk="1" latinLnBrk="0" hangingPunct="1">
-              <a:lnSpc>
-                <a:spcPct val="90000"/>
-              </a:lnSpc>
-              <a:spcBef>
-                <a:spcPts val="375"/>
-              </a:spcBef>
-              <a:buFont typeface="Arial" panose="020B0604020202020204" pitchFamily="34" charset="0"/>
-              <a:buChar char="•"/>
-              <a:defRPr sz="1400" kern="1200">
-                <a:gradFill>
-                  <a:gsLst>
-                    <a:gs pos="34000">
-                      <a:schemeClr val="tx1">
-                        <a:lumMod val="93000"/>
-                      </a:schemeClr>
-                    </a:gs>
-                    <a:gs pos="0">
-                      <a:schemeClr val="bg1">
-                        <a:lumMod val="25000"/>
-                        <a:lumOff val="75000"/>
-                      </a:schemeClr>
-                    </a:gs>
-                    <a:gs pos="100000">
-                      <a:schemeClr val="tx2">
-                        <a:lumMod val="0"/>
-                        <a:lumOff val="100000"/>
-                      </a:schemeClr>
-                    </a:gs>
-                  </a:gsLst>
-                  <a:lin ang="4800000" scaled="0"/>
-                </a:gradFill>
-                <a:latin typeface="+mn-lt"/>
-                <a:ea typeface="+mn-ea"/>
-                <a:cs typeface="+mn-cs"/>
-              </a:defRPr>
-            </a:lvl4pPr>
-            <a:lvl5pPr marL="1543050" indent="-171450" algn="l" defTabSz="685800" rtl="0" eaLnBrk="1" latinLnBrk="0" hangingPunct="1">
-              <a:lnSpc>
-                <a:spcPct val="90000"/>
-              </a:lnSpc>
-              <a:spcBef>
-                <a:spcPts val="375"/>
-              </a:spcBef>
-              <a:buFont typeface="Arial" panose="020B0604020202020204" pitchFamily="34" charset="0"/>
-              <a:buChar char="•"/>
-              <a:defRPr sz="1400" kern="1200">
-                <a:gradFill>
-                  <a:gsLst>
-                    <a:gs pos="34000">
-                      <a:schemeClr val="tx1">
-                        <a:lumMod val="93000"/>
-                      </a:schemeClr>
-                    </a:gs>
-                    <a:gs pos="0">
-                      <a:schemeClr val="bg1">
-                        <a:lumMod val="25000"/>
-                        <a:lumOff val="75000"/>
-                      </a:schemeClr>
-                    </a:gs>
-                    <a:gs pos="100000">
-                      <a:schemeClr val="tx2">
-                        <a:lumMod val="0"/>
-                        <a:lumOff val="100000"/>
-                      </a:schemeClr>
-                    </a:gs>
-                  </a:gsLst>
-                  <a:lin ang="4800000" scaled="0"/>
-                </a:gradFill>
-                <a:latin typeface="+mn-lt"/>
-                <a:ea typeface="+mn-ea"/>
-                <a:cs typeface="+mn-cs"/>
-              </a:defRPr>
-            </a:lvl5pPr>
-            <a:lvl6pPr marL="1885950" indent="-171450" algn="l" defTabSz="685800" rtl="0" eaLnBrk="1" latinLnBrk="0" hangingPunct="1">
-              <a:lnSpc>
-                <a:spcPct val="90000"/>
-              </a:lnSpc>
-              <a:spcBef>
-                <a:spcPts val="375"/>
-              </a:spcBef>
-              <a:buFont typeface="Arial" panose="020B0604020202020204" pitchFamily="34" charset="0"/>
-              <a:buChar char="•"/>
-              <a:defRPr sz="1350" kern="1200">
-                <a:solidFill>
-                  <a:schemeClr val="tx1"/>
-                </a:solidFill>
-                <a:latin typeface="+mn-lt"/>
-                <a:ea typeface="+mn-ea"/>
-                <a:cs typeface="+mn-cs"/>
-              </a:defRPr>
-            </a:lvl6pPr>
-            <a:lvl7pPr marL="2228850" indent="-171450" algn="l" defTabSz="685800" rtl="0" eaLnBrk="1" latinLnBrk="0" hangingPunct="1">
-              <a:lnSpc>
-                <a:spcPct val="90000"/>
-              </a:lnSpc>
-              <a:spcBef>
-                <a:spcPts val="375"/>
-              </a:spcBef>
-              <a:buFont typeface="Arial" panose="020B0604020202020204" pitchFamily="34" charset="0"/>
-              <a:buChar char="•"/>
-              <a:defRPr sz="1350" kern="1200">
-                <a:solidFill>
-                  <a:schemeClr val="tx1"/>
-                </a:solidFill>
-                <a:latin typeface="+mn-lt"/>
-                <a:ea typeface="+mn-ea"/>
-                <a:cs typeface="+mn-cs"/>
-              </a:defRPr>
-            </a:lvl7pPr>
-            <a:lvl8pPr marL="2571750" indent="-171450" algn="l" defTabSz="685800" rtl="0" eaLnBrk="1" latinLnBrk="0" hangingPunct="1">
-              <a:lnSpc>
-                <a:spcPct val="90000"/>
-              </a:lnSpc>
-              <a:spcBef>
-                <a:spcPts val="375"/>
-              </a:spcBef>
-              <a:buFont typeface="Arial" panose="020B0604020202020204" pitchFamily="34" charset="0"/>
-              <a:buChar char="•"/>
-              <a:defRPr sz="1350" kern="1200">
-                <a:solidFill>
-                  <a:schemeClr val="tx1"/>
-                </a:solidFill>
-                <a:latin typeface="+mn-lt"/>
-                <a:ea typeface="+mn-ea"/>
-                <a:cs typeface="+mn-cs"/>
-              </a:defRPr>
-            </a:lvl8pPr>
-            <a:lvl9pPr marL="2914650" indent="-171450" algn="l" defTabSz="685800" rtl="0" eaLnBrk="1" latinLnBrk="0" hangingPunct="1">
-              <a:lnSpc>
-                <a:spcPct val="90000"/>
-              </a:lnSpc>
-              <a:spcBef>
-                <a:spcPts val="375"/>
-              </a:spcBef>
-              <a:buFont typeface="Arial" panose="020B0604020202020204" pitchFamily="34" charset="0"/>
-              <a:buChar char="•"/>
-              <a:defRPr sz="1350" kern="1200">
-                <a:solidFill>
-                  <a:schemeClr val="tx1"/>
-                </a:solidFill>
-                <a:latin typeface="+mn-lt"/>
-                <a:ea typeface="+mn-ea"/>
-                <a:cs typeface="+mn-cs"/>
-              </a:defRPr>
-            </a:lvl9pPr>
-          </a:lstStyle>
-          <a:p>
-            <a:pPr marL="0" indent="0">
-              <a:buFont typeface="Arial" panose="020B0604020202020204" pitchFamily="34" charset="0"/>
-              <a:buNone/>
-            </a:pPr>
-            <a:r>
-              <a:rPr lang="en-US" sz="1600" dirty="0">
-                <a:latin typeface="Consolas" panose="020B0609020204030204" pitchFamily="49" charset="0"/>
-              </a:rPr>
-              <a:t>n = </a:t>
-            </a:r>
-            <a:r>
-              <a:rPr lang="en-US" sz="1600" dirty="0">
-                <a:solidFill>
-                  <a:srgbClr val="FFC000"/>
-                </a:solidFill>
-                <a:latin typeface="Consolas" panose="020B0609020204030204" pitchFamily="49" charset="0"/>
-              </a:rPr>
-              <a:t>input</a:t>
-            </a:r>
-            <a:r>
-              <a:rPr lang="en-US" sz="1600" dirty="0">
-                <a:latin typeface="Consolas" panose="020B0609020204030204" pitchFamily="49" charset="0"/>
-              </a:rPr>
-              <a:t>(</a:t>
-            </a:r>
-            <a:r>
-              <a:rPr lang="en-US" sz="1600" dirty="0">
-                <a:solidFill>
-                  <a:srgbClr val="92D050"/>
-                </a:solidFill>
-                <a:latin typeface="Consolas" panose="020B0609020204030204" pitchFamily="49" charset="0"/>
-              </a:rPr>
-              <a:t>'Enter</a:t>
-            </a:r>
-            <a:r>
-              <a:rPr lang="en-US" sz="1600" dirty="0">
-                <a:latin typeface="Consolas" panose="020B0609020204030204" pitchFamily="49" charset="0"/>
-              </a:rPr>
-              <a:t> </a:t>
-            </a:r>
-            <a:r>
-              <a:rPr lang="en-US" sz="1600" dirty="0">
-                <a:solidFill>
-                  <a:srgbClr val="92D050"/>
-                </a:solidFill>
-                <a:latin typeface="Consolas" panose="020B0609020204030204" pitchFamily="49" charset="0"/>
-              </a:rPr>
-              <a:t>a number: '</a:t>
-            </a:r>
-            <a:r>
-              <a:rPr lang="en-US" sz="1600" dirty="0">
-                <a:latin typeface="Consolas" panose="020B0609020204030204" pitchFamily="49" charset="0"/>
-              </a:rPr>
-              <a:t>)</a:t>
-            </a:r>
-          </a:p>
-          <a:p>
-            <a:pPr marL="0" indent="0">
-              <a:buFont typeface="Arial" panose="020B0604020202020204" pitchFamily="34" charset="0"/>
-              <a:buNone/>
-            </a:pPr>
-            <a:r>
-              <a:rPr lang="en-US" sz="1600" dirty="0">
-                <a:solidFill>
-                  <a:srgbClr val="FF00FF"/>
-                </a:solidFill>
-                <a:latin typeface="Consolas" panose="020B0609020204030204" pitchFamily="49" charset="0"/>
-              </a:rPr>
-              <a:t>if</a:t>
-            </a:r>
-            <a:r>
-              <a:rPr lang="en-US" sz="1600" dirty="0">
-                <a:latin typeface="Consolas" panose="020B0609020204030204" pitchFamily="49" charset="0"/>
-              </a:rPr>
-              <a:t> </a:t>
-            </a:r>
-            <a:r>
-              <a:rPr lang="en-US" sz="1500" dirty="0">
-                <a:solidFill>
-                  <a:srgbClr val="FFC000"/>
-                </a:solidFill>
-                <a:latin typeface="Consolas" panose="020B0609020204030204" pitchFamily="49" charset="0"/>
-              </a:rPr>
-              <a:t>int</a:t>
-            </a:r>
-            <a:r>
-              <a:rPr lang="en-US" sz="1600" dirty="0">
-                <a:latin typeface="Consolas" panose="020B0609020204030204" pitchFamily="49" charset="0"/>
-              </a:rPr>
-              <a:t>(n) &gt; </a:t>
-            </a:r>
-            <a:r>
-              <a:rPr lang="en-US" sz="1600" dirty="0">
-                <a:solidFill>
-                  <a:srgbClr val="0070C0"/>
-                </a:solidFill>
-                <a:latin typeface="Consolas" panose="020B0609020204030204" pitchFamily="49" charset="0"/>
-              </a:rPr>
-              <a:t>1000</a:t>
-            </a:r>
-            <a:r>
-              <a:rPr lang="en-US" sz="1600" dirty="0">
-                <a:latin typeface="Consolas" panose="020B0609020204030204" pitchFamily="49" charset="0"/>
-              </a:rPr>
-              <a:t>:</a:t>
-            </a:r>
-          </a:p>
-          <a:p>
-            <a:pPr marL="0" indent="0">
-              <a:buFont typeface="Arial" panose="020B0604020202020204" pitchFamily="34" charset="0"/>
-              <a:buNone/>
-            </a:pPr>
-            <a:r>
-              <a:rPr lang="en-US" sz="1600" dirty="0">
-                <a:latin typeface="Consolas" panose="020B0609020204030204" pitchFamily="49" charset="0"/>
-              </a:rPr>
-              <a:t>    </a:t>
-            </a:r>
-            <a:r>
-              <a:rPr lang="en-US" sz="1600" dirty="0">
-                <a:solidFill>
-                  <a:srgbClr val="FFC000"/>
-                </a:solidFill>
-                <a:latin typeface="Consolas" panose="020B0609020204030204" pitchFamily="49" charset="0"/>
-              </a:rPr>
-              <a:t>print</a:t>
-            </a:r>
-            <a:r>
-              <a:rPr lang="en-US" sz="1600" dirty="0">
-                <a:latin typeface="Consolas" panose="020B0609020204030204" pitchFamily="49" charset="0"/>
-              </a:rPr>
-              <a:t>(</a:t>
-            </a:r>
-            <a:r>
-              <a:rPr lang="en-US" sz="1600" dirty="0">
-                <a:solidFill>
-                  <a:srgbClr val="92D050"/>
-                </a:solidFill>
-                <a:latin typeface="Consolas" panose="020B0609020204030204" pitchFamily="49" charset="0"/>
-              </a:rPr>
-              <a:t>'Wow, {} is </a:t>
-            </a:r>
-            <a:r>
-              <a:rPr lang="en-US" sz="1600" dirty="0" err="1">
-                <a:solidFill>
-                  <a:srgbClr val="92D050"/>
-                </a:solidFill>
-                <a:latin typeface="Consolas" panose="020B0609020204030204" pitchFamily="49" charset="0"/>
-              </a:rPr>
-              <a:t>large!'</a:t>
-            </a:r>
-            <a:r>
-              <a:rPr lang="en-US" sz="1600" dirty="0" err="1">
-                <a:latin typeface="Consolas" panose="020B0609020204030204" pitchFamily="49" charset="0"/>
-              </a:rPr>
-              <a:t>.format</a:t>
-            </a:r>
-            <a:r>
-              <a:rPr lang="en-US" sz="1600" dirty="0">
-                <a:latin typeface="Consolas" panose="020B0609020204030204" pitchFamily="49" charset="0"/>
-              </a:rPr>
-              <a:t>(n))</a:t>
-            </a:r>
-          </a:p>
-          <a:p>
-            <a:pPr marL="0" indent="0">
-              <a:buFont typeface="Arial" panose="020B0604020202020204" pitchFamily="34" charset="0"/>
-              <a:buNone/>
-            </a:pPr>
-            <a:r>
-              <a:rPr lang="en-US" sz="1600" dirty="0" err="1">
-                <a:solidFill>
-                  <a:srgbClr val="FF00FF"/>
-                </a:solidFill>
-                <a:latin typeface="Consolas" panose="020B0609020204030204" pitchFamily="49" charset="0"/>
-              </a:rPr>
-              <a:t>elif</a:t>
-            </a:r>
-            <a:r>
-              <a:rPr lang="en-US" sz="1600" dirty="0">
-                <a:solidFill>
-                  <a:srgbClr val="FF00FF"/>
-                </a:solidFill>
-                <a:latin typeface="Consolas" panose="020B0609020204030204" pitchFamily="49" charset="0"/>
-              </a:rPr>
-              <a:t> </a:t>
-            </a:r>
-            <a:r>
-              <a:rPr lang="en-US" sz="1500" dirty="0">
-                <a:solidFill>
-                  <a:srgbClr val="FFC000"/>
-                </a:solidFill>
-                <a:latin typeface="Consolas" panose="020B0609020204030204" pitchFamily="49" charset="0"/>
-              </a:rPr>
-              <a:t>int</a:t>
-            </a:r>
-            <a:r>
-              <a:rPr lang="en-US" sz="1500" dirty="0">
-                <a:latin typeface="Consolas" panose="020B0609020204030204" pitchFamily="49" charset="0"/>
-              </a:rPr>
-              <a:t>(n) &lt; </a:t>
-            </a:r>
-            <a:r>
-              <a:rPr lang="en-US" sz="1500" dirty="0">
-                <a:solidFill>
-                  <a:srgbClr val="0070C0"/>
-                </a:solidFill>
-                <a:latin typeface="Consolas" panose="020B0609020204030204" pitchFamily="49" charset="0"/>
-              </a:rPr>
-              <a:t>10:</a:t>
-            </a:r>
-          </a:p>
-          <a:p>
-            <a:pPr marL="0" indent="0">
-              <a:buFont typeface="Arial" panose="020B0604020202020204" pitchFamily="34" charset="0"/>
-              <a:buNone/>
-            </a:pPr>
-            <a:r>
-              <a:rPr lang="en-US" sz="1600" dirty="0">
-                <a:latin typeface="Consolas" panose="020B0609020204030204" pitchFamily="49" charset="0"/>
-              </a:rPr>
-              <a:t>	</a:t>
-            </a:r>
-            <a:r>
-              <a:rPr lang="en-US" sz="1600" dirty="0">
-                <a:solidFill>
-                  <a:srgbClr val="FFC000"/>
-                </a:solidFill>
-                <a:latin typeface="Consolas" panose="020B0609020204030204" pitchFamily="49" charset="0"/>
-              </a:rPr>
-              <a:t>print</a:t>
-            </a:r>
-            <a:r>
-              <a:rPr lang="en-US" sz="1600" dirty="0">
-                <a:latin typeface="Consolas" panose="020B0609020204030204" pitchFamily="49" charset="0"/>
-              </a:rPr>
-              <a:t>(</a:t>
-            </a:r>
-            <a:r>
-              <a:rPr lang="en-US" sz="1600" dirty="0">
-                <a:solidFill>
-                  <a:srgbClr val="92D050"/>
-                </a:solidFill>
-                <a:latin typeface="Consolas" panose="020B0609020204030204" pitchFamily="49" charset="0"/>
-              </a:rPr>
-              <a:t>'{} is all you\'ve </a:t>
-            </a:r>
-            <a:r>
-              <a:rPr lang="en-US" sz="1600" dirty="0" err="1">
-                <a:solidFill>
-                  <a:srgbClr val="92D050"/>
-                </a:solidFill>
-                <a:latin typeface="Consolas" panose="020B0609020204030204" pitchFamily="49" charset="0"/>
-              </a:rPr>
-              <a:t>got?'</a:t>
-            </a:r>
-            <a:r>
-              <a:rPr lang="en-US" sz="1600" dirty="0" err="1">
-                <a:latin typeface="Consolas" panose="020B0609020204030204" pitchFamily="49" charset="0"/>
-              </a:rPr>
-              <a:t>.format</a:t>
-            </a:r>
-            <a:r>
-              <a:rPr lang="en-US" sz="1600" dirty="0">
-                <a:latin typeface="Consolas" panose="020B0609020204030204" pitchFamily="49" charset="0"/>
-              </a:rPr>
-              <a:t>(n))</a:t>
-            </a:r>
-          </a:p>
-          <a:p>
-            <a:pPr marL="0" indent="0">
-              <a:buFont typeface="Arial" panose="020B0604020202020204" pitchFamily="34" charset="0"/>
-              <a:buNone/>
-            </a:pPr>
-            <a:r>
-              <a:rPr lang="en-US" sz="1600" dirty="0">
-                <a:solidFill>
-                  <a:srgbClr val="FFC000"/>
-                </a:solidFill>
-                <a:latin typeface="Consolas" panose="020B0609020204030204" pitchFamily="49" charset="0"/>
-              </a:rPr>
-              <a:t>print</a:t>
-            </a:r>
-            <a:r>
-              <a:rPr lang="en-US" sz="1600" dirty="0">
-                <a:latin typeface="Consolas" panose="020B0609020204030204" pitchFamily="49" charset="0"/>
-              </a:rPr>
-              <a:t>(</a:t>
-            </a:r>
-            <a:r>
-              <a:rPr lang="en-US" sz="1600" dirty="0">
-                <a:solidFill>
-                  <a:srgbClr val="92D050"/>
-                </a:solidFill>
-                <a:latin typeface="Consolas" panose="020B0609020204030204" pitchFamily="49" charset="0"/>
-              </a:rPr>
-              <a:t>'Done!'</a:t>
-            </a:r>
-            <a:r>
-              <a:rPr lang="en-US" sz="1600" dirty="0">
-                <a:latin typeface="Consolas" panose="020B0609020204030204" pitchFamily="49" charset="0"/>
-              </a:rPr>
-              <a:t>)</a:t>
-            </a:r>
-          </a:p>
-        </p:txBody>
-      </p:sp>
+      </p:pic>
+      <p:pic>
+        <p:nvPicPr>
+          <p:cNvPr id="7" name="Picture 6" descr="Text&#10;&#10;Description automatically generated">
+            <a:extLst>
+              <a:ext uri="{FF2B5EF4-FFF2-40B4-BE49-F238E27FC236}">
+                <a16:creationId xmlns:a16="http://schemas.microsoft.com/office/drawing/2014/main" id="{D723D0F9-BC0E-4CF8-6B64-DDFD7ED29E2A}"/>
+              </a:ext>
+            </a:extLst>
+          </p:cNvPr>
+          <p:cNvPicPr>
+            <a:picLocks noChangeAspect="1"/>
+          </p:cNvPicPr>
+          <p:nvPr/>
+        </p:nvPicPr>
+        <p:blipFill>
+          <a:blip r:embed="rId4">
+            <a:extLst>
+              <a:ext uri="{28A0092B-C50C-407E-A947-70E740481C1C}">
+                <a14:useLocalDpi xmlns:a14="http://schemas.microsoft.com/office/drawing/2010/main" val="0"/>
+              </a:ext>
+            </a:extLst>
+          </a:blip>
+          <a:stretch>
+            <a:fillRect/>
+          </a:stretch>
+        </p:blipFill>
+        <p:spPr>
+          <a:xfrm>
+            <a:off x="2579504" y="5021155"/>
+            <a:ext cx="5633427" cy="1750430"/>
+          </a:xfrm>
+          <a:prstGeom prst="rect">
+            <a:avLst/>
+          </a:prstGeom>
+        </p:spPr>
+      </p:pic>
     </p:spTree>
     <p:extLst>
       <p:ext uri="{BB962C8B-B14F-4D97-AF65-F5344CB8AC3E}">
@@ -5984,7 +5656,7 @@
                             </p:stCondLst>
                             <p:childTnLst>
                               <p:par>
-                                <p:cTn id="28" presetID="10" presetClass="entr" presetSubtype="0" fill="hold" grpId="0" nodeType="clickEffect">
+                                <p:cTn id="28" presetID="2" presetClass="entr" presetSubtype="4" fill="hold" nodeType="clickEffect">
                                   <p:stCondLst>
                                     <p:cond delay="0"/>
                                   </p:stCondLst>
@@ -5997,59 +5669,6 @@
                                           </p:stCondLst>
                                         </p:cTn>
                                         <p:tgtEl>
-                                          <p:spTgt spid="11"/>
-                                        </p:tgtEl>
-                                        <p:attrNameLst>
-                                          <p:attrName>style.visibility</p:attrName>
-                                        </p:attrNameLst>
-                                      </p:cBhvr>
-                                      <p:to>
-                                        <p:strVal val="visible"/>
-                                      </p:to>
-                                    </p:set>
-                                    <p:animEffect transition="in" filter="fade">
-                                      <p:cBhvr>
-                                        <p:cTn id="30" dur="500"/>
-                                        <p:tgtEl>
-                                          <p:spTgt spid="11"/>
-                                        </p:tgtEl>
-                                      </p:cBhvr>
-                                    </p:animEffect>
-                                  </p:childTnLst>
-                                </p:cTn>
-                              </p:par>
-                            </p:childTnLst>
-                          </p:cTn>
-                        </p:par>
-                      </p:childTnLst>
-                    </p:cTn>
-                  </p:par>
-                  <p:par>
-                    <p:cTn id="31" fill="hold">
-                      <p:stCondLst>
-                        <p:cond delay="indefinite"/>
-                      </p:stCondLst>
-                      <p:childTnLst>
-                        <p:par>
-                          <p:cTn id="32" fill="hold">
-                            <p:stCondLst>
-                              <p:cond delay="0"/>
-                            </p:stCondLst>
-                            <p:childTnLst>
-                              <p:par>
-                                <p:cTn id="33" presetID="2" presetClass="entr" presetSubtype="4" fill="hold" nodeType="clickEffect">
-                                  <p:stCondLst>
-                                    <p:cond delay="0"/>
-                                  </p:stCondLst>
-                                  <p:childTnLst>
-                                    <p:set>
-                                      <p:cBhvr>
-                                        <p:cTn id="34" dur="1" fill="hold">
-                                          <p:stCondLst>
-                                            <p:cond delay="0"/>
-                                          </p:stCondLst>
-                                        </p:cTn>
-                                        <p:tgtEl>
                                           <p:spTgt spid="2">
                                             <p:txEl>
                                               <p:pRg st="0" end="0"/>
@@ -6066,7 +5685,7 @@
                                     </p:set>
                                     <p:anim calcmode="lin" valueType="num">
                                       <p:cBhvr additive="base">
-                                        <p:cTn id="35" dur="500" fill="hold"/>
+                                        <p:cTn id="30" dur="500" fill="hold"/>
                                         <p:tgtEl>
                                           <p:spTgt spid="2">
                                             <p:txEl>
@@ -6093,7 +5712,7 @@
                                     </p:anim>
                                     <p:anim calcmode="lin" valueType="num">
                                       <p:cBhvr additive="base">
-                                        <p:cTn id="36" dur="500" fill="hold"/>
+                                        <p:cTn id="31" dur="500" fill="hold"/>
                                         <p:tgtEl>
                                           <p:spTgt spid="2">
                                             <p:txEl>
@@ -6128,26 +5747,26 @@
                     </p:cTn>
                   </p:par>
                   <p:par>
-                    <p:cTn id="37" fill="hold">
+                    <p:cTn id="32" fill="hold">
                       <p:stCondLst>
                         <p:cond delay="indefinite"/>
                       </p:stCondLst>
                       <p:childTnLst>
                         <p:par>
-                          <p:cTn id="38" fill="hold">
+                          <p:cTn id="33" fill="hold">
                             <p:stCondLst>
                               <p:cond delay="0"/>
                             </p:stCondLst>
                             <p:childTnLst>
                               <p:par>
-                                <p:cTn id="39" presetID="2" presetClass="entr" presetSubtype="4" fill="hold" nodeType="clickEffect">
+                                <p:cTn id="34" presetID="2" presetClass="entr" presetSubtype="4" fill="hold" nodeType="clickEffect">
                                   <p:stCondLst>
                                     <p:cond delay="0"/>
                                   </p:stCondLst>
                                   <p:childTnLst>
                                     <p:set>
                                       <p:cBhvr>
-                                        <p:cTn id="40" dur="1" fill="hold">
+                                        <p:cTn id="35" dur="1" fill="hold">
                                           <p:stCondLst>
                                             <p:cond delay="0"/>
                                           </p:stCondLst>
@@ -6169,7 +5788,7 @@
                                     </p:set>
                                     <p:anim calcmode="lin" valueType="num">
                                       <p:cBhvr additive="base">
-                                        <p:cTn id="41" dur="500" fill="hold"/>
+                                        <p:cTn id="36" dur="500" fill="hold"/>
                                         <p:tgtEl>
                                           <p:spTgt spid="2">
                                             <p:txEl>
@@ -6196,7 +5815,7 @@
                                     </p:anim>
                                     <p:anim calcmode="lin" valueType="num">
                                       <p:cBhvr additive="base">
-                                        <p:cTn id="42" dur="500" fill="hold"/>
+                                        <p:cTn id="37" dur="500" fill="hold"/>
                                         <p:tgtEl>
                                           <p:spTgt spid="2">
                                             <p:txEl>
@@ -6231,26 +5850,26 @@
                     </p:cTn>
                   </p:par>
                   <p:par>
-                    <p:cTn id="43" fill="hold">
+                    <p:cTn id="38" fill="hold">
                       <p:stCondLst>
                         <p:cond delay="indefinite"/>
                       </p:stCondLst>
                       <p:childTnLst>
                         <p:par>
-                          <p:cTn id="44" fill="hold">
+                          <p:cTn id="39" fill="hold">
                             <p:stCondLst>
                               <p:cond delay="0"/>
                             </p:stCondLst>
                             <p:childTnLst>
                               <p:par>
-                                <p:cTn id="45" presetID="2" presetClass="entr" presetSubtype="4" fill="hold" nodeType="clickEffect">
+                                <p:cTn id="40" presetID="2" presetClass="entr" presetSubtype="4" fill="hold" nodeType="clickEffect">
                                   <p:stCondLst>
                                     <p:cond delay="0"/>
                                   </p:stCondLst>
                                   <p:childTnLst>
                                     <p:set>
                                       <p:cBhvr>
-                                        <p:cTn id="46" dur="1" fill="hold">
+                                        <p:cTn id="41" dur="1" fill="hold">
                                           <p:stCondLst>
                                             <p:cond delay="0"/>
                                           </p:stCondLst>
@@ -6272,7 +5891,7 @@
                                     </p:set>
                                     <p:anim calcmode="lin" valueType="num">
                                       <p:cBhvr additive="base">
-                                        <p:cTn id="47" dur="500" fill="hold"/>
+                                        <p:cTn id="42" dur="500" fill="hold"/>
                                         <p:tgtEl>
                                           <p:spTgt spid="2">
                                             <p:txEl>
@@ -6299,7 +5918,7 @@
                                     </p:anim>
                                     <p:anim calcmode="lin" valueType="num">
                                       <p:cBhvr additive="base">
-                                        <p:cTn id="48" dur="500" fill="hold"/>
+                                        <p:cTn id="43" dur="500" fill="hold"/>
                                         <p:tgtEl>
                                           <p:spTgt spid="2">
                                             <p:txEl>
@@ -6334,26 +5953,26 @@
                     </p:cTn>
                   </p:par>
                   <p:par>
-                    <p:cTn id="49" fill="hold">
+                    <p:cTn id="44" fill="hold">
                       <p:stCondLst>
                         <p:cond delay="indefinite"/>
                       </p:stCondLst>
                       <p:childTnLst>
                         <p:par>
-                          <p:cTn id="50" fill="hold">
+                          <p:cTn id="45" fill="hold">
                             <p:stCondLst>
                               <p:cond delay="0"/>
                             </p:stCondLst>
                             <p:childTnLst>
                               <p:par>
-                                <p:cTn id="51" presetID="2" presetClass="entr" presetSubtype="4" fill="hold" nodeType="clickEffect">
+                                <p:cTn id="46" presetID="2" presetClass="entr" presetSubtype="4" fill="hold" nodeType="clickEffect">
                                   <p:stCondLst>
                                     <p:cond delay="0"/>
                                   </p:stCondLst>
                                   <p:childTnLst>
                                     <p:set>
                                       <p:cBhvr>
-                                        <p:cTn id="52" dur="1" fill="hold">
+                                        <p:cTn id="47" dur="1" fill="hold">
                                           <p:stCondLst>
                                             <p:cond delay="0"/>
                                           </p:stCondLst>
@@ -6375,7 +5994,7 @@
                                     </p:set>
                                     <p:anim calcmode="lin" valueType="num">
                                       <p:cBhvr additive="base">
-                                        <p:cTn id="53" dur="500" fill="hold"/>
+                                        <p:cTn id="48" dur="500" fill="hold"/>
                                         <p:tgtEl>
                                           <p:spTgt spid="2">
                                             <p:txEl>
@@ -6402,7 +6021,7 @@
                                     </p:anim>
                                     <p:anim calcmode="lin" valueType="num">
                                       <p:cBhvr additive="base">
-                                        <p:cTn id="54" dur="500" fill="hold"/>
+                                        <p:cTn id="49" dur="500" fill="hold"/>
                                         <p:tgtEl>
                                           <p:spTgt spid="2">
                                             <p:txEl>
@@ -6437,26 +6056,26 @@
                     </p:cTn>
                   </p:par>
                   <p:par>
-                    <p:cTn id="55" fill="hold">
+                    <p:cTn id="50" fill="hold">
                       <p:stCondLst>
                         <p:cond delay="indefinite"/>
                       </p:stCondLst>
                       <p:childTnLst>
                         <p:par>
-                          <p:cTn id="56" fill="hold">
+                          <p:cTn id="51" fill="hold">
                             <p:stCondLst>
                               <p:cond delay="0"/>
                             </p:stCondLst>
                             <p:childTnLst>
                               <p:par>
-                                <p:cTn id="57" presetID="2" presetClass="entr" presetSubtype="4" fill="hold" nodeType="clickEffect">
+                                <p:cTn id="52" presetID="2" presetClass="entr" presetSubtype="4" fill="hold" nodeType="clickEffect">
                                   <p:stCondLst>
                                     <p:cond delay="0"/>
                                   </p:stCondLst>
                                   <p:childTnLst>
                                     <p:set>
                                       <p:cBhvr>
-                                        <p:cTn id="58" dur="1" fill="hold">
+                                        <p:cTn id="53" dur="1" fill="hold">
                                           <p:stCondLst>
                                             <p:cond delay="0"/>
                                           </p:stCondLst>
@@ -6478,7 +6097,7 @@
                                     </p:set>
                                     <p:anim calcmode="lin" valueType="num">
                                       <p:cBhvr additive="base">
-                                        <p:cTn id="59" dur="500" fill="hold"/>
+                                        <p:cTn id="54" dur="500" fill="hold"/>
                                         <p:tgtEl>
                                           <p:spTgt spid="2">
                                             <p:txEl>
@@ -6505,7 +6124,7 @@
                                     </p:anim>
                                     <p:anim calcmode="lin" valueType="num">
                                       <p:cBhvr additive="base">
-                                        <p:cTn id="60" dur="500" fill="hold"/>
+                                        <p:cTn id="55" dur="500" fill="hold"/>
                                         <p:tgtEl>
                                           <p:spTgt spid="2">
                                             <p:txEl>
@@ -6560,9 +6179,6 @@
         </p:cTn>
       </p:par>
     </p:tnLst>
-    <p:bldLst>
-      <p:bldP spid="11" grpId="0" animBg="1"/>
-    </p:bldLst>
   </p:timing>
 </p:sld>
 </file>
@@ -6606,19 +6222,41 @@
           <a:lstStyle/>
           <a:p>
             <a:r>
-              <a:rPr lang="en-US" dirty="0">
+              <a:rPr lang="en-US" b="1" dirty="0">
                 <a:solidFill>
                   <a:schemeClr val="tx1">
                     <a:lumMod val="95000"/>
                   </a:schemeClr>
                 </a:solidFill>
-              </a:rPr>
-              <a:t>Shorthand If statements</a:t>
-            </a:r>
-            <a:endParaRPr lang="en-US" dirty="0">
+                <a:latin typeface="Avenir Black" panose="02000503020000020003" pitchFamily="2" charset="0"/>
+              </a:rPr>
+              <a:t>Shorthand </a:t>
+            </a:r>
+            <a:r>
+              <a:rPr lang="en-US" b="1" dirty="0">
+                <a:solidFill>
+                  <a:srgbClr val="5A5AA8"/>
+                </a:solidFill>
+                <a:latin typeface="Avenir Black" panose="02000503020000020003" pitchFamily="2" charset="0"/>
+              </a:rPr>
+              <a:t>If</a:t>
+            </a:r>
+            <a:r>
+              <a:rPr lang="en-US" b="1" dirty="0">
+                <a:solidFill>
+                  <a:schemeClr val="tx1">
+                    <a:lumMod val="95000"/>
+                  </a:schemeClr>
+                </a:solidFill>
+                <a:latin typeface="Avenir Black" panose="02000503020000020003" pitchFamily="2" charset="0"/>
+              </a:rPr>
+              <a:t> statements</a:t>
+            </a:r>
+            <a:endParaRPr lang="en-US" b="1" dirty="0">
               <a:solidFill>
                 <a:srgbClr val="FFC000"/>
               </a:solidFill>
+              <a:latin typeface="Avenir Black" panose="02000503020000020003" pitchFamily="2" charset="0"/>
             </a:endParaRPr>
           </a:p>
         </p:txBody>
@@ -6658,14 +6296,16 @@
                     <a:lumMod val="95000"/>
                   </a:schemeClr>
                 </a:solidFill>
+                <a:latin typeface="Avenir" panose="02000503020000020003" pitchFamily="2" charset="0"/>
               </a:rPr>
               <a:t>Shorthand </a:t>
             </a:r>
             <a:r>
               <a:rPr lang="en-US" dirty="0">
                 <a:solidFill>
-                  <a:srgbClr val="FF00FF"/>
+                  <a:srgbClr val="5A5AA8"/>
                 </a:solidFill>
+                <a:latin typeface="Avenir" panose="02000503020000020003" pitchFamily="2" charset="0"/>
               </a:rPr>
               <a:t>if</a:t>
             </a:r>
@@ -6676,6 +6316,7 @@
                     <a:lumMod val="95000"/>
                   </a:schemeClr>
                 </a:solidFill>
+                <a:latin typeface="Avenir" panose="02000503020000020003" pitchFamily="2" charset="0"/>
               </a:rPr>
               <a:t> statement</a:t>
             </a:r>
@@ -6689,6 +6330,7 @@
                     <a:lumMod val="95000"/>
                   </a:schemeClr>
                 </a:solidFill>
+                <a:latin typeface="Avenir" panose="02000503020000020003" pitchFamily="2" charset="0"/>
               </a:rPr>
               <a:t>Single executed statement only</a:t>
             </a:r>
@@ -6703,6 +6345,7 @@
                   <a:lumMod val="95000"/>
                 </a:schemeClr>
               </a:solidFill>
+              <a:latin typeface="Avenir" panose="02000503020000020003" pitchFamily="2" charset="0"/>
             </a:endParaRPr>
           </a:p>
           <a:p>
@@ -6712,46 +6355,14 @@
             <a:r>
               <a:rPr lang="en-US" dirty="0">
                 <a:solidFill>
-                  <a:srgbClr val="FF00FF"/>
-                </a:solidFill>
-              </a:rPr>
-              <a:t>if</a:t>
-            </a:r>
-            <a:r>
-              <a:rPr lang="en-US" dirty="0">
-                <a:solidFill>
                   <a:schemeClr val="tx1">
-                    <a:lumMod val="95000"/>
+                    <a:lumMod val="50000"/>
+                    <a:lumOff val="50000"/>
                   </a:schemeClr>
                 </a:solidFill>
-              </a:rPr>
-              <a:t> </a:t>
-            </a:r>
-            <a:r>
-              <a:rPr lang="en-US" dirty="0">
-                <a:solidFill>
-                  <a:srgbClr val="92D050"/>
-                </a:solidFill>
-              </a:rPr>
-              <a:t>&lt;condition&gt;</a:t>
-            </a:r>
-            <a:r>
-              <a:rPr lang="en-US" dirty="0">
-                <a:solidFill>
-                  <a:schemeClr val="tx1">
-                    <a:lumMod val="95000"/>
-                  </a:schemeClr>
-                </a:solidFill>
-              </a:rPr>
-              <a:t>: </a:t>
-            </a:r>
-            <a:r>
-              <a:rPr lang="en-US" dirty="0">
-                <a:solidFill>
-                  <a:srgbClr val="92D050"/>
-                </a:solidFill>
-              </a:rPr>
-              <a:t>&lt;statement&gt;</a:t>
+                <a:latin typeface="Avenir" panose="02000503020000020003" pitchFamily="2" charset="0"/>
+              </a:rPr>
+              <a:t>if &lt;condition&gt;: &lt;statement&gt;</a:t>
             </a:r>
           </a:p>
           <a:p>
@@ -6764,6 +6375,7 @@
                   <a:lumMod val="95000"/>
                 </a:schemeClr>
               </a:solidFill>
+              <a:latin typeface="Avenir" panose="02000503020000020003" pitchFamily="2" charset="0"/>
             </a:endParaRPr>
           </a:p>
           <a:p>
@@ -6776,18 +6388,7 @@
                   <a:lumMod val="95000"/>
                 </a:schemeClr>
               </a:solidFill>
-            </a:endParaRPr>
-          </a:p>
-          <a:p>
-            <a:pPr marL="342900" lvl="1" indent="0">
-              <a:buNone/>
-            </a:pPr>
-            <a:endParaRPr lang="en-US" dirty="0">
-              <a:solidFill>
-                <a:schemeClr val="tx1">
-                  <a:lumMod val="95000"/>
-                </a:schemeClr>
-              </a:solidFill>
+              <a:latin typeface="Avenir" panose="02000503020000020003" pitchFamily="2" charset="0"/>
             </a:endParaRPr>
           </a:p>
           <a:p>
@@ -6798,16 +6399,18 @@
                     <a:lumMod val="95000"/>
                   </a:schemeClr>
                 </a:solidFill>
+                <a:latin typeface="Avenir" panose="02000503020000020003" pitchFamily="2" charset="0"/>
               </a:rPr>
               <a:t>Shorthand </a:t>
             </a:r>
             <a:r>
               <a:rPr lang="en-US" dirty="0">
                 <a:solidFill>
-                  <a:srgbClr val="FF00FF"/>
+                  <a:srgbClr val="5A5AA8"/>
                 </a:solidFill>
-              </a:rPr>
-              <a:t>if else</a:t>
+                <a:latin typeface="Avenir" panose="02000503020000020003" pitchFamily="2" charset="0"/>
+              </a:rPr>
+              <a:t>if else </a:t>
             </a:r>
             <a:r>
               <a:rPr lang="en-US" dirty="0">
@@ -6816,19 +6419,10 @@
                     <a:lumMod val="95000"/>
                   </a:schemeClr>
                 </a:solidFill>
-              </a:rPr>
-              <a:t> statement</a:t>
-            </a:r>
-          </a:p>
-          <a:p>
-            <a:pPr lvl="1"/>
-            <a:endParaRPr lang="en-US" dirty="0">
-              <a:solidFill>
-                <a:schemeClr val="tx1">
-                  <a:lumMod val="95000"/>
-                </a:schemeClr>
-              </a:solidFill>
-            </a:endParaRPr>
+                <a:latin typeface="Avenir" panose="02000503020000020003" pitchFamily="2" charset="0"/>
+              </a:rPr>
+              <a:t>statement</a:t>
+            </a:r>
           </a:p>
           <a:p>
             <a:pPr marL="342900" lvl="1" indent="0">
@@ -6837,801 +6431,126 @@
             <a:r>
               <a:rPr lang="en-US" dirty="0">
                 <a:solidFill>
-                  <a:srgbClr val="92D050"/>
-                </a:solidFill>
-              </a:rPr>
-              <a:t>&lt;statement&gt; </a:t>
-            </a:r>
-            <a:r>
-              <a:rPr lang="en-US" dirty="0">
-                <a:solidFill>
-                  <a:srgbClr val="FF00FF"/>
-                </a:solidFill>
-              </a:rPr>
-              <a:t>if</a:t>
-            </a:r>
-            <a:r>
-              <a:rPr lang="en-US" dirty="0">
-                <a:solidFill>
                   <a:schemeClr val="tx1">
-                    <a:lumMod val="95000"/>
+                    <a:lumMod val="50000"/>
+                    <a:lumOff val="50000"/>
                   </a:schemeClr>
                 </a:solidFill>
-              </a:rPr>
-              <a:t> </a:t>
-            </a:r>
-            <a:r>
-              <a:rPr lang="en-US" dirty="0">
-                <a:solidFill>
-                  <a:srgbClr val="92D050"/>
-                </a:solidFill>
-              </a:rPr>
-              <a:t>&lt;condition&gt;</a:t>
-            </a:r>
-            <a:r>
-              <a:rPr lang="en-US" dirty="0">
-                <a:solidFill>
-                  <a:schemeClr val="tx1">
-                    <a:lumMod val="95000"/>
-                  </a:schemeClr>
-                </a:solidFill>
-              </a:rPr>
-              <a:t> </a:t>
-            </a:r>
-            <a:r>
-              <a:rPr lang="en-US" dirty="0">
-                <a:solidFill>
-                  <a:srgbClr val="FF00FF"/>
-                </a:solidFill>
-              </a:rPr>
-              <a:t>else</a:t>
-            </a:r>
-            <a:r>
-              <a:rPr lang="en-US" dirty="0">
-                <a:solidFill>
-                  <a:schemeClr val="tx1">
-                    <a:lumMod val="95000"/>
-                  </a:schemeClr>
-                </a:solidFill>
-              </a:rPr>
-              <a:t> </a:t>
-            </a:r>
-            <a:r>
-              <a:rPr lang="en-US" dirty="0">
-                <a:solidFill>
-                  <a:srgbClr val="92D050"/>
-                </a:solidFill>
-              </a:rPr>
-              <a:t>&lt;statement&gt;</a:t>
+                <a:latin typeface="Avenir" panose="02000503020000020003" pitchFamily="2" charset="0"/>
+              </a:rPr>
+              <a:t>&lt;statement&gt; if &lt;condition&gt; else &lt;statement&gt;</a:t>
             </a:r>
           </a:p>
         </p:txBody>
       </p:sp>
-      <p:sp>
-        <p:nvSpPr>
-          <p:cNvPr id="7" name="TextBox 6">
+      <p:pic>
+        <p:nvPicPr>
+          <p:cNvPr id="4" name="Picture 3" descr="A picture containing dark, gauge&#10;&#10;Description automatically generated">
             <a:extLst>
               <a:ext uri="{FF2B5EF4-FFF2-40B4-BE49-F238E27FC236}">
-                <a16:creationId xmlns:a16="http://schemas.microsoft.com/office/drawing/2014/main" id="{345442ED-9565-456F-96AF-ADC9038898D7}"/>
+                <a16:creationId xmlns:a16="http://schemas.microsoft.com/office/drawing/2014/main" id="{EDB6AE96-5C31-609C-FC35-9142E81A26CC}"/>
               </a:ext>
             </a:extLst>
           </p:cNvPr>
-          <p:cNvSpPr txBox="1"/>
+          <p:cNvPicPr>
+            <a:picLocks noChangeAspect="1"/>
+          </p:cNvPicPr>
           <p:nvPr/>
-        </p:nvSpPr>
+        </p:nvPicPr>
+        <p:blipFill>
+          <a:blip r:embed="rId3">
+            <a:extLst>
+              <a:ext uri="{28A0092B-C50C-407E-A947-70E740481C1C}">
+                <a14:useLocalDpi xmlns:a14="http://schemas.microsoft.com/office/drawing/2010/main" val="0"/>
+              </a:ext>
+            </a:extLst>
+          </a:blip>
+          <a:stretch>
+            <a:fillRect/>
+          </a:stretch>
+        </p:blipFill>
         <p:spPr>
           <a:xfrm>
-            <a:off x="5576887" y="2890391"/>
-            <a:ext cx="5776913" cy="1077218"/>
+            <a:off x="11378037" y="6031948"/>
+            <a:ext cx="800100" cy="812800"/>
           </a:xfrm>
           <a:prstGeom prst="rect">
             <a:avLst/>
           </a:prstGeom>
-          <a:solidFill>
-            <a:schemeClr val="bg1">
-              <a:lumMod val="95000"/>
-              <a:lumOff val="5000"/>
-            </a:schemeClr>
-          </a:solidFill>
-          <a:ln>
-            <a:solidFill>
-              <a:srgbClr val="FF0000"/>
-            </a:solidFill>
-          </a:ln>
         </p:spPr>
-        <p:txBody>
-          <a:bodyPr wrap="square" rtlCol="0">
-            <a:spAutoFit/>
-          </a:bodyPr>
-          <a:lstStyle/>
-          <a:p>
-            <a:r>
-              <a:rPr lang="en-US" sz="1600" dirty="0">
-                <a:latin typeface="Consolas" panose="020B0609020204030204" pitchFamily="49" charset="0"/>
-              </a:rPr>
-              <a:t>n = </a:t>
-            </a:r>
-            <a:r>
-              <a:rPr lang="en-US" sz="1600" dirty="0">
-                <a:solidFill>
-                  <a:srgbClr val="FFC000"/>
-                </a:solidFill>
-                <a:latin typeface="Consolas" panose="020B0609020204030204" pitchFamily="49" charset="0"/>
-              </a:rPr>
-              <a:t>int</a:t>
-            </a:r>
-            <a:r>
-              <a:rPr lang="en-US" sz="1600" dirty="0">
-                <a:latin typeface="Consolas" panose="020B0609020204030204" pitchFamily="49" charset="0"/>
-              </a:rPr>
-              <a:t>(</a:t>
-            </a:r>
-            <a:r>
-              <a:rPr lang="en-US" sz="1600" dirty="0">
-                <a:solidFill>
-                  <a:srgbClr val="FFC000"/>
-                </a:solidFill>
-                <a:latin typeface="Consolas" panose="020B0609020204030204" pitchFamily="49" charset="0"/>
-              </a:rPr>
-              <a:t>input</a:t>
-            </a:r>
-            <a:r>
-              <a:rPr lang="en-US" sz="1600" dirty="0">
-                <a:latin typeface="Consolas" panose="020B0609020204030204" pitchFamily="49" charset="0"/>
-              </a:rPr>
-              <a:t>(</a:t>
-            </a:r>
-            <a:r>
-              <a:rPr lang="en-US" sz="1600" dirty="0">
-                <a:solidFill>
-                  <a:srgbClr val="92D050"/>
-                </a:solidFill>
-                <a:latin typeface="Consolas" panose="020B0609020204030204" pitchFamily="49" charset="0"/>
-              </a:rPr>
-              <a:t>'Enter</a:t>
-            </a:r>
-            <a:r>
-              <a:rPr lang="en-US" sz="1600" dirty="0">
-                <a:latin typeface="Consolas" panose="020B0609020204030204" pitchFamily="49" charset="0"/>
-              </a:rPr>
-              <a:t> </a:t>
-            </a:r>
-            <a:r>
-              <a:rPr lang="en-US" sz="1600" dirty="0">
-                <a:solidFill>
-                  <a:srgbClr val="92D050"/>
-                </a:solidFill>
-                <a:latin typeface="Consolas" panose="020B0609020204030204" pitchFamily="49" charset="0"/>
-              </a:rPr>
-              <a:t>a number: '</a:t>
-            </a:r>
-            <a:r>
-              <a:rPr lang="en-US" sz="1600" dirty="0">
-                <a:latin typeface="Consolas" panose="020B0609020204030204" pitchFamily="49" charset="0"/>
-              </a:rPr>
-              <a:t>))</a:t>
-            </a:r>
-          </a:p>
-          <a:p>
-            <a:endParaRPr lang="en-US" sz="1600" dirty="0">
-              <a:latin typeface="Consolas" panose="020B0609020204030204" pitchFamily="49" charset="0"/>
-            </a:endParaRPr>
-          </a:p>
-          <a:p>
-            <a:r>
-              <a:rPr lang="en-US" sz="1600" dirty="0">
-                <a:solidFill>
-                  <a:srgbClr val="FF00FF"/>
-                </a:solidFill>
-                <a:latin typeface="Consolas" panose="020B0609020204030204" pitchFamily="49" charset="0"/>
-              </a:rPr>
-              <a:t>if</a:t>
-            </a:r>
-            <a:r>
-              <a:rPr lang="en-US" sz="1600" dirty="0">
-                <a:latin typeface="Consolas" panose="020B0609020204030204" pitchFamily="49" charset="0"/>
-              </a:rPr>
-              <a:t> n &gt; </a:t>
-            </a:r>
-            <a:r>
-              <a:rPr lang="en-US" sz="1600" dirty="0">
-                <a:solidFill>
-                  <a:srgbClr val="0070C0"/>
-                </a:solidFill>
-                <a:latin typeface="Consolas" panose="020B0609020204030204" pitchFamily="49" charset="0"/>
-              </a:rPr>
-              <a:t>1000</a:t>
-            </a:r>
-            <a:r>
-              <a:rPr lang="en-US" sz="1600" dirty="0">
-                <a:latin typeface="Consolas" panose="020B0609020204030204" pitchFamily="49" charset="0"/>
-              </a:rPr>
-              <a:t>: </a:t>
-            </a:r>
-            <a:r>
-              <a:rPr lang="en-US" sz="1600" dirty="0">
-                <a:solidFill>
-                  <a:srgbClr val="FFC000"/>
-                </a:solidFill>
-                <a:latin typeface="Consolas" panose="020B0609020204030204" pitchFamily="49" charset="0"/>
-              </a:rPr>
-              <a:t>print</a:t>
-            </a:r>
-            <a:r>
-              <a:rPr lang="en-US" sz="1600" dirty="0">
-                <a:latin typeface="Consolas" panose="020B0609020204030204" pitchFamily="49" charset="0"/>
-              </a:rPr>
-              <a:t>(</a:t>
-            </a:r>
-            <a:r>
-              <a:rPr lang="en-US" sz="1600" dirty="0">
-                <a:solidFill>
-                  <a:srgbClr val="92D050"/>
-                </a:solidFill>
-                <a:latin typeface="Consolas" panose="020B0609020204030204" pitchFamily="49" charset="0"/>
-              </a:rPr>
-              <a:t>'Wow, {} is </a:t>
-            </a:r>
-            <a:r>
-              <a:rPr lang="en-US" sz="1600" dirty="0" err="1">
-                <a:solidFill>
-                  <a:srgbClr val="92D050"/>
-                </a:solidFill>
-                <a:latin typeface="Consolas" panose="020B0609020204030204" pitchFamily="49" charset="0"/>
-              </a:rPr>
-              <a:t>large!'</a:t>
-            </a:r>
-            <a:r>
-              <a:rPr lang="en-US" sz="1600" dirty="0" err="1">
-                <a:latin typeface="Consolas" panose="020B0609020204030204" pitchFamily="49" charset="0"/>
-              </a:rPr>
-              <a:t>.format</a:t>
-            </a:r>
-            <a:r>
-              <a:rPr lang="en-US" sz="1600" dirty="0">
-                <a:latin typeface="Consolas" panose="020B0609020204030204" pitchFamily="49" charset="0"/>
-              </a:rPr>
-              <a:t>(n))</a:t>
-            </a:r>
-          </a:p>
-          <a:p>
-            <a:r>
-              <a:rPr lang="en-US" sz="1600" dirty="0">
-                <a:solidFill>
-                  <a:srgbClr val="FFC000"/>
-                </a:solidFill>
-                <a:latin typeface="Consolas" panose="020B0609020204030204" pitchFamily="49" charset="0"/>
-              </a:rPr>
-              <a:t>print</a:t>
-            </a:r>
-            <a:r>
-              <a:rPr lang="en-US" sz="1600" dirty="0">
-                <a:latin typeface="Consolas" panose="020B0609020204030204" pitchFamily="49" charset="0"/>
-              </a:rPr>
-              <a:t>(</a:t>
-            </a:r>
-            <a:r>
-              <a:rPr lang="en-US" sz="1600" dirty="0">
-                <a:solidFill>
-                  <a:srgbClr val="92D050"/>
-                </a:solidFill>
-                <a:latin typeface="Consolas" panose="020B0609020204030204" pitchFamily="49" charset="0"/>
-              </a:rPr>
-              <a:t>'Done!'</a:t>
-            </a:r>
-            <a:r>
-              <a:rPr lang="en-US" sz="1600" dirty="0">
-                <a:latin typeface="Consolas" panose="020B0609020204030204" pitchFamily="49" charset="0"/>
-              </a:rPr>
-              <a:t>)</a:t>
-            </a:r>
-          </a:p>
-        </p:txBody>
-      </p:sp>
-      <p:sp>
-        <p:nvSpPr>
-          <p:cNvPr id="11" name="Content Placeholder 7">
+      </p:pic>
+      <p:pic>
+        <p:nvPicPr>
+          <p:cNvPr id="6" name="Picture 5" descr="Text&#10;&#10;Description automatically generated with medium confidence">
             <a:extLst>
               <a:ext uri="{FF2B5EF4-FFF2-40B4-BE49-F238E27FC236}">
-                <a16:creationId xmlns:a16="http://schemas.microsoft.com/office/drawing/2014/main" id="{49E454FB-4A1B-4BCE-BAC3-166BC00D4016}"/>
+                <a16:creationId xmlns:a16="http://schemas.microsoft.com/office/drawing/2014/main" id="{AF8D77B8-9C37-577E-0B69-DB5D6FB8B156}"/>
               </a:ext>
             </a:extLst>
           </p:cNvPr>
-          <p:cNvSpPr txBox="1">
-            <a:spLocks/>
-          </p:cNvSpPr>
+          <p:cNvPicPr>
+            <a:picLocks noChangeAspect="1"/>
+          </p:cNvPicPr>
           <p:nvPr/>
-        </p:nvSpPr>
+        </p:nvPicPr>
+        <p:blipFill>
+          <a:blip r:embed="rId4">
+            <a:extLst>
+              <a:ext uri="{28A0092B-C50C-407E-A947-70E740481C1C}">
+                <a14:useLocalDpi xmlns:a14="http://schemas.microsoft.com/office/drawing/2010/main" val="0"/>
+              </a:ext>
+            </a:extLst>
+          </a:blip>
+          <a:stretch>
+            <a:fillRect/>
+          </a:stretch>
+        </p:blipFill>
         <p:spPr>
           <a:xfrm>
-            <a:off x="737782" y="5467346"/>
-            <a:ext cx="10716436" cy="960885"/>
+            <a:off x="5686854" y="2755900"/>
+            <a:ext cx="5803900" cy="1346200"/>
           </a:xfrm>
           <a:prstGeom prst="rect">
             <a:avLst/>
           </a:prstGeom>
-          <a:solidFill>
-            <a:schemeClr val="bg1"/>
-          </a:solidFill>
         </p:spPr>
-        <p:txBody>
-          <a:bodyPr vert="horz" lIns="91440" tIns="45720" rIns="91440" bIns="45720" rtlCol="0">
-            <a:normAutofit fontScale="92500"/>
-          </a:bodyPr>
-          <a:lstStyle>
-            <a:lvl1pPr marL="171450" indent="-171450" algn="l" defTabSz="685800" rtl="0" eaLnBrk="1" latinLnBrk="0" hangingPunct="1">
-              <a:lnSpc>
-                <a:spcPct val="90000"/>
-              </a:lnSpc>
-              <a:spcBef>
-                <a:spcPts val="750"/>
-              </a:spcBef>
-              <a:buFont typeface="Arial" panose="020B0604020202020204" pitchFamily="34" charset="0"/>
-              <a:buChar char="•"/>
-              <a:defRPr sz="2400" kern="1200">
-                <a:gradFill>
-                  <a:gsLst>
-                    <a:gs pos="34000">
-                      <a:schemeClr val="tx1">
-                        <a:lumMod val="93000"/>
-                      </a:schemeClr>
-                    </a:gs>
-                    <a:gs pos="0">
-                      <a:schemeClr val="bg1">
-                        <a:lumMod val="25000"/>
-                        <a:lumOff val="75000"/>
-                      </a:schemeClr>
-                    </a:gs>
-                    <a:gs pos="100000">
-                      <a:schemeClr val="tx2">
-                        <a:lumMod val="0"/>
-                        <a:lumOff val="100000"/>
-                      </a:schemeClr>
-                    </a:gs>
-                  </a:gsLst>
-                  <a:lin ang="4800000" scaled="0"/>
-                </a:gradFill>
-                <a:latin typeface="+mn-lt"/>
-                <a:ea typeface="+mn-ea"/>
-                <a:cs typeface="+mn-cs"/>
-              </a:defRPr>
-            </a:lvl1pPr>
-            <a:lvl2pPr marL="514350" indent="-171450" algn="l" defTabSz="685800" rtl="0" eaLnBrk="1" latinLnBrk="0" hangingPunct="1">
-              <a:lnSpc>
-                <a:spcPct val="90000"/>
-              </a:lnSpc>
-              <a:spcBef>
-                <a:spcPts val="375"/>
-              </a:spcBef>
-              <a:buFont typeface="Arial" panose="020B0604020202020204" pitchFamily="34" charset="0"/>
-              <a:buChar char="•"/>
-              <a:defRPr sz="2000" kern="1200">
-                <a:gradFill>
-                  <a:gsLst>
-                    <a:gs pos="34000">
-                      <a:schemeClr val="tx1">
-                        <a:lumMod val="93000"/>
-                      </a:schemeClr>
-                    </a:gs>
-                    <a:gs pos="0">
-                      <a:schemeClr val="bg1">
-                        <a:lumMod val="25000"/>
-                        <a:lumOff val="75000"/>
-                      </a:schemeClr>
-                    </a:gs>
-                    <a:gs pos="100000">
-                      <a:schemeClr val="tx2">
-                        <a:lumMod val="0"/>
-                        <a:lumOff val="100000"/>
-                      </a:schemeClr>
-                    </a:gs>
-                  </a:gsLst>
-                  <a:lin ang="4800000" scaled="0"/>
-                </a:gradFill>
-                <a:latin typeface="+mn-lt"/>
-                <a:ea typeface="+mn-ea"/>
-                <a:cs typeface="+mn-cs"/>
-              </a:defRPr>
-            </a:lvl2pPr>
-            <a:lvl3pPr marL="857250" indent="-171450" algn="l" defTabSz="685800" rtl="0" eaLnBrk="1" latinLnBrk="0" hangingPunct="1">
-              <a:lnSpc>
-                <a:spcPct val="90000"/>
-              </a:lnSpc>
-              <a:spcBef>
-                <a:spcPts val="375"/>
-              </a:spcBef>
-              <a:buFont typeface="Arial" panose="020B0604020202020204" pitchFamily="34" charset="0"/>
-              <a:buChar char="•"/>
-              <a:defRPr sz="1600" kern="1200">
-                <a:gradFill>
-                  <a:gsLst>
-                    <a:gs pos="34000">
-                      <a:schemeClr val="tx1">
-                        <a:lumMod val="93000"/>
-                      </a:schemeClr>
-                    </a:gs>
-                    <a:gs pos="0">
-                      <a:schemeClr val="bg1">
-                        <a:lumMod val="25000"/>
-                        <a:lumOff val="75000"/>
-                      </a:schemeClr>
-                    </a:gs>
-                    <a:gs pos="100000">
-                      <a:schemeClr val="tx2">
-                        <a:lumMod val="0"/>
-                        <a:lumOff val="100000"/>
-                      </a:schemeClr>
-                    </a:gs>
-                  </a:gsLst>
-                  <a:lin ang="4800000" scaled="0"/>
-                </a:gradFill>
-                <a:latin typeface="+mn-lt"/>
-                <a:ea typeface="+mn-ea"/>
-                <a:cs typeface="+mn-cs"/>
-              </a:defRPr>
-            </a:lvl3pPr>
-            <a:lvl4pPr marL="1200150" indent="-171450" algn="l" defTabSz="685800" rtl="0" eaLnBrk="1" latinLnBrk="0" hangingPunct="1">
-              <a:lnSpc>
-                <a:spcPct val="90000"/>
-              </a:lnSpc>
-              <a:spcBef>
-                <a:spcPts val="375"/>
-              </a:spcBef>
-              <a:buFont typeface="Arial" panose="020B0604020202020204" pitchFamily="34" charset="0"/>
-              <a:buChar char="•"/>
-              <a:defRPr sz="1400" kern="1200">
-                <a:gradFill>
-                  <a:gsLst>
-                    <a:gs pos="34000">
-                      <a:schemeClr val="tx1">
-                        <a:lumMod val="93000"/>
-                      </a:schemeClr>
-                    </a:gs>
-                    <a:gs pos="0">
-                      <a:schemeClr val="bg1">
-                        <a:lumMod val="25000"/>
-                        <a:lumOff val="75000"/>
-                      </a:schemeClr>
-                    </a:gs>
-                    <a:gs pos="100000">
-                      <a:schemeClr val="tx2">
-                        <a:lumMod val="0"/>
-                        <a:lumOff val="100000"/>
-                      </a:schemeClr>
-                    </a:gs>
-                  </a:gsLst>
-                  <a:lin ang="4800000" scaled="0"/>
-                </a:gradFill>
-                <a:latin typeface="+mn-lt"/>
-                <a:ea typeface="+mn-ea"/>
-                <a:cs typeface="+mn-cs"/>
-              </a:defRPr>
-            </a:lvl4pPr>
-            <a:lvl5pPr marL="1543050" indent="-171450" algn="l" defTabSz="685800" rtl="0" eaLnBrk="1" latinLnBrk="0" hangingPunct="1">
-              <a:lnSpc>
-                <a:spcPct val="90000"/>
-              </a:lnSpc>
-              <a:spcBef>
-                <a:spcPts val="375"/>
-              </a:spcBef>
-              <a:buFont typeface="Arial" panose="020B0604020202020204" pitchFamily="34" charset="0"/>
-              <a:buChar char="•"/>
-              <a:defRPr sz="1400" kern="1200">
-                <a:gradFill>
-                  <a:gsLst>
-                    <a:gs pos="34000">
-                      <a:schemeClr val="tx1">
-                        <a:lumMod val="93000"/>
-                      </a:schemeClr>
-                    </a:gs>
-                    <a:gs pos="0">
-                      <a:schemeClr val="bg1">
-                        <a:lumMod val="25000"/>
-                        <a:lumOff val="75000"/>
-                      </a:schemeClr>
-                    </a:gs>
-                    <a:gs pos="100000">
-                      <a:schemeClr val="tx2">
-                        <a:lumMod val="0"/>
-                        <a:lumOff val="100000"/>
-                      </a:schemeClr>
-                    </a:gs>
-                  </a:gsLst>
-                  <a:lin ang="4800000" scaled="0"/>
-                </a:gradFill>
-                <a:latin typeface="+mn-lt"/>
-                <a:ea typeface="+mn-ea"/>
-                <a:cs typeface="+mn-cs"/>
-              </a:defRPr>
-            </a:lvl5pPr>
-            <a:lvl6pPr marL="1885950" indent="-171450" algn="l" defTabSz="685800" rtl="0" eaLnBrk="1" latinLnBrk="0" hangingPunct="1">
-              <a:lnSpc>
-                <a:spcPct val="90000"/>
-              </a:lnSpc>
-              <a:spcBef>
-                <a:spcPts val="375"/>
-              </a:spcBef>
-              <a:buFont typeface="Arial" panose="020B0604020202020204" pitchFamily="34" charset="0"/>
-              <a:buChar char="•"/>
-              <a:defRPr sz="1350" kern="1200">
-                <a:solidFill>
-                  <a:schemeClr val="tx1"/>
-                </a:solidFill>
-                <a:latin typeface="+mn-lt"/>
-                <a:ea typeface="+mn-ea"/>
-                <a:cs typeface="+mn-cs"/>
-              </a:defRPr>
-            </a:lvl6pPr>
-            <a:lvl7pPr marL="2228850" indent="-171450" algn="l" defTabSz="685800" rtl="0" eaLnBrk="1" latinLnBrk="0" hangingPunct="1">
-              <a:lnSpc>
-                <a:spcPct val="90000"/>
-              </a:lnSpc>
-              <a:spcBef>
-                <a:spcPts val="375"/>
-              </a:spcBef>
-              <a:buFont typeface="Arial" panose="020B0604020202020204" pitchFamily="34" charset="0"/>
-              <a:buChar char="•"/>
-              <a:defRPr sz="1350" kern="1200">
-                <a:solidFill>
-                  <a:schemeClr val="tx1"/>
-                </a:solidFill>
-                <a:latin typeface="+mn-lt"/>
-                <a:ea typeface="+mn-ea"/>
-                <a:cs typeface="+mn-cs"/>
-              </a:defRPr>
-            </a:lvl7pPr>
-            <a:lvl8pPr marL="2571750" indent="-171450" algn="l" defTabSz="685800" rtl="0" eaLnBrk="1" latinLnBrk="0" hangingPunct="1">
-              <a:lnSpc>
-                <a:spcPct val="90000"/>
-              </a:lnSpc>
-              <a:spcBef>
-                <a:spcPts val="375"/>
-              </a:spcBef>
-              <a:buFont typeface="Arial" panose="020B0604020202020204" pitchFamily="34" charset="0"/>
-              <a:buChar char="•"/>
-              <a:defRPr sz="1350" kern="1200">
-                <a:solidFill>
-                  <a:schemeClr val="tx1"/>
-                </a:solidFill>
-                <a:latin typeface="+mn-lt"/>
-                <a:ea typeface="+mn-ea"/>
-                <a:cs typeface="+mn-cs"/>
-              </a:defRPr>
-            </a:lvl8pPr>
-            <a:lvl9pPr marL="2914650" indent="-171450" algn="l" defTabSz="685800" rtl="0" eaLnBrk="1" latinLnBrk="0" hangingPunct="1">
-              <a:lnSpc>
-                <a:spcPct val="90000"/>
-              </a:lnSpc>
-              <a:spcBef>
-                <a:spcPts val="375"/>
-              </a:spcBef>
-              <a:buFont typeface="Arial" panose="020B0604020202020204" pitchFamily="34" charset="0"/>
-              <a:buChar char="•"/>
-              <a:defRPr sz="1350" kern="1200">
-                <a:solidFill>
-                  <a:schemeClr val="tx1"/>
-                </a:solidFill>
-                <a:latin typeface="+mn-lt"/>
-                <a:ea typeface="+mn-ea"/>
-                <a:cs typeface="+mn-cs"/>
-              </a:defRPr>
-            </a:lvl9pPr>
-          </a:lstStyle>
-          <a:p>
-            <a:pPr marL="0" indent="0">
-              <a:buFont typeface="Arial" panose="020B0604020202020204" pitchFamily="34" charset="0"/>
-              <a:buNone/>
-            </a:pPr>
-            <a:r>
-              <a:rPr lang="en-US" sz="1600" dirty="0">
-                <a:latin typeface="Consolas" panose="020B0609020204030204" pitchFamily="49" charset="0"/>
-              </a:rPr>
-              <a:t>n = </a:t>
-            </a:r>
-            <a:r>
-              <a:rPr lang="en-US" sz="1600" dirty="0">
-                <a:solidFill>
-                  <a:srgbClr val="FFC000"/>
-                </a:solidFill>
-                <a:latin typeface="Consolas" panose="020B0609020204030204" pitchFamily="49" charset="0"/>
-              </a:rPr>
-              <a:t>int</a:t>
-            </a:r>
-            <a:r>
-              <a:rPr lang="en-US" sz="1600" dirty="0">
-                <a:latin typeface="Consolas" panose="020B0609020204030204" pitchFamily="49" charset="0"/>
-              </a:rPr>
-              <a:t>(</a:t>
-            </a:r>
-            <a:r>
-              <a:rPr lang="en-US" sz="1600" dirty="0">
-                <a:solidFill>
-                  <a:srgbClr val="FFC000"/>
-                </a:solidFill>
-                <a:latin typeface="Consolas" panose="020B0609020204030204" pitchFamily="49" charset="0"/>
-              </a:rPr>
-              <a:t>input</a:t>
-            </a:r>
-            <a:r>
-              <a:rPr lang="en-US" sz="1600" dirty="0">
-                <a:latin typeface="Consolas" panose="020B0609020204030204" pitchFamily="49" charset="0"/>
-              </a:rPr>
-              <a:t>(</a:t>
-            </a:r>
-            <a:r>
-              <a:rPr lang="en-US" sz="1600" dirty="0">
-                <a:solidFill>
-                  <a:srgbClr val="92D050"/>
-                </a:solidFill>
-                <a:latin typeface="Consolas" panose="020B0609020204030204" pitchFamily="49" charset="0"/>
-              </a:rPr>
-              <a:t>'Enter</a:t>
-            </a:r>
-            <a:r>
-              <a:rPr lang="en-US" sz="1600" dirty="0">
-                <a:latin typeface="Consolas" panose="020B0609020204030204" pitchFamily="49" charset="0"/>
-              </a:rPr>
-              <a:t> </a:t>
-            </a:r>
-            <a:r>
-              <a:rPr lang="en-US" sz="1600" dirty="0">
-                <a:solidFill>
-                  <a:srgbClr val="92D050"/>
-                </a:solidFill>
-                <a:latin typeface="Consolas" panose="020B0609020204030204" pitchFamily="49" charset="0"/>
-              </a:rPr>
-              <a:t>a number: '</a:t>
-            </a:r>
-            <a:r>
-              <a:rPr lang="en-US" sz="1600" dirty="0">
-                <a:latin typeface="Consolas" panose="020B0609020204030204" pitchFamily="49" charset="0"/>
-              </a:rPr>
-              <a:t>))</a:t>
-            </a:r>
-          </a:p>
-          <a:p>
-            <a:pPr marL="0" indent="0">
-              <a:buFont typeface="Arial" panose="020B0604020202020204" pitchFamily="34" charset="0"/>
-              <a:buNone/>
-            </a:pPr>
-            <a:r>
-              <a:rPr lang="en-US" sz="1600" dirty="0">
-                <a:solidFill>
-                  <a:srgbClr val="FFC000"/>
-                </a:solidFill>
-                <a:latin typeface="Consolas" panose="020B0609020204030204" pitchFamily="49" charset="0"/>
-              </a:rPr>
-              <a:t>print</a:t>
-            </a:r>
-            <a:r>
-              <a:rPr lang="en-US" sz="1600" dirty="0">
-                <a:latin typeface="Consolas" panose="020B0609020204030204" pitchFamily="49" charset="0"/>
-              </a:rPr>
-              <a:t>(</a:t>
-            </a:r>
-            <a:r>
-              <a:rPr lang="en-US" sz="1600" dirty="0">
-                <a:solidFill>
-                  <a:srgbClr val="92D050"/>
-                </a:solidFill>
-                <a:latin typeface="Consolas" panose="020B0609020204030204" pitchFamily="49" charset="0"/>
-              </a:rPr>
-              <a:t>'Wow, {} is </a:t>
-            </a:r>
-            <a:r>
-              <a:rPr lang="en-US" sz="1600" dirty="0" err="1">
-                <a:solidFill>
-                  <a:srgbClr val="92D050"/>
-                </a:solidFill>
-                <a:latin typeface="Consolas" panose="020B0609020204030204" pitchFamily="49" charset="0"/>
-              </a:rPr>
-              <a:t>large!'</a:t>
-            </a:r>
-            <a:r>
-              <a:rPr lang="en-US" sz="1600" dirty="0" err="1">
-                <a:latin typeface="Consolas" panose="020B0609020204030204" pitchFamily="49" charset="0"/>
-              </a:rPr>
-              <a:t>.format</a:t>
-            </a:r>
-            <a:r>
-              <a:rPr lang="en-US" sz="1600" dirty="0">
-                <a:latin typeface="Consolas" panose="020B0609020204030204" pitchFamily="49" charset="0"/>
-              </a:rPr>
-              <a:t>(n)) if n &gt; 1000 </a:t>
-            </a:r>
-            <a:r>
-              <a:rPr lang="en-US" sz="1600" dirty="0">
-                <a:solidFill>
-                  <a:srgbClr val="FF00FF"/>
-                </a:solidFill>
-                <a:latin typeface="Consolas" panose="020B0609020204030204" pitchFamily="49" charset="0"/>
-              </a:rPr>
-              <a:t>else </a:t>
-            </a:r>
-            <a:r>
-              <a:rPr lang="en-US" sz="1600" dirty="0">
-                <a:solidFill>
-                  <a:srgbClr val="FFC000"/>
-                </a:solidFill>
-                <a:latin typeface="Consolas" panose="020B0609020204030204" pitchFamily="49" charset="0"/>
-              </a:rPr>
-              <a:t>print</a:t>
-            </a:r>
-            <a:r>
-              <a:rPr lang="en-US" sz="1600" dirty="0">
-                <a:latin typeface="Consolas" panose="020B0609020204030204" pitchFamily="49" charset="0"/>
-              </a:rPr>
-              <a:t>(</a:t>
-            </a:r>
-            <a:r>
-              <a:rPr lang="en-US" sz="1600" dirty="0">
-                <a:solidFill>
-                  <a:srgbClr val="92D050"/>
-                </a:solidFill>
-                <a:latin typeface="Consolas" panose="020B0609020204030204" pitchFamily="49" charset="0"/>
-              </a:rPr>
-              <a:t>'{} is all you\'ve </a:t>
-            </a:r>
-            <a:r>
-              <a:rPr lang="en-US" sz="1600" dirty="0" err="1">
-                <a:solidFill>
-                  <a:srgbClr val="92D050"/>
-                </a:solidFill>
-                <a:latin typeface="Consolas" panose="020B0609020204030204" pitchFamily="49" charset="0"/>
-              </a:rPr>
-              <a:t>got?'</a:t>
-            </a:r>
-            <a:r>
-              <a:rPr lang="en-US" sz="1600" dirty="0" err="1">
-                <a:latin typeface="Consolas" panose="020B0609020204030204" pitchFamily="49" charset="0"/>
-              </a:rPr>
-              <a:t>.format</a:t>
-            </a:r>
-            <a:r>
-              <a:rPr lang="en-US" sz="1600" dirty="0">
-                <a:latin typeface="Consolas" panose="020B0609020204030204" pitchFamily="49" charset="0"/>
-              </a:rPr>
-              <a:t>(n))</a:t>
-            </a:r>
-          </a:p>
-          <a:p>
-            <a:pPr marL="0" indent="0">
-              <a:buFont typeface="Arial" panose="020B0604020202020204" pitchFamily="34" charset="0"/>
-              <a:buNone/>
-            </a:pPr>
-            <a:r>
-              <a:rPr lang="en-US" sz="1600" dirty="0">
-                <a:solidFill>
-                  <a:srgbClr val="FFC000"/>
-                </a:solidFill>
-                <a:latin typeface="Consolas" panose="020B0609020204030204" pitchFamily="49" charset="0"/>
-              </a:rPr>
-              <a:t>print</a:t>
-            </a:r>
-            <a:r>
-              <a:rPr lang="en-US" sz="1600" dirty="0">
-                <a:latin typeface="Consolas" panose="020B0609020204030204" pitchFamily="49" charset="0"/>
-              </a:rPr>
-              <a:t>(</a:t>
-            </a:r>
-            <a:r>
-              <a:rPr lang="en-US" sz="1600" dirty="0">
-                <a:solidFill>
-                  <a:srgbClr val="92D050"/>
-                </a:solidFill>
-                <a:latin typeface="Consolas" panose="020B0609020204030204" pitchFamily="49" charset="0"/>
-              </a:rPr>
-              <a:t>'Done!'</a:t>
-            </a:r>
-            <a:r>
-              <a:rPr lang="en-US" sz="1600" dirty="0">
-                <a:latin typeface="Consolas" panose="020B0609020204030204" pitchFamily="49" charset="0"/>
-              </a:rPr>
-              <a:t>)</a:t>
-            </a:r>
-          </a:p>
-        </p:txBody>
-      </p:sp>
+      </p:pic>
+      <p:pic>
+        <p:nvPicPr>
+          <p:cNvPr id="9" name="Picture 8" descr="A picture containing text&#10;&#10;Description automatically generated">
+            <a:extLst>
+              <a:ext uri="{FF2B5EF4-FFF2-40B4-BE49-F238E27FC236}">
+                <a16:creationId xmlns:a16="http://schemas.microsoft.com/office/drawing/2014/main" id="{0489B20B-CAE0-E573-2B02-9CA4180B4917}"/>
+              </a:ext>
+            </a:extLst>
+          </p:cNvPr>
+          <p:cNvPicPr>
+            <a:picLocks noChangeAspect="1"/>
+          </p:cNvPicPr>
+          <p:nvPr/>
+        </p:nvPicPr>
+        <p:blipFill>
+          <a:blip r:embed="rId5">
+            <a:extLst>
+              <a:ext uri="{28A0092B-C50C-407E-A947-70E740481C1C}">
+                <a14:useLocalDpi xmlns:a14="http://schemas.microsoft.com/office/drawing/2010/main" val="0"/>
+              </a:ext>
+            </a:extLst>
+          </a:blip>
+          <a:stretch>
+            <a:fillRect/>
+          </a:stretch>
+        </p:blipFill>
+        <p:spPr>
+          <a:xfrm>
+            <a:off x="1119999" y="5369167"/>
+            <a:ext cx="10204326" cy="1325562"/>
+          </a:xfrm>
+          <a:prstGeom prst="rect">
+            <a:avLst/>
+          </a:prstGeom>
+        </p:spPr>
+      </p:pic>
     </p:spTree>
     <p:extLst>
       <p:ext uri="{BB962C8B-B14F-4D97-AF65-F5344CB8AC3E}">
@@ -7972,7 +6891,7 @@
                             </p:stCondLst>
                             <p:childTnLst>
                               <p:par>
-                                <p:cTn id="23" presetID="10" presetClass="entr" presetSubtype="0" fill="hold" grpId="0" nodeType="clickEffect">
+                                <p:cTn id="23" presetID="2" presetClass="entr" presetSubtype="4" fill="hold" nodeType="clickEffect">
                                   <p:stCondLst>
                                     <p:cond delay="0"/>
                                   </p:stCondLst>
@@ -7985,62 +6904,9 @@
                                           </p:stCondLst>
                                         </p:cTn>
                                         <p:tgtEl>
-                                          <p:spTgt spid="7"/>
-                                        </p:tgtEl>
-                                        <p:attrNameLst>
-                                          <p:attrName>style.visibility</p:attrName>
-                                        </p:attrNameLst>
-                                      </p:cBhvr>
-                                      <p:to>
-                                        <p:strVal val="visible"/>
-                                      </p:to>
-                                    </p:set>
-                                    <p:animEffect transition="in" filter="fade">
-                                      <p:cBhvr>
-                                        <p:cTn id="25" dur="500"/>
-                                        <p:tgtEl>
-                                          <p:spTgt spid="7"/>
-                                        </p:tgtEl>
-                                      </p:cBhvr>
-                                    </p:animEffect>
-                                  </p:childTnLst>
-                                </p:cTn>
-                              </p:par>
-                            </p:childTnLst>
-                          </p:cTn>
-                        </p:par>
-                      </p:childTnLst>
-                    </p:cTn>
-                  </p:par>
-                  <p:par>
-                    <p:cTn id="26" fill="hold">
-                      <p:stCondLst>
-                        <p:cond delay="indefinite"/>
-                      </p:stCondLst>
-                      <p:childTnLst>
-                        <p:par>
-                          <p:cTn id="27" fill="hold">
-                            <p:stCondLst>
-                              <p:cond delay="0"/>
-                            </p:stCondLst>
-                            <p:childTnLst>
-                              <p:par>
-                                <p:cTn id="28" presetID="2" presetClass="entr" presetSubtype="4" fill="hold" nodeType="clickEffect">
-                                  <p:stCondLst>
-                                    <p:cond delay="0"/>
-                                  </p:stCondLst>
-                                  <p:childTnLst>
-                                    <p:set>
-                                      <p:cBhvr>
-                                        <p:cTn id="29" dur="1" fill="hold">
-                                          <p:stCondLst>
-                                            <p:cond delay="0"/>
-                                          </p:stCondLst>
-                                        </p:cTn>
-                                        <p:tgtEl>
                                           <p:spTgt spid="3">
                                             <p:txEl>
-                                              <p:pRg st="7" end="7"/>
+                                              <p:pRg st="6" end="6"/>
                                             </p:txEl>
                                           </p:spTgt>
                                         </p:tgtEl>
@@ -8054,11 +6920,11 @@
                                     </p:set>
                                     <p:anim calcmode="lin" valueType="num">
                                       <p:cBhvr additive="base">
-                                        <p:cTn id="30" dur="500" fill="hold"/>
+                                        <p:cTn id="25" dur="500" fill="hold"/>
                                         <p:tgtEl>
                                           <p:spTgt spid="3">
                                             <p:txEl>
-                                              <p:pRg st="7" end="7"/>
+                                              <p:pRg st="6" end="6"/>
                                             </p:txEl>
                                           </p:spTgt>
                                         </p:tgtEl>
@@ -8081,11 +6947,11 @@
                                     </p:anim>
                                     <p:anim calcmode="lin" valueType="num">
                                       <p:cBhvr additive="base">
-                                        <p:cTn id="31" dur="500" fill="hold"/>
+                                        <p:cTn id="26" dur="500" fill="hold"/>
                                         <p:tgtEl>
                                           <p:spTgt spid="3">
                                             <p:txEl>
-                                              <p:pRg st="7" end="7"/>
+                                              <p:pRg st="6" end="6"/>
                                             </p:txEl>
                                           </p:spTgt>
                                         </p:tgtEl>
@@ -8116,26 +6982,26 @@
                     </p:cTn>
                   </p:par>
                   <p:par>
-                    <p:cTn id="32" fill="hold">
+                    <p:cTn id="27" fill="hold">
                       <p:stCondLst>
                         <p:cond delay="indefinite"/>
                       </p:stCondLst>
                       <p:childTnLst>
                         <p:par>
-                          <p:cTn id="33" fill="hold">
+                          <p:cTn id="28" fill="hold">
                             <p:stCondLst>
                               <p:cond delay="0"/>
                             </p:stCondLst>
                             <p:childTnLst>
                               <p:par>
-                                <p:cTn id="34" presetID="2" presetClass="entr" presetSubtype="4" fill="hold" nodeType="clickEffect">
+                                <p:cTn id="29" presetID="2" presetClass="entr" presetSubtype="4" fill="hold" nodeType="clickEffect">
                                   <p:stCondLst>
                                     <p:cond delay="0"/>
                                   </p:stCondLst>
                                   <p:childTnLst>
                                     <p:set>
                                       <p:cBhvr>
-                                        <p:cTn id="35" dur="1" fill="hold">
+                                        <p:cTn id="30" dur="1" fill="hold">
                                           <p:stCondLst>
                                             <p:cond delay="0"/>
                                           </p:stCondLst>
@@ -8143,7 +7009,7 @@
                                         <p:tgtEl>
                                           <p:spTgt spid="3">
                                             <p:txEl>
-                                              <p:pRg st="9" end="9"/>
+                                              <p:pRg st="7" end="7"/>
                                             </p:txEl>
                                           </p:spTgt>
                                         </p:tgtEl>
@@ -8157,11 +7023,11 @@
                                     </p:set>
                                     <p:anim calcmode="lin" valueType="num">
                                       <p:cBhvr additive="base">
-                                        <p:cTn id="36" dur="500" fill="hold"/>
+                                        <p:cTn id="31" dur="500" fill="hold"/>
                                         <p:tgtEl>
                                           <p:spTgt spid="3">
                                             <p:txEl>
-                                              <p:pRg st="9" end="9"/>
+                                              <p:pRg st="7" end="7"/>
                                             </p:txEl>
                                           </p:spTgt>
                                         </p:tgtEl>
@@ -8184,11 +7050,11 @@
                                     </p:anim>
                                     <p:anim calcmode="lin" valueType="num">
                                       <p:cBhvr additive="base">
-                                        <p:cTn id="37" dur="500" fill="hold"/>
+                                        <p:cTn id="32" dur="500" fill="hold"/>
                                         <p:tgtEl>
                                           <p:spTgt spid="3">
                                             <p:txEl>
-                                              <p:pRg st="9" end="9"/>
+                                              <p:pRg st="7" end="7"/>
                                             </p:txEl>
                                           </p:spTgt>
                                         </p:tgtEl>
@@ -8209,59 +7075,6 @@
                                         </p:tav>
                                       </p:tavLst>
                                     </p:anim>
-                                  </p:childTnLst>
-                                </p:cTn>
-                              </p:par>
-                            </p:childTnLst>
-                          </p:cTn>
-                        </p:par>
-                      </p:childTnLst>
-                    </p:cTn>
-                  </p:par>
-                  <p:par>
-                    <p:cTn id="38" fill="hold">
-                      <p:stCondLst>
-                        <p:cond delay="indefinite"/>
-                      </p:stCondLst>
-                      <p:childTnLst>
-                        <p:par>
-                          <p:cTn id="39" fill="hold">
-                            <p:stCondLst>
-                              <p:cond delay="0"/>
-                            </p:stCondLst>
-                            <p:childTnLst>
-                              <p:par>
-                                <p:cTn id="40" presetID="10" presetClass="entr" presetSubtype="0" fill="hold" grpId="0" nodeType="clickEffect">
-                                  <p:stCondLst>
-                                    <p:cond delay="0"/>
-                                  </p:stCondLst>
-                                  <p:childTnLst>
-                                    <p:set>
-                                      <p:cBhvr>
-                                        <p:cTn id="41" dur="1" fill="hold">
-                                          <p:stCondLst>
-                                            <p:cond delay="0"/>
-                                          </p:stCondLst>
-                                        </p:cTn>
-                                        <p:tgtEl>
-                                          <p:spTgt spid="11"/>
-                                        </p:tgtEl>
-                                        <p:attrNameLst>
-                                          <p:attrName>style.visibility</p:attrName>
-                                        </p:attrNameLst>
-                                      </p:cBhvr>
-                                      <p:to>
-                                        <p:strVal val="visible"/>
-                                      </p:to>
-                                    </p:set>
-                                    <p:animEffect transition="in" filter="fade">
-                                      <p:cBhvr>
-                                        <p:cTn id="42" dur="500"/>
-                                        <p:tgtEl>
-                                          <p:spTgt spid="11"/>
-                                        </p:tgtEl>
-                                      </p:cBhvr>
-                                    </p:animEffect>
                                   </p:childTnLst>
                                 </p:cTn>
                               </p:par>
@@ -8292,10 +7105,6 @@
         </p:cTn>
       </p:par>
     </p:tnLst>
-    <p:bldLst>
-      <p:bldP spid="7" grpId="0" animBg="1"/>
-      <p:bldP spid="11" grpId="0" animBg="1"/>
-    </p:bldLst>
   </p:timing>
 </p:sld>
 </file>
@@ -8347,8 +7156,14 @@
           <a:p>
             <a:pPr algn="ctr"/>
             <a:r>
-              <a:rPr lang="en-US" sz="4000" dirty="0">
-                <a:latin typeface="Palatino Linotype" panose="02040502050505030304" pitchFamily="18" charset="0"/>
+              <a:rPr lang="en-US" sz="3600" b="1" dirty="0">
+                <a:solidFill>
+                  <a:schemeClr val="tx1">
+                    <a:lumMod val="75000"/>
+                    <a:lumOff val="25000"/>
+                  </a:schemeClr>
+                </a:solidFill>
+                <a:latin typeface="Avenir Black" panose="02000503020000020003" pitchFamily="2" charset="0"/>
                 <a:cs typeface="Segoe UI Light" panose="020B0502040204020203" pitchFamily="34" charset="0"/>
               </a:rPr>
               <a:t>Agenda</a:t>
@@ -8383,8 +7198,6 @@
               <a:lnSpc>
                 <a:spcPct val="150000"/>
               </a:lnSpc>
-              <a:buFont typeface="Wingdings" panose="05000000000000000000" pitchFamily="2" charset="2"/>
-              <a:buChar char="Ø"/>
             </a:pPr>
             <a:r>
               <a:rPr lang="en-US" sz="3200" dirty="0">
@@ -8394,7 +7207,7 @@
                     <a:lumOff val="25000"/>
                   </a:schemeClr>
                 </a:solidFill>
-                <a:latin typeface="Palatino Linotype" panose="02040502050505030304" pitchFamily="18" charset="0"/>
+                <a:latin typeface="Avenir" panose="02000503020000020003" pitchFamily="2" charset="0"/>
               </a:rPr>
               <a:t> Booleans</a:t>
             </a:r>
@@ -8404,8 +7217,6 @@
               <a:lnSpc>
                 <a:spcPct val="150000"/>
               </a:lnSpc>
-              <a:buFont typeface="Wingdings" panose="05000000000000000000" pitchFamily="2" charset="2"/>
-              <a:buChar char="Ø"/>
             </a:pPr>
             <a:r>
               <a:rPr lang="en-US" sz="3200" dirty="0">
@@ -8415,13 +7226,49 @@
                     <a:lumOff val="25000"/>
                   </a:schemeClr>
                 </a:solidFill>
-                <a:latin typeface="Palatino Linotype" panose="02040502050505030304" pitchFamily="18" charset="0"/>
+                <a:latin typeface="Avenir" panose="02000503020000020003" pitchFamily="2" charset="0"/>
               </a:rPr>
               <a:t> Conditionals</a:t>
             </a:r>
           </a:p>
         </p:txBody>
       </p:sp>
+      <p:pic>
+        <p:nvPicPr>
+          <p:cNvPr id="3" name="Picture 2" descr="A picture containing dark, gauge&#10;&#10;Description automatically generated">
+            <a:extLst>
+              <a:ext uri="{FF2B5EF4-FFF2-40B4-BE49-F238E27FC236}">
+                <a16:creationId xmlns:a16="http://schemas.microsoft.com/office/drawing/2014/main" id="{FEAD65F3-DFE1-AE08-10B8-D87CCFB4E6B7}"/>
+              </a:ext>
+            </a:extLst>
+          </p:cNvPr>
+          <p:cNvPicPr>
+            <a:picLocks noChangeAspect="1"/>
+          </p:cNvPicPr>
+          <p:nvPr/>
+        </p:nvPicPr>
+        <p:blipFill>
+          <a:blip r:embed="rId3">
+            <a:extLst>
+              <a:ext uri="{28A0092B-C50C-407E-A947-70E740481C1C}">
+                <a14:useLocalDpi xmlns:a14="http://schemas.microsoft.com/office/drawing/2010/main" val="0"/>
+              </a:ext>
+            </a:extLst>
+          </a:blip>
+          <a:stretch>
+            <a:fillRect/>
+          </a:stretch>
+        </p:blipFill>
+        <p:spPr>
+          <a:xfrm>
+            <a:off x="11378037" y="6031948"/>
+            <a:ext cx="800100" cy="812800"/>
+          </a:xfrm>
+          <a:prstGeom prst="rect">
+            <a:avLst/>
+          </a:prstGeom>
+        </p:spPr>
+      </p:pic>
     </p:spTree>
     <p:extLst>
       <p:ext uri="{BB962C8B-B14F-4D97-AF65-F5344CB8AC3E}">
@@ -8570,6 +7417,42 @@
           </a:p>
         </p:txBody>
       </p:sp>
+      <p:pic>
+        <p:nvPicPr>
+          <p:cNvPr id="2" name="Picture 1" descr="A picture containing dark, gauge&#10;&#10;Description automatically generated">
+            <a:extLst>
+              <a:ext uri="{FF2B5EF4-FFF2-40B4-BE49-F238E27FC236}">
+                <a16:creationId xmlns:a16="http://schemas.microsoft.com/office/drawing/2014/main" id="{0B965EA9-9FDA-A408-7129-55864A8EFD97}"/>
+              </a:ext>
+            </a:extLst>
+          </p:cNvPr>
+          <p:cNvPicPr>
+            <a:picLocks noChangeAspect="1"/>
+          </p:cNvPicPr>
+          <p:nvPr/>
+        </p:nvPicPr>
+        <p:blipFill>
+          <a:blip r:embed="rId4">
+            <a:extLst>
+              <a:ext uri="{28A0092B-C50C-407E-A947-70E740481C1C}">
+                <a14:useLocalDpi xmlns:a14="http://schemas.microsoft.com/office/drawing/2010/main" val="0"/>
+              </a:ext>
+            </a:extLst>
+          </a:blip>
+          <a:stretch>
+            <a:fillRect/>
+          </a:stretch>
+        </p:blipFill>
+        <p:spPr>
+          <a:xfrm>
+            <a:off x="11378037" y="6031948"/>
+            <a:ext cx="800100" cy="812800"/>
+          </a:xfrm>
+          <a:prstGeom prst="rect">
+            <a:avLst/>
+          </a:prstGeom>
+        </p:spPr>
+      </p:pic>
     </p:spTree>
     <p:extLst>
       <p:ext uri="{BB962C8B-B14F-4D97-AF65-F5344CB8AC3E}">
@@ -8612,12 +7495,140 @@
           <a:chExt cx="0" cy="0"/>
         </a:xfrm>
       </p:grpSpPr>
+      <p:sp>
+        <p:nvSpPr>
+          <p:cNvPr id="2" name="TextBox 1">
+            <a:extLst>
+              <a:ext uri="{FF2B5EF4-FFF2-40B4-BE49-F238E27FC236}">
+                <a16:creationId xmlns:a16="http://schemas.microsoft.com/office/drawing/2014/main" id="{919D4F04-785A-316E-5C6A-9F2E9D6A7F7E}"/>
+              </a:ext>
+            </a:extLst>
+          </p:cNvPr>
+          <p:cNvSpPr txBox="1"/>
+          <p:nvPr/>
+        </p:nvSpPr>
+        <p:spPr>
+          <a:xfrm>
+            <a:off x="3719945" y="1012954"/>
+            <a:ext cx="4752109" cy="4832092"/>
+          </a:xfrm>
+          <a:prstGeom prst="rect">
+            <a:avLst/>
+          </a:prstGeom>
+          <a:noFill/>
+        </p:spPr>
+        <p:txBody>
+          <a:bodyPr wrap="square" rtlCol="0">
+            <a:spAutoFit/>
+          </a:bodyPr>
+          <a:lstStyle/>
+          <a:p>
+            <a:r>
+              <a:rPr lang="en-US" sz="2800" dirty="0">
+                <a:solidFill>
+                  <a:srgbClr val="5A5AA8"/>
+                </a:solidFill>
+              </a:rPr>
+              <a:t>&lt;</a:t>
+            </a:r>
+            <a:r>
+              <a:rPr lang="en-US" sz="2800" dirty="0"/>
+              <a:t>	less than</a:t>
+            </a:r>
+          </a:p>
+          <a:p>
+            <a:endParaRPr lang="en-US" sz="2800" dirty="0"/>
+          </a:p>
+          <a:p>
+            <a:r>
+              <a:rPr lang="en-US" sz="2800" dirty="0">
+                <a:solidFill>
+                  <a:srgbClr val="5A5AA8"/>
+                </a:solidFill>
+              </a:rPr>
+              <a:t>&lt;=</a:t>
+            </a:r>
+            <a:r>
+              <a:rPr lang="en-US" sz="2800" dirty="0"/>
+              <a:t>	less than or equal to </a:t>
+            </a:r>
+          </a:p>
+          <a:p>
+            <a:endParaRPr lang="en-US" sz="2800" dirty="0"/>
+          </a:p>
+          <a:p>
+            <a:r>
+              <a:rPr lang="en-US" sz="2800" dirty="0">
+                <a:solidFill>
+                  <a:srgbClr val="5A5AA8"/>
+                </a:solidFill>
+              </a:rPr>
+              <a:t>&gt;</a:t>
+            </a:r>
+            <a:r>
+              <a:rPr lang="en-US" sz="2800" dirty="0"/>
+              <a:t>	greater than</a:t>
+            </a:r>
+          </a:p>
+          <a:p>
+            <a:endParaRPr lang="en-US" sz="2800" dirty="0"/>
+          </a:p>
+          <a:p>
+            <a:r>
+              <a:rPr lang="en-US" sz="2800" dirty="0">
+                <a:solidFill>
+                  <a:srgbClr val="5A5AA8"/>
+                </a:solidFill>
+              </a:rPr>
+              <a:t>&gt;=</a:t>
+            </a:r>
+            <a:r>
+              <a:rPr lang="en-US" sz="2800" dirty="0"/>
+              <a:t>	greater than or equal to </a:t>
+            </a:r>
+          </a:p>
+          <a:p>
+            <a:endParaRPr lang="en-US" sz="2800" dirty="0"/>
+          </a:p>
+          <a:p>
+            <a:r>
+              <a:rPr lang="en-US" sz="2800" dirty="0">
+                <a:solidFill>
+                  <a:srgbClr val="5A5AA8"/>
+                </a:solidFill>
+              </a:rPr>
+              <a:t>==</a:t>
+            </a:r>
+            <a:r>
+              <a:rPr lang="en-US" sz="2800" dirty="0"/>
+              <a:t>	equivalent to </a:t>
+            </a:r>
+          </a:p>
+          <a:p>
+            <a:endParaRPr lang="en-US" sz="2800" dirty="0"/>
+          </a:p>
+          <a:p>
+            <a:r>
+              <a:rPr lang="en-US" sz="2800" dirty="0">
+                <a:solidFill>
+                  <a:srgbClr val="5A5AA8"/>
+                </a:solidFill>
+              </a:rPr>
+              <a:t>!=</a:t>
+            </a:r>
+            <a:r>
+              <a:rPr lang="en-US" sz="2800" dirty="0"/>
+              <a:t>	not equivalent to </a:t>
+            </a:r>
+          </a:p>
+        </p:txBody>
+      </p:sp>
       <p:pic>
         <p:nvPicPr>
-          <p:cNvPr id="6" name="Picture 5">
+          <p:cNvPr id="3" name="Picture 2" descr="A picture containing dark, gauge&#10;&#10;Description automatically generated">
             <a:extLst>
               <a:ext uri="{FF2B5EF4-FFF2-40B4-BE49-F238E27FC236}">
-                <a16:creationId xmlns:a16="http://schemas.microsoft.com/office/drawing/2014/main" id="{E9D868EF-BCD5-4B55-BCEB-F6218623556A}"/>
+                <a16:creationId xmlns:a16="http://schemas.microsoft.com/office/drawing/2014/main" id="{4DE9394C-1A5D-A91F-AEF8-42EABEFAD5E8}"/>
               </a:ext>
             </a:extLst>
           </p:cNvPr>
@@ -8627,15 +7638,21 @@
           <p:nvPr/>
         </p:nvPicPr>
         <p:blipFill>
-          <a:blip r:embed="rId3"/>
+          <a:blip r:embed="rId3">
+            <a:extLst>
+              <a:ext uri="{28A0092B-C50C-407E-A947-70E740481C1C}">
+                <a14:useLocalDpi xmlns:a14="http://schemas.microsoft.com/office/drawing/2010/main" val="0"/>
+              </a:ext>
+            </a:extLst>
+          </a:blip>
           <a:stretch>
             <a:fillRect/>
           </a:stretch>
         </p:blipFill>
         <p:spPr>
           <a:xfrm>
-            <a:off x="3650388" y="1186165"/>
-            <a:ext cx="4891224" cy="4485670"/>
+            <a:off x="11378037" y="6031948"/>
+            <a:ext cx="800100" cy="812800"/>
           </a:xfrm>
           <a:prstGeom prst="rect">
             <a:avLst/>
@@ -8700,13 +7717,29 @@
             <p:ph type="title"/>
           </p:nvPr>
         </p:nvSpPr>
-        <p:spPr/>
+        <p:spPr>
+          <a:xfrm>
+            <a:off x="838200" y="241021"/>
+            <a:ext cx="10515600" cy="1325563"/>
+          </a:xfrm>
+        </p:spPr>
         <p:txBody>
-          <a:bodyPr/>
+          <a:bodyPr>
+            <a:normAutofit/>
+          </a:bodyPr>
           <a:lstStyle/>
           <a:p>
-            <a:r>
-              <a:rPr lang="en-US" dirty="0"/>
+            <a:pPr algn="ctr"/>
+            <a:r>
+              <a:rPr lang="en-US" sz="3600" b="1" dirty="0">
+                <a:solidFill>
+                  <a:schemeClr val="tx1">
+                    <a:lumMod val="75000"/>
+                    <a:lumOff val="25000"/>
+                  </a:schemeClr>
+                </a:solidFill>
+                <a:latin typeface="Avenir Black" panose="02000503020000020003" pitchFamily="2" charset="0"/>
+              </a:rPr>
               <a:t>Boolean Values – When is something true?</a:t>
             </a:r>
           </a:p>
@@ -8728,190 +7761,140 @@
             <p:ph sz="half" idx="1"/>
           </p:nvPr>
         </p:nvSpPr>
-        <p:spPr/>
+        <p:spPr>
+          <a:xfrm>
+            <a:off x="728472" y="1459866"/>
+            <a:ext cx="5181600" cy="4351338"/>
+          </a:xfrm>
+        </p:spPr>
         <p:txBody>
           <a:bodyPr>
-            <a:normAutofit fontScale="92500" lnSpcReduction="20000"/>
+            <a:normAutofit fontScale="92500" lnSpcReduction="10000"/>
           </a:bodyPr>
           <a:lstStyle/>
           <a:p>
             <a:r>
-              <a:rPr lang="en-US" dirty="0"/>
+              <a:rPr lang="en-US" dirty="0">
+                <a:latin typeface="Avenir" panose="02000503020000020003" pitchFamily="2" charset="0"/>
+              </a:rPr>
               <a:t>What are the following values?</a:t>
             </a:r>
           </a:p>
           <a:p>
             <a:pPr lvl="1"/>
-            <a:endParaRPr lang="en-US" dirty="0"/>
+            <a:endParaRPr lang="en-US" dirty="0">
+              <a:solidFill>
+                <a:schemeClr val="bg2">
+                  <a:lumMod val="50000"/>
+                </a:schemeClr>
+              </a:solidFill>
+              <a:latin typeface="Avenir" panose="02000503020000020003" pitchFamily="2" charset="0"/>
+            </a:endParaRPr>
           </a:p>
           <a:p>
             <a:pPr lvl="1"/>
             <a:r>
               <a:rPr lang="en-US" dirty="0">
                 <a:solidFill>
-                  <a:srgbClr val="FFC000"/>
+                  <a:schemeClr val="bg2">
+                    <a:lumMod val="50000"/>
+                  </a:schemeClr>
                 </a:solidFill>
-              </a:rPr>
-              <a:t>int</a:t>
-            </a:r>
-            <a:r>
-              <a:rPr lang="en-US" dirty="0"/>
-              <a:t>(</a:t>
-            </a:r>
+                <a:latin typeface="Avenir" panose="02000503020000020003" pitchFamily="2" charset="0"/>
+              </a:rPr>
+              <a:t>int(True)</a:t>
+            </a:r>
+          </a:p>
+          <a:p>
+            <a:pPr lvl="1"/>
             <a:r>
               <a:rPr lang="en-US" dirty="0">
                 <a:solidFill>
-                  <a:srgbClr val="FFC000"/>
+                  <a:schemeClr val="bg2">
+                    <a:lumMod val="50000"/>
+                  </a:schemeClr>
                 </a:solidFill>
-              </a:rPr>
-              <a:t>True</a:t>
-            </a:r>
-            <a:r>
-              <a:rPr lang="en-US" dirty="0"/>
-              <a:t>)</a:t>
-            </a:r>
+                <a:latin typeface="Avenir" panose="02000503020000020003" pitchFamily="2" charset="0"/>
+              </a:rPr>
+              <a:t>int(False)</a:t>
+            </a:r>
+          </a:p>
+          <a:p>
+            <a:pPr lvl="1"/>
+            <a:endParaRPr lang="en-US" dirty="0">
+              <a:solidFill>
+                <a:schemeClr val="bg2">
+                  <a:lumMod val="50000"/>
+                </a:schemeClr>
+              </a:solidFill>
+              <a:latin typeface="Avenir" panose="02000503020000020003" pitchFamily="2" charset="0"/>
+            </a:endParaRPr>
           </a:p>
           <a:p>
             <a:pPr lvl="1"/>
             <a:r>
               <a:rPr lang="en-US" dirty="0">
                 <a:solidFill>
-                  <a:srgbClr val="FFC000"/>
+                  <a:schemeClr val="bg2">
+                    <a:lumMod val="50000"/>
+                  </a:schemeClr>
                 </a:solidFill>
-              </a:rPr>
-              <a:t>int</a:t>
-            </a:r>
-            <a:r>
-              <a:rPr lang="en-US" dirty="0"/>
-              <a:t>(</a:t>
-            </a:r>
+                <a:latin typeface="Avenir" panose="02000503020000020003" pitchFamily="2" charset="0"/>
+              </a:rPr>
+              <a:t>float(True)</a:t>
+            </a:r>
+          </a:p>
+          <a:p>
+            <a:pPr lvl="1"/>
             <a:r>
               <a:rPr lang="en-US" dirty="0">
                 <a:solidFill>
-                  <a:srgbClr val="FFC000"/>
+                  <a:schemeClr val="bg2">
+                    <a:lumMod val="50000"/>
+                  </a:schemeClr>
                 </a:solidFill>
-              </a:rPr>
-              <a:t>False</a:t>
-            </a:r>
-            <a:r>
-              <a:rPr lang="en-US" dirty="0"/>
-              <a:t>)</a:t>
+                <a:latin typeface="Avenir" panose="02000503020000020003" pitchFamily="2" charset="0"/>
+              </a:rPr>
+              <a:t>float(False)</a:t>
             </a:r>
           </a:p>
           <a:p>
             <a:pPr lvl="1"/>
-            <a:endParaRPr lang="en-US" dirty="0"/>
+            <a:endParaRPr lang="en-US" dirty="0">
+              <a:solidFill>
+                <a:schemeClr val="bg2">
+                  <a:lumMod val="50000"/>
+                </a:schemeClr>
+              </a:solidFill>
+              <a:latin typeface="Avenir" panose="02000503020000020003" pitchFamily="2" charset="0"/>
+            </a:endParaRPr>
           </a:p>
           <a:p>
             <a:pPr lvl="1"/>
             <a:r>
               <a:rPr lang="en-US" dirty="0">
                 <a:solidFill>
-                  <a:srgbClr val="FFC000"/>
+                  <a:schemeClr val="bg2">
+                    <a:lumMod val="50000"/>
+                  </a:schemeClr>
                 </a:solidFill>
-              </a:rPr>
-              <a:t>float</a:t>
-            </a:r>
-            <a:r>
-              <a:rPr lang="en-US" dirty="0"/>
-              <a:t>(</a:t>
-            </a:r>
+                <a:latin typeface="Avenir" panose="02000503020000020003" pitchFamily="2" charset="0"/>
+              </a:rPr>
+              <a:t>str(True)</a:t>
+            </a:r>
+          </a:p>
+          <a:p>
+            <a:pPr lvl="1"/>
             <a:r>
               <a:rPr lang="en-US" dirty="0">
                 <a:solidFill>
-                  <a:srgbClr val="FFC000"/>
+                  <a:schemeClr val="bg2">
+                    <a:lumMod val="50000"/>
+                  </a:schemeClr>
                 </a:solidFill>
-              </a:rPr>
-              <a:t>True</a:t>
-            </a:r>
-            <a:r>
-              <a:rPr lang="en-US" dirty="0"/>
-              <a:t>)</a:t>
-            </a:r>
-          </a:p>
-          <a:p>
-            <a:pPr lvl="1"/>
-            <a:r>
-              <a:rPr lang="en-US" dirty="0">
-                <a:solidFill>
-                  <a:srgbClr val="FFC000"/>
-                </a:solidFill>
-              </a:rPr>
-              <a:t>float</a:t>
-            </a:r>
-            <a:r>
-              <a:rPr lang="en-US" dirty="0"/>
-              <a:t>(</a:t>
-            </a:r>
-            <a:r>
-              <a:rPr lang="en-US" dirty="0">
-                <a:solidFill>
-                  <a:srgbClr val="FFC000"/>
-                </a:solidFill>
-              </a:rPr>
-              <a:t>False</a:t>
-            </a:r>
-            <a:r>
-              <a:rPr lang="en-US" dirty="0"/>
-              <a:t>)</a:t>
-            </a:r>
-          </a:p>
-          <a:p>
-            <a:pPr lvl="1"/>
-            <a:endParaRPr lang="en-US" dirty="0"/>
-          </a:p>
-          <a:p>
-            <a:pPr lvl="1"/>
-            <a:r>
-              <a:rPr lang="en-US" dirty="0">
-                <a:solidFill>
-                  <a:srgbClr val="FFC000"/>
-                </a:solidFill>
-              </a:rPr>
-              <a:t>str</a:t>
-            </a:r>
-            <a:r>
-              <a:rPr lang="en-US" dirty="0"/>
-              <a:t>(</a:t>
-            </a:r>
-            <a:r>
-              <a:rPr lang="en-US" dirty="0">
-                <a:solidFill>
-                  <a:srgbClr val="FFC000"/>
-                </a:solidFill>
-              </a:rPr>
-              <a:t>True</a:t>
-            </a:r>
-            <a:r>
-              <a:rPr lang="en-US" dirty="0"/>
-              <a:t>)</a:t>
-            </a:r>
-          </a:p>
-          <a:p>
-            <a:pPr lvl="1"/>
-            <a:r>
-              <a:rPr lang="en-US" dirty="0">
-                <a:solidFill>
-                  <a:srgbClr val="FFC000"/>
-                </a:solidFill>
-              </a:rPr>
-              <a:t>str</a:t>
-            </a:r>
-            <a:r>
-              <a:rPr lang="en-US" dirty="0"/>
-              <a:t>(</a:t>
-            </a:r>
-            <a:r>
-              <a:rPr lang="en-US" dirty="0">
-                <a:solidFill>
-                  <a:srgbClr val="FFC000"/>
-                </a:solidFill>
-              </a:rPr>
-              <a:t>False</a:t>
-            </a:r>
-            <a:r>
-              <a:rPr lang="en-US" dirty="0"/>
-              <a:t>)</a:t>
+                <a:latin typeface="Avenir" panose="02000503020000020003" pitchFamily="2" charset="0"/>
+              </a:rPr>
+              <a:t>str(False)</a:t>
             </a:r>
           </a:p>
         </p:txBody>
@@ -8932,73 +7915,61 @@
             <p:ph sz="half" idx="2"/>
           </p:nvPr>
         </p:nvSpPr>
-        <p:spPr/>
+        <p:spPr>
+          <a:xfrm>
+            <a:off x="5910072" y="1474173"/>
+            <a:ext cx="6019800" cy="4351338"/>
+          </a:xfrm>
+        </p:spPr>
         <p:txBody>
           <a:bodyPr>
-            <a:normAutofit fontScale="92500" lnSpcReduction="20000"/>
+            <a:normAutofit fontScale="92500" lnSpcReduction="10000"/>
           </a:bodyPr>
           <a:lstStyle/>
           <a:p>
             <a:r>
-              <a:rPr lang="en-US" dirty="0"/>
+              <a:rPr lang="en-US" dirty="0">
+                <a:latin typeface="Avenir" panose="02000503020000020003" pitchFamily="2" charset="0"/>
+              </a:rPr>
               <a:t>What about these values?</a:t>
             </a:r>
           </a:p>
           <a:p>
             <a:pPr lvl="1"/>
-            <a:endParaRPr lang="en-US" dirty="0"/>
+            <a:endParaRPr lang="en-US" dirty="0">
+              <a:latin typeface="Avenir" panose="02000503020000020003" pitchFamily="2" charset="0"/>
+            </a:endParaRPr>
           </a:p>
           <a:p>
             <a:pPr lvl="1"/>
             <a:r>
               <a:rPr lang="en-US" dirty="0">
                 <a:solidFill>
-                  <a:srgbClr val="FFC000"/>
+                  <a:schemeClr val="bg2">
+                    <a:lumMod val="50000"/>
+                  </a:schemeClr>
                 </a:solidFill>
-              </a:rPr>
-              <a:t>bool</a:t>
-            </a:r>
-            <a:r>
-              <a:rPr lang="en-US" dirty="0"/>
-              <a:t>(</a:t>
-            </a:r>
+                <a:latin typeface="Avenir" panose="02000503020000020003" pitchFamily="2" charset="0"/>
+              </a:rPr>
+              <a:t>bool(2)</a:t>
+            </a:r>
+          </a:p>
+          <a:p>
+            <a:pPr lvl="1"/>
             <a:r>
               <a:rPr lang="en-US" dirty="0">
                 <a:solidFill>
-                  <a:srgbClr val="FFC000"/>
+                  <a:schemeClr val="bg2">
+                    <a:lumMod val="50000"/>
+                  </a:schemeClr>
                 </a:solidFill>
-                <a:latin typeface="Consolas" panose="020B0609020204030204" pitchFamily="49" charset="0"/>
-              </a:rPr>
-              <a:t>2</a:t>
-            </a:r>
-            <a:r>
-              <a:rPr lang="en-US" dirty="0"/>
-              <a:t>)</a:t>
-            </a:r>
-          </a:p>
-          <a:p>
-            <a:pPr lvl="1"/>
-            <a:r>
-              <a:rPr lang="en-US" dirty="0">
-                <a:solidFill>
-                  <a:srgbClr val="FFC000"/>
-                </a:solidFill>
-              </a:rPr>
-              <a:t>bool</a:t>
-            </a:r>
-            <a:r>
-              <a:rPr lang="en-US" dirty="0"/>
-              <a:t>(</a:t>
-            </a:r>
-            <a:r>
-              <a:rPr lang="en-US" dirty="0">
-                <a:solidFill>
-                  <a:srgbClr val="FFC000"/>
-                </a:solidFill>
-                <a:latin typeface="Consolas" panose="020B0609020204030204" pitchFamily="49" charset="0"/>
-              </a:rPr>
-              <a:t>0</a:t>
-            </a:r>
+                <a:latin typeface="Avenir" panose="02000503020000020003" pitchFamily="2" charset="0"/>
+              </a:rPr>
+              <a:t>bool(0)</a:t>
+            </a:r>
+          </a:p>
+          <a:p>
+            <a:pPr lvl="2"/>
             <a:r>
               <a:rPr lang="en-US" dirty="0">
                 <a:solidFill>
@@ -9006,53 +7977,72 @@
                     <a:lumMod val="95000"/>
                   </a:schemeClr>
                 </a:solidFill>
-              </a:rPr>
-              <a:t>)</a:t>
-            </a:r>
-          </a:p>
-          <a:p>
-            <a:pPr lvl="2"/>
+                <a:latin typeface="Avenir" panose="02000503020000020003" pitchFamily="2" charset="0"/>
+              </a:rPr>
+              <a:t>All non-zero integers are True!</a:t>
+            </a:r>
+          </a:p>
+          <a:p>
+            <a:pPr lvl="1"/>
+            <a:endParaRPr lang="en-US" dirty="0">
+              <a:latin typeface="Avenir" panose="02000503020000020003" pitchFamily="2" charset="0"/>
+            </a:endParaRPr>
+          </a:p>
+          <a:p>
+            <a:pPr lvl="1"/>
             <a:r>
               <a:rPr lang="en-US" dirty="0">
                 <a:solidFill>
-                  <a:schemeClr val="tx1">
-                    <a:lumMod val="95000"/>
+                  <a:schemeClr val="bg2">
+                    <a:lumMod val="50000"/>
                   </a:schemeClr>
                 </a:solidFill>
-              </a:rPr>
-              <a:t>All non-zero integers are True!</a:t>
-            </a:r>
-          </a:p>
-          <a:p>
-            <a:pPr lvl="1"/>
-            <a:endParaRPr lang="en-US" dirty="0"/>
+                <a:latin typeface="Avenir" panose="02000503020000020003" pitchFamily="2" charset="0"/>
+              </a:rPr>
+              <a:t>bool(2.1)</a:t>
+            </a:r>
           </a:p>
           <a:p>
             <a:pPr lvl="1"/>
             <a:r>
               <a:rPr lang="en-US" dirty="0">
                 <a:solidFill>
-                  <a:srgbClr val="FFC000"/>
+                  <a:schemeClr val="bg2">
+                    <a:lumMod val="50000"/>
+                  </a:schemeClr>
                 </a:solidFill>
-              </a:rPr>
-              <a:t>bool</a:t>
-            </a:r>
-            <a:r>
-              <a:rPr lang="en-US" dirty="0"/>
-              <a:t>(</a:t>
-            </a:r>
+                <a:latin typeface="Avenir" panose="02000503020000020003" pitchFamily="2" charset="0"/>
+              </a:rPr>
+              <a:t>bool(0.0)</a:t>
+            </a:r>
+          </a:p>
+          <a:p>
+            <a:pPr lvl="2"/>
+            <a:r>
+              <a:rPr lang="en-US" dirty="0">
+                <a:latin typeface="Avenir" panose="02000503020000020003" pitchFamily="2" charset="0"/>
+              </a:rPr>
+              <a:t>All non-zero floating point values are True!</a:t>
+            </a:r>
+          </a:p>
+          <a:p>
+            <a:pPr lvl="1"/>
+            <a:endParaRPr lang="en-US" dirty="0">
+              <a:latin typeface="Avenir" panose="02000503020000020003" pitchFamily="2" charset="0"/>
+            </a:endParaRPr>
+          </a:p>
+          <a:p>
+            <a:pPr lvl="1"/>
             <a:r>
               <a:rPr lang="en-US" dirty="0">
                 <a:solidFill>
-                  <a:srgbClr val="FFC000"/>
+                  <a:schemeClr val="bg2">
+                    <a:lumMod val="50000"/>
+                  </a:schemeClr>
                 </a:solidFill>
-                <a:latin typeface="Consolas" panose="020B0609020204030204" pitchFamily="49" charset="0"/>
-              </a:rPr>
-              <a:t>2.1</a:t>
-            </a:r>
-            <a:r>
-              <a:rPr lang="en-US" dirty="0"/>
-              <a:t>)</a:t>
+                <a:latin typeface="Avenir" panose="02000503020000020003" pitchFamily="2" charset="0"/>
+              </a:rPr>
+              <a:t>bool('hello')</a:t>
             </a:r>
           </a:p>
           <a:p>
@@ -9060,98 +8050,21 @@
             <a:r>
               <a:rPr lang="en-US" dirty="0">
                 <a:solidFill>
-                  <a:srgbClr val="FFC000"/>
+                  <a:schemeClr val="bg2">
+                    <a:lumMod val="50000"/>
+                  </a:schemeClr>
                 </a:solidFill>
-              </a:rPr>
-              <a:t>bool</a:t>
-            </a:r>
-            <a:r>
-              <a:rPr lang="en-US" dirty="0"/>
-              <a:t>(</a:t>
-            </a:r>
+                <a:latin typeface="Avenir" panose="02000503020000020003" pitchFamily="2" charset="0"/>
+              </a:rPr>
+              <a:t>bool('')</a:t>
+            </a:r>
+          </a:p>
+          <a:p>
+            <a:pPr lvl="2"/>
             <a:r>
               <a:rPr lang="en-US" dirty="0">
-                <a:solidFill>
-                  <a:srgbClr val="FFC000"/>
-                </a:solidFill>
-                <a:latin typeface="Consolas" panose="020B0609020204030204" pitchFamily="49" charset="0"/>
-              </a:rPr>
-              <a:t>0.0</a:t>
-            </a:r>
-            <a:r>
-              <a:rPr lang="en-US" dirty="0"/>
-              <a:t>)</a:t>
-            </a:r>
-          </a:p>
-          <a:p>
-            <a:pPr lvl="2"/>
-            <a:r>
-              <a:rPr lang="en-US" dirty="0"/>
-              <a:t>All non-zero floating point values are True!</a:t>
-            </a:r>
-          </a:p>
-          <a:p>
-            <a:pPr lvl="1"/>
-            <a:endParaRPr lang="en-US" dirty="0"/>
-          </a:p>
-          <a:p>
-            <a:pPr lvl="1"/>
-            <a:r>
-              <a:rPr lang="en-US" dirty="0">
-                <a:solidFill>
-                  <a:srgbClr val="FFC000"/>
-                </a:solidFill>
-              </a:rPr>
-              <a:t>bool</a:t>
-            </a:r>
-            <a:r>
-              <a:rPr lang="en-US" dirty="0"/>
-              <a:t>(</a:t>
-            </a:r>
-            <a:r>
-              <a:rPr lang="en-US" dirty="0">
-                <a:solidFill>
-                  <a:srgbClr val="92D050"/>
-                </a:solidFill>
-              </a:rPr>
-              <a:t>'hello'</a:t>
-            </a:r>
-            <a:r>
-              <a:rPr lang="en-US" dirty="0"/>
-              <a:t>)</a:t>
-            </a:r>
-          </a:p>
-          <a:p>
-            <a:pPr lvl="1"/>
-            <a:r>
-              <a:rPr lang="en-US" dirty="0">
-                <a:solidFill>
-                  <a:srgbClr val="FFC000"/>
-                </a:solidFill>
-              </a:rPr>
-              <a:t>bool</a:t>
-            </a:r>
-            <a:r>
-              <a:rPr lang="en-US" dirty="0"/>
-              <a:t>(</a:t>
-            </a:r>
-            <a:r>
-              <a:rPr lang="en-US" dirty="0">
-                <a:solidFill>
-                  <a:srgbClr val="92D050"/>
-                </a:solidFill>
-              </a:rPr>
-              <a:t>''</a:t>
-            </a:r>
-            <a:r>
-              <a:rPr lang="en-US" dirty="0"/>
-              <a:t>)</a:t>
-            </a:r>
-          </a:p>
-          <a:p>
-            <a:pPr lvl="2"/>
-            <a:r>
-              <a:rPr lang="en-US" dirty="0"/>
+                <a:latin typeface="Avenir" panose="02000503020000020003" pitchFamily="2" charset="0"/>
+              </a:rPr>
               <a:t>All non-empty strings are True!</a:t>
             </a:r>
           </a:p>
@@ -9171,7 +8084,7 @@
         </p:nvSpPr>
         <p:spPr>
           <a:xfrm>
-            <a:off x="3632608" y="2543175"/>
+            <a:off x="3522880" y="2200861"/>
             <a:ext cx="443725" cy="369332"/>
           </a:xfrm>
           <a:prstGeom prst="rect">
@@ -9188,7 +8101,10 @@
             <a:r>
               <a:rPr lang="en-US" dirty="0">
                 <a:solidFill>
-                  <a:srgbClr val="0070C0"/>
+                  <a:schemeClr val="tx1">
+                    <a:lumMod val="50000"/>
+                    <a:lumOff val="50000"/>
+                  </a:schemeClr>
                 </a:solidFill>
                 <a:latin typeface="Consolas" panose="020B0609020204030204" pitchFamily="49" charset="0"/>
               </a:rPr>
@@ -9211,7 +8127,7 @@
         </p:nvSpPr>
         <p:spPr>
           <a:xfrm>
-            <a:off x="3632608" y="2862776"/>
+            <a:off x="3522880" y="2520462"/>
             <a:ext cx="357502" cy="369332"/>
           </a:xfrm>
           <a:prstGeom prst="rect">
@@ -9228,7 +8144,10 @@
             <a:r>
               <a:rPr lang="en-US" dirty="0">
                 <a:solidFill>
-                  <a:srgbClr val="0070C0"/>
+                  <a:schemeClr val="tx1">
+                    <a:lumMod val="50000"/>
+                    <a:lumOff val="50000"/>
+                  </a:schemeClr>
                 </a:solidFill>
                 <a:latin typeface="Consolas" panose="020B0609020204030204" pitchFamily="49" charset="0"/>
               </a:rPr>
@@ -9251,7 +8170,7 @@
         </p:nvSpPr>
         <p:spPr>
           <a:xfrm>
-            <a:off x="3632608" y="3511335"/>
+            <a:off x="3522880" y="3180744"/>
             <a:ext cx="618348" cy="369332"/>
           </a:xfrm>
           <a:prstGeom prst="rect">
@@ -9268,7 +8187,10 @@
             <a:r>
               <a:rPr lang="en-US" dirty="0">
                 <a:solidFill>
-                  <a:srgbClr val="0070C0"/>
+                  <a:schemeClr val="tx1">
+                    <a:lumMod val="50000"/>
+                    <a:lumOff val="50000"/>
+                  </a:schemeClr>
                 </a:solidFill>
                 <a:latin typeface="Consolas" panose="020B0609020204030204" pitchFamily="49" charset="0"/>
               </a:rPr>
@@ -9291,7 +8213,7 @@
         </p:nvSpPr>
         <p:spPr>
           <a:xfrm>
-            <a:off x="3632607" y="3830936"/>
+            <a:off x="3522879" y="3500345"/>
             <a:ext cx="710793" cy="369332"/>
           </a:xfrm>
           <a:prstGeom prst="rect">
@@ -9308,7 +8230,10 @@
             <a:r>
               <a:rPr lang="en-US" dirty="0">
                 <a:solidFill>
-                  <a:srgbClr val="0070C0"/>
+                  <a:schemeClr val="tx1">
+                    <a:lumMod val="50000"/>
+                    <a:lumOff val="50000"/>
+                  </a:schemeClr>
                 </a:solidFill>
                 <a:latin typeface="Consolas" panose="020B0609020204030204" pitchFamily="49" charset="0"/>
               </a:rPr>
@@ -9331,7 +8256,7 @@
         </p:nvSpPr>
         <p:spPr>
           <a:xfrm>
-            <a:off x="3632606" y="4479495"/>
+            <a:off x="3522878" y="4148904"/>
             <a:ext cx="1123543" cy="369332"/>
           </a:xfrm>
           <a:prstGeom prst="rect">
@@ -9348,7 +8273,10 @@
             <a:r>
               <a:rPr lang="en-US" dirty="0">
                 <a:solidFill>
-                  <a:srgbClr val="92D050"/>
+                  <a:schemeClr val="tx1">
+                    <a:lumMod val="50000"/>
+                    <a:lumOff val="50000"/>
+                  </a:schemeClr>
                 </a:solidFill>
                 <a:latin typeface="Consolas" panose="020B0609020204030204" pitchFamily="49" charset="0"/>
               </a:rPr>
@@ -9371,7 +8299,7 @@
         </p:nvSpPr>
         <p:spPr>
           <a:xfrm>
-            <a:off x="3632607" y="4799096"/>
+            <a:off x="3522879" y="4468505"/>
             <a:ext cx="1123542" cy="369332"/>
           </a:xfrm>
           <a:prstGeom prst="rect">
@@ -9388,7 +8316,10 @@
             <a:r>
               <a:rPr lang="en-US" dirty="0">
                 <a:solidFill>
-                  <a:srgbClr val="92D050"/>
+                  <a:schemeClr val="tx1">
+                    <a:lumMod val="50000"/>
+                    <a:lumOff val="50000"/>
+                  </a:schemeClr>
                 </a:solidFill>
                 <a:latin typeface="Consolas" panose="020B0609020204030204" pitchFamily="49" charset="0"/>
               </a:rPr>
@@ -9411,7 +8342,7 @@
         </p:nvSpPr>
         <p:spPr>
           <a:xfrm>
-            <a:off x="8966606" y="2543175"/>
+            <a:off x="8856878" y="2177415"/>
             <a:ext cx="863193" cy="369332"/>
           </a:xfrm>
           <a:prstGeom prst="rect">
@@ -9428,7 +8359,10 @@
             <a:r>
               <a:rPr lang="en-US" dirty="0">
                 <a:solidFill>
-                  <a:srgbClr val="0070C0"/>
+                  <a:schemeClr val="tx1">
+                    <a:lumMod val="50000"/>
+                    <a:lumOff val="50000"/>
+                  </a:schemeClr>
                 </a:solidFill>
                 <a:latin typeface="Consolas" panose="020B0609020204030204" pitchFamily="49" charset="0"/>
               </a:rPr>
@@ -9451,7 +8385,7 @@
         </p:nvSpPr>
         <p:spPr>
           <a:xfrm>
-            <a:off x="8966607" y="2862776"/>
+            <a:off x="8856879" y="2497016"/>
             <a:ext cx="863193" cy="369332"/>
           </a:xfrm>
           <a:prstGeom prst="rect">
@@ -9468,7 +8402,10 @@
             <a:r>
               <a:rPr lang="en-US" dirty="0">
                 <a:solidFill>
-                  <a:srgbClr val="0070C0"/>
+                  <a:schemeClr val="tx1">
+                    <a:lumMod val="50000"/>
+                    <a:lumOff val="50000"/>
+                  </a:schemeClr>
                 </a:solidFill>
                 <a:latin typeface="Consolas" panose="020B0609020204030204" pitchFamily="49" charset="0"/>
               </a:rPr>
@@ -9491,7 +8428,7 @@
         </p:nvSpPr>
         <p:spPr>
           <a:xfrm>
-            <a:off x="8966606" y="3764992"/>
+            <a:off x="8856878" y="3399232"/>
             <a:ext cx="863193" cy="369332"/>
           </a:xfrm>
           <a:prstGeom prst="rect">
@@ -9508,7 +8445,10 @@
             <a:r>
               <a:rPr lang="en-US" dirty="0">
                 <a:solidFill>
-                  <a:srgbClr val="0070C0"/>
+                  <a:schemeClr val="tx1">
+                    <a:lumMod val="50000"/>
+                    <a:lumOff val="50000"/>
+                  </a:schemeClr>
                 </a:solidFill>
                 <a:latin typeface="Consolas" panose="020B0609020204030204" pitchFamily="49" charset="0"/>
               </a:rPr>
@@ -9531,7 +8471,7 @@
         </p:nvSpPr>
         <p:spPr>
           <a:xfrm>
-            <a:off x="8966607" y="4084593"/>
+            <a:off x="8856879" y="3718833"/>
             <a:ext cx="863193" cy="369332"/>
           </a:xfrm>
           <a:prstGeom prst="rect">
@@ -9548,7 +8488,10 @@
             <a:r>
               <a:rPr lang="en-US" dirty="0">
                 <a:solidFill>
-                  <a:srgbClr val="0070C0"/>
+                  <a:schemeClr val="tx1">
+                    <a:lumMod val="50000"/>
+                    <a:lumOff val="50000"/>
+                  </a:schemeClr>
                 </a:solidFill>
                 <a:latin typeface="Consolas" panose="020B0609020204030204" pitchFamily="49" charset="0"/>
               </a:rPr>
@@ -9571,7 +8514,7 @@
         </p:nvSpPr>
         <p:spPr>
           <a:xfrm>
-            <a:off x="8966606" y="4986809"/>
+            <a:off x="8856878" y="4704694"/>
             <a:ext cx="863193" cy="369332"/>
           </a:xfrm>
           <a:prstGeom prst="rect">
@@ -9588,7 +8531,10 @@
             <a:r>
               <a:rPr lang="en-US" dirty="0">
                 <a:solidFill>
-                  <a:srgbClr val="0070C0"/>
+                  <a:schemeClr val="tx1">
+                    <a:lumMod val="50000"/>
+                    <a:lumOff val="50000"/>
+                  </a:schemeClr>
                 </a:solidFill>
                 <a:latin typeface="Consolas" panose="020B0609020204030204" pitchFamily="49" charset="0"/>
               </a:rPr>
@@ -9611,7 +8557,7 @@
         </p:nvSpPr>
         <p:spPr>
           <a:xfrm>
-            <a:off x="8966607" y="5306410"/>
+            <a:off x="8856879" y="5024295"/>
             <a:ext cx="863193" cy="369332"/>
           </a:xfrm>
           <a:prstGeom prst="rect">
@@ -9628,7 +8574,10 @@
             <a:r>
               <a:rPr lang="en-US" dirty="0">
                 <a:solidFill>
-                  <a:srgbClr val="0070C0"/>
+                  <a:schemeClr val="tx1">
+                    <a:lumMod val="50000"/>
+                    <a:lumOff val="50000"/>
+                  </a:schemeClr>
                 </a:solidFill>
                 <a:latin typeface="Consolas" panose="020B0609020204030204" pitchFamily="49" charset="0"/>
               </a:rPr>
@@ -9637,6 +8586,42 @@
           </a:p>
         </p:txBody>
       </p:sp>
+      <p:pic>
+        <p:nvPicPr>
+          <p:cNvPr id="6" name="Picture 5" descr="A picture containing dark, gauge&#10;&#10;Description automatically generated">
+            <a:extLst>
+              <a:ext uri="{FF2B5EF4-FFF2-40B4-BE49-F238E27FC236}">
+                <a16:creationId xmlns:a16="http://schemas.microsoft.com/office/drawing/2014/main" id="{84D5AD5C-C704-D1D8-4CB8-69B08678911D}"/>
+              </a:ext>
+            </a:extLst>
+          </p:cNvPr>
+          <p:cNvPicPr>
+            <a:picLocks noChangeAspect="1"/>
+          </p:cNvPicPr>
+          <p:nvPr/>
+        </p:nvPicPr>
+        <p:blipFill>
+          <a:blip r:embed="rId2">
+            <a:extLst>
+              <a:ext uri="{28A0092B-C50C-407E-A947-70E740481C1C}">
+                <a14:useLocalDpi xmlns:a14="http://schemas.microsoft.com/office/drawing/2010/main" val="0"/>
+              </a:ext>
+            </a:extLst>
+          </a:blip>
+          <a:stretch>
+            <a:fillRect/>
+          </a:stretch>
+        </p:blipFill>
+        <p:spPr>
+          <a:xfrm>
+            <a:off x="11378037" y="6031948"/>
+            <a:ext cx="800100" cy="812800"/>
+          </a:xfrm>
+          <a:prstGeom prst="rect">
+            <a:avLst/>
+          </a:prstGeom>
+        </p:spPr>
+      </p:pic>
     </p:spTree>
     <p:extLst>
       <p:ext uri="{BB962C8B-B14F-4D97-AF65-F5344CB8AC3E}">
@@ -12166,12 +11151,19 @@
           </a:xfrm>
         </p:spPr>
         <p:txBody>
-          <a:bodyPr/>
+          <a:bodyPr>
+            <a:normAutofit/>
+          </a:bodyPr>
           <a:lstStyle/>
           <a:p>
             <a:r>
-              <a:rPr lang="en-US" dirty="0">
-                <a:latin typeface="Palatino Linotype" panose="02040502050505030304" pitchFamily="18" charset="0"/>
+              <a:rPr lang="en-US" sz="2800" dirty="0">
+                <a:solidFill>
+                  <a:schemeClr val="bg2">
+                    <a:lumMod val="50000"/>
+                  </a:schemeClr>
+                </a:solidFill>
+                <a:latin typeface="Avenir" panose="02000503020000020003" pitchFamily="2" charset="0"/>
                 <a:cs typeface="Segoe UI" panose="020B0502040204020203" pitchFamily="34" charset="0"/>
               </a:rPr>
               <a:t>Python Conditionals</a:t>
@@ -12209,6 +11201,36 @@
           <a:xfrm>
             <a:off x="844551" y="3633112"/>
             <a:ext cx="6154487" cy="1268482"/>
+          </a:xfrm>
+          <a:prstGeom prst="rect">
+            <a:avLst/>
+          </a:prstGeom>
+        </p:spPr>
+      </p:pic>
+      <p:pic>
+        <p:nvPicPr>
+          <p:cNvPr id="2" name="Picture 1" descr="Logo, icon&#10;&#10;Description automatically generated">
+            <a:extLst>
+              <a:ext uri="{FF2B5EF4-FFF2-40B4-BE49-F238E27FC236}">
+                <a16:creationId xmlns:a16="http://schemas.microsoft.com/office/drawing/2014/main" id="{738C8416-CE49-8EB7-B1EE-C95AE4D55132}"/>
+              </a:ext>
+            </a:extLst>
+          </p:cNvPr>
+          <p:cNvPicPr>
+            <a:picLocks noChangeAspect="1"/>
+          </p:cNvPicPr>
+          <p:nvPr/>
+        </p:nvPicPr>
+        <p:blipFill>
+          <a:blip r:embed="rId4"/>
+          <a:stretch>
+            <a:fillRect/>
+          </a:stretch>
+        </p:blipFill>
+        <p:spPr>
+          <a:xfrm flipH="1">
+            <a:off x="11072551" y="5776267"/>
+            <a:ext cx="831910" cy="831910"/>
           </a:xfrm>
           <a:prstGeom prst="rect">
             <a:avLst/>
@@ -12388,6 +11410,42 @@
           </a:p>
         </p:txBody>
       </p:sp>
+      <p:pic>
+        <p:nvPicPr>
+          <p:cNvPr id="2" name="Picture 1" descr="A picture containing dark, gauge&#10;&#10;Description automatically generated">
+            <a:extLst>
+              <a:ext uri="{FF2B5EF4-FFF2-40B4-BE49-F238E27FC236}">
+                <a16:creationId xmlns:a16="http://schemas.microsoft.com/office/drawing/2014/main" id="{B0337978-1545-ED3A-6689-5825DF0013EA}"/>
+              </a:ext>
+            </a:extLst>
+          </p:cNvPr>
+          <p:cNvPicPr>
+            <a:picLocks noChangeAspect="1"/>
+          </p:cNvPicPr>
+          <p:nvPr/>
+        </p:nvPicPr>
+        <p:blipFill>
+          <a:blip r:embed="rId4">
+            <a:extLst>
+              <a:ext uri="{28A0092B-C50C-407E-A947-70E740481C1C}">
+                <a14:useLocalDpi xmlns:a14="http://schemas.microsoft.com/office/drawing/2010/main" val="0"/>
+              </a:ext>
+            </a:extLst>
+          </a:blip>
+          <a:stretch>
+            <a:fillRect/>
+          </a:stretch>
+        </p:blipFill>
+        <p:spPr>
+          <a:xfrm>
+            <a:off x="11378037" y="6031948"/>
+            <a:ext cx="800100" cy="812800"/>
+          </a:xfrm>
+          <a:prstGeom prst="rect">
+            <a:avLst/>
+          </a:prstGeom>
+        </p:spPr>
+      </p:pic>
     </p:spTree>
     <p:extLst>
       <p:ext uri="{BB962C8B-B14F-4D97-AF65-F5344CB8AC3E}">
@@ -12446,25 +11504,35 @@
             <p:ph type="title"/>
           </p:nvPr>
         </p:nvSpPr>
-        <p:spPr/>
+        <p:spPr>
+          <a:xfrm>
+            <a:off x="838200" y="153191"/>
+            <a:ext cx="10515600" cy="1325563"/>
+          </a:xfrm>
+        </p:spPr>
         <p:txBody>
           <a:bodyPr/>
           <a:lstStyle/>
           <a:p>
             <a:r>
-              <a:rPr lang="en-US" dirty="0"/>
+              <a:rPr lang="en-US" b="1" dirty="0">
+                <a:latin typeface="Avenir Black" panose="02000503020000020003" pitchFamily="2" charset="0"/>
+              </a:rPr>
               <a:t>Python </a:t>
             </a:r>
             <a:r>
-              <a:rPr lang="en-US" dirty="0">
+              <a:rPr lang="en-US" b="1" dirty="0">
                 <a:solidFill>
-                  <a:srgbClr val="FF00FF"/>
+                  <a:srgbClr val="5A5AA8"/>
                 </a:solidFill>
+                <a:latin typeface="Avenir Black" panose="02000503020000020003" pitchFamily="2" charset="0"/>
               </a:rPr>
               <a:t>if</a:t>
             </a:r>
             <a:r>
-              <a:rPr lang="en-US" dirty="0"/>
+              <a:rPr lang="en-US" b="1" dirty="0">
+                <a:latin typeface="Avenir Black" panose="02000503020000020003" pitchFamily="2" charset="0"/>
+              </a:rPr>
               <a:t> statement</a:t>
             </a:r>
           </a:p>
@@ -12486,52 +11554,50 @@
             <p:ph sz="half" idx="1"/>
           </p:nvPr>
         </p:nvSpPr>
-        <p:spPr/>
+        <p:spPr>
+          <a:xfrm>
+            <a:off x="591345" y="1253331"/>
+            <a:ext cx="5803900" cy="4351338"/>
+          </a:xfrm>
+        </p:spPr>
         <p:txBody>
           <a:bodyPr>
-            <a:normAutofit lnSpcReduction="10000"/>
+            <a:normAutofit/>
           </a:bodyPr>
           <a:lstStyle/>
           <a:p>
             <a:r>
-              <a:rPr lang="en-US" dirty="0"/>
+              <a:rPr lang="en-US" dirty="0">
+                <a:latin typeface="Avenir" panose="02000503020000020003" pitchFamily="2" charset="0"/>
+              </a:rPr>
               <a:t>Simplest IF statement syntax</a:t>
             </a:r>
           </a:p>
           <a:p>
-            <a:endParaRPr lang="en-US" dirty="0"/>
+            <a:endParaRPr lang="en-US" dirty="0">
+              <a:latin typeface="Avenir" panose="02000503020000020003" pitchFamily="2" charset="0"/>
+            </a:endParaRPr>
           </a:p>
           <a:p>
             <a:pPr marL="0" indent="0">
               <a:buNone/>
             </a:pPr>
             <a:r>
-              <a:rPr lang="en-US" dirty="0"/>
+              <a:rPr lang="en-US" dirty="0">
+                <a:latin typeface="Avenir" panose="02000503020000020003" pitchFamily="2" charset="0"/>
+              </a:rPr>
               <a:t>	</a:t>
             </a:r>
             <a:r>
               <a:rPr lang="en-US" dirty="0">
                 <a:solidFill>
-                  <a:srgbClr val="FF00FF"/>
+                  <a:schemeClr val="bg2">
+                    <a:lumMod val="50000"/>
+                  </a:schemeClr>
                 </a:solidFill>
-              </a:rPr>
-              <a:t>if</a:t>
-            </a:r>
-            <a:r>
-              <a:rPr lang="en-US" dirty="0"/>
-              <a:t> </a:t>
-            </a:r>
-            <a:r>
-              <a:rPr lang="en-US" dirty="0">
-                <a:solidFill>
-                  <a:srgbClr val="92D050"/>
-                </a:solidFill>
-              </a:rPr>
-              <a:t>&lt;condition&gt;</a:t>
-            </a:r>
-            <a:r>
-              <a:rPr lang="en-US" dirty="0"/>
-              <a:t>:</a:t>
+                <a:latin typeface="Avenir" panose="02000503020000020003" pitchFamily="2" charset="0"/>
+              </a:rPr>
+              <a:t>if &lt;condition&gt;:</a:t>
             </a:r>
           </a:p>
           <a:p>
@@ -12539,16 +11605,15 @@
               <a:buNone/>
             </a:pPr>
             <a:r>
-              <a:rPr lang="en-US" dirty="0"/>
-              <a:t>		         </a:t>
-            </a:r>
-            <a:r>
               <a:rPr lang="en-US" dirty="0">
                 <a:solidFill>
-                  <a:srgbClr val="92D050"/>
+                  <a:schemeClr val="bg2">
+                    <a:lumMod val="50000"/>
+                  </a:schemeClr>
                 </a:solidFill>
-              </a:rPr>
-              <a:t>&lt;statement&gt;</a:t>
+                <a:latin typeface="Avenir" panose="02000503020000020003" pitchFamily="2" charset="0"/>
+              </a:rPr>
+              <a:t>	 &lt;indent&gt; &lt;statement&gt;</a:t>
             </a:r>
           </a:p>
           <a:p>
@@ -12556,16 +11621,15 @@
               <a:buNone/>
             </a:pPr>
             <a:r>
-              <a:rPr lang="en-US" dirty="0"/>
-              <a:t>		         </a:t>
-            </a:r>
-            <a:r>
               <a:rPr lang="en-US" dirty="0">
                 <a:solidFill>
-                  <a:srgbClr val="92D050"/>
+                  <a:schemeClr val="bg2">
+                    <a:lumMod val="50000"/>
+                  </a:schemeClr>
                 </a:solidFill>
-              </a:rPr>
-              <a:t>&lt;statement&gt;</a:t>
+                <a:latin typeface="Avenir" panose="02000503020000020003" pitchFamily="2" charset="0"/>
+              </a:rPr>
+              <a:t>	 &lt;indent&gt; &lt;statement&gt;</a:t>
             </a:r>
           </a:p>
           <a:p>
@@ -12573,16 +11637,15 @@
               <a:buNone/>
             </a:pPr>
             <a:r>
-              <a:rPr lang="en-US" dirty="0"/>
-              <a:t>		         </a:t>
-            </a:r>
-            <a:r>
               <a:rPr lang="en-US" dirty="0">
                 <a:solidFill>
-                  <a:srgbClr val="92D050"/>
+                  <a:schemeClr val="bg2">
+                    <a:lumMod val="50000"/>
+                  </a:schemeClr>
                 </a:solidFill>
-              </a:rPr>
-              <a:t>&lt; . . . statements&gt;</a:t>
+                <a:latin typeface="Avenir" panose="02000503020000020003" pitchFamily="2" charset="0"/>
+              </a:rPr>
+              <a:t>		       &lt; . . . statements&gt;</a:t>
             </a:r>
           </a:p>
           <a:p>
@@ -12590,16 +11653,15 @@
               <a:buNone/>
             </a:pPr>
             <a:r>
-              <a:rPr lang="en-US" dirty="0"/>
-              <a:t>	</a:t>
-            </a:r>
-            <a:r>
               <a:rPr lang="en-US" dirty="0">
                 <a:solidFill>
-                  <a:srgbClr val="92D050"/>
+                  <a:schemeClr val="bg2">
+                    <a:lumMod val="50000"/>
+                  </a:schemeClr>
                 </a:solidFill>
-              </a:rPr>
-              <a:t>&lt;statement after if&gt;</a:t>
+                <a:latin typeface="Avenir" panose="02000503020000020003" pitchFamily="2" charset="0"/>
+              </a:rPr>
+              <a:t>	&lt;statement after if&gt;</a:t>
             </a:r>
           </a:p>
           <a:p>
@@ -12607,7 +11669,9 @@
               <a:buNone/>
             </a:pPr>
             <a:r>
-              <a:rPr lang="en-US" dirty="0"/>
+              <a:rPr lang="en-US" dirty="0">
+                <a:latin typeface="Avenir" panose="02000503020000020003" pitchFamily="2" charset="0"/>
+              </a:rPr>
               <a:t>	</a:t>
             </a:r>
           </a:p>
@@ -12631,45 +11695,63 @@
         </p:nvSpPr>
         <p:spPr>
           <a:xfrm>
-            <a:off x="6319840" y="1825625"/>
+            <a:off x="6513515" y="1278544"/>
             <a:ext cx="5205410" cy="4351338"/>
           </a:xfrm>
         </p:spPr>
         <p:txBody>
           <a:bodyPr>
-            <a:normAutofit lnSpcReduction="10000"/>
+            <a:normAutofit/>
           </a:bodyPr>
           <a:lstStyle/>
           <a:p>
             <a:r>
               <a:rPr lang="en-US" dirty="0">
                 <a:solidFill>
-                  <a:srgbClr val="92D050"/>
+                  <a:srgbClr val="5A5AA8"/>
                 </a:solidFill>
+                <a:latin typeface="Avenir" panose="02000503020000020003" pitchFamily="2" charset="0"/>
               </a:rPr>
               <a:t>&lt;condition&gt; </a:t>
             </a:r>
             <a:r>
-              <a:rPr lang="en-US" dirty="0"/>
-              <a:t>evaluates to </a:t>
+              <a:rPr lang="en-US" dirty="0">
+                <a:latin typeface="Avenir" panose="02000503020000020003" pitchFamily="2" charset="0"/>
+              </a:rPr>
+              <a:t>evaluates </a:t>
+            </a:r>
+            <a:br>
+              <a:rPr lang="en-US" dirty="0">
+                <a:latin typeface="Avenir" panose="02000503020000020003" pitchFamily="2" charset="0"/>
+              </a:rPr>
+            </a:br>
+            <a:r>
+              <a:rPr lang="en-US" dirty="0">
+                <a:latin typeface="Avenir" panose="02000503020000020003" pitchFamily="2" charset="0"/>
+              </a:rPr>
+              <a:t>to </a:t>
             </a:r>
             <a:r>
               <a:rPr lang="en-US" dirty="0">
                 <a:solidFill>
-                  <a:srgbClr val="FFC000"/>
+                  <a:srgbClr val="5A5AA8"/>
                 </a:solidFill>
+                <a:latin typeface="Avenir" panose="02000503020000020003" pitchFamily="2" charset="0"/>
               </a:rPr>
               <a:t>True</a:t>
             </a:r>
             <a:r>
-              <a:rPr lang="en-US" dirty="0"/>
+              <a:rPr lang="en-US" dirty="0">
+                <a:latin typeface="Avenir" panose="02000503020000020003" pitchFamily="2" charset="0"/>
+              </a:rPr>
               <a:t> or </a:t>
             </a:r>
             <a:r>
               <a:rPr lang="en-US" dirty="0">
                 <a:solidFill>
-                  <a:srgbClr val="FFC000"/>
+                  <a:srgbClr val="5A5AA8"/>
                 </a:solidFill>
+                <a:latin typeface="Avenir" panose="02000503020000020003" pitchFamily="2" charset="0"/>
               </a:rPr>
               <a:t>False</a:t>
             </a:r>
@@ -12677,14 +11759,17 @@
           <a:p>
             <a:pPr lvl="1"/>
             <a:r>
-              <a:rPr lang="en-US" dirty="0"/>
+              <a:rPr lang="en-US" dirty="0">
+                <a:latin typeface="Avenir" panose="02000503020000020003" pitchFamily="2" charset="0"/>
+              </a:rPr>
               <a:t>i.e. </a:t>
             </a:r>
             <a:r>
               <a:rPr lang="en-US" dirty="0">
                 <a:solidFill>
-                  <a:srgbClr val="0070C0"/>
+                  <a:srgbClr val="5A5AA8"/>
                 </a:solidFill>
+                <a:latin typeface="Avenir" panose="02000503020000020003" pitchFamily="2" charset="0"/>
               </a:rPr>
               <a:t>Boolean</a:t>
             </a:r>
@@ -12695,6 +11780,7 @@
               <a:solidFill>
                 <a:srgbClr val="FFFF00"/>
               </a:solidFill>
+              <a:latin typeface="Avenir" panose="02000503020000020003" pitchFamily="2" charset="0"/>
             </a:endParaRPr>
           </a:p>
           <a:p>
@@ -12705,14 +11791,16 @@
                     <a:lumMod val="95000"/>
                   </a:schemeClr>
                 </a:solidFill>
+                <a:latin typeface="Avenir" panose="02000503020000020003" pitchFamily="2" charset="0"/>
               </a:rPr>
               <a:t>All </a:t>
             </a:r>
             <a:r>
               <a:rPr lang="en-US" dirty="0">
                 <a:solidFill>
-                  <a:srgbClr val="0070C0"/>
+                  <a:srgbClr val="5A5AA8"/>
                 </a:solidFill>
+                <a:latin typeface="Avenir" panose="02000503020000020003" pitchFamily="2" charset="0"/>
               </a:rPr>
               <a:t>indented</a:t>
             </a:r>
@@ -12723,44 +11811,20 @@
                     <a:lumMod val="95000"/>
                   </a:schemeClr>
                 </a:solidFill>
-              </a:rPr>
-              <a:t> statements are executed *if* </a:t>
-            </a:r>
-            <a:r>
-              <a:rPr lang="en-US" dirty="0">
-                <a:solidFill>
-                  <a:srgbClr val="92D050"/>
-                </a:solidFill>
-              </a:rPr>
-              <a:t>&lt;condition&gt;</a:t>
-            </a:r>
-            <a:r>
+                <a:latin typeface="Avenir" panose="02000503020000020003" pitchFamily="2" charset="0"/>
+              </a:rPr>
+              <a:t> statements </a:t>
+            </a:r>
+            <a:br>
               <a:rPr lang="en-US" dirty="0">
                 <a:solidFill>
                   <a:schemeClr val="tx1">
                     <a:lumMod val="95000"/>
                   </a:schemeClr>
                 </a:solidFill>
-              </a:rPr>
-              <a:t> is </a:t>
-            </a:r>
-            <a:r>
-              <a:rPr lang="en-US" dirty="0">
-                <a:solidFill>
-                  <a:srgbClr val="FFC000"/>
-                </a:solidFill>
-              </a:rPr>
-              <a:t>True</a:t>
-            </a:r>
-          </a:p>
-          <a:p>
-            <a:endParaRPr lang="en-US" dirty="0">
-              <a:solidFill>
-                <a:srgbClr val="FFC000"/>
-              </a:solidFill>
-            </a:endParaRPr>
-          </a:p>
-          <a:p>
+                <a:latin typeface="Avenir" panose="02000503020000020003" pitchFamily="2" charset="0"/>
+              </a:rPr>
+            </a:br>
             <a:r>
               <a:rPr lang="en-US" dirty="0">
                 <a:solidFill>
@@ -12768,26 +11832,128 @@
                     <a:lumMod val="95000"/>
                   </a:schemeClr>
                 </a:solidFill>
-              </a:rPr>
-              <a:t>Otherwise, execution resumes after </a:t>
-            </a:r>
-            <a:r>
-              <a:rPr lang="en-US" dirty="0">
-                <a:solidFill>
-                  <a:srgbClr val="FFFF00"/>
-                </a:solidFill>
-              </a:rPr>
-              <a:t>indention</a:t>
-            </a:r>
-            <a:r>
+                <a:latin typeface="Avenir" panose="02000503020000020003" pitchFamily="2" charset="0"/>
+              </a:rPr>
+              <a:t>are executed *if* </a:t>
+            </a:r>
+            <a:br>
               <a:rPr lang="en-US" dirty="0">
                 <a:solidFill>
                   <a:schemeClr val="tx1">
                     <a:lumMod val="95000"/>
                   </a:schemeClr>
                 </a:solidFill>
-              </a:rPr>
-              <a:t> ends</a:t>
+                <a:latin typeface="Avenir" panose="02000503020000020003" pitchFamily="2" charset="0"/>
+              </a:rPr>
+            </a:br>
+            <a:r>
+              <a:rPr lang="en-US" dirty="0">
+                <a:solidFill>
+                  <a:srgbClr val="5A5AA8"/>
+                </a:solidFill>
+                <a:latin typeface="Avenir" panose="02000503020000020003" pitchFamily="2" charset="0"/>
+              </a:rPr>
+              <a:t>&lt;condition&gt; </a:t>
+            </a:r>
+            <a:r>
+              <a:rPr lang="en-US" dirty="0">
+                <a:solidFill>
+                  <a:schemeClr val="tx1">
+                    <a:lumMod val="95000"/>
+                  </a:schemeClr>
+                </a:solidFill>
+                <a:latin typeface="Avenir" panose="02000503020000020003" pitchFamily="2" charset="0"/>
+              </a:rPr>
+              <a:t>is </a:t>
+            </a:r>
+            <a:r>
+              <a:rPr lang="en-US" dirty="0">
+                <a:solidFill>
+                  <a:srgbClr val="5A5AA8"/>
+                </a:solidFill>
+                <a:latin typeface="Avenir" panose="02000503020000020003" pitchFamily="2" charset="0"/>
+              </a:rPr>
+              <a:t>True</a:t>
+            </a:r>
+          </a:p>
+          <a:p>
+            <a:endParaRPr lang="en-US" dirty="0">
+              <a:solidFill>
+                <a:srgbClr val="FFC000"/>
+              </a:solidFill>
+              <a:latin typeface="Avenir" panose="02000503020000020003" pitchFamily="2" charset="0"/>
+            </a:endParaRPr>
+          </a:p>
+          <a:p>
+            <a:r>
+              <a:rPr lang="en-US" dirty="0">
+                <a:solidFill>
+                  <a:schemeClr val="tx1">
+                    <a:lumMod val="95000"/>
+                  </a:schemeClr>
+                </a:solidFill>
+                <a:latin typeface="Avenir" panose="02000503020000020003" pitchFamily="2" charset="0"/>
+              </a:rPr>
+              <a:t>Otherwise, execution </a:t>
+            </a:r>
+            <a:br>
+              <a:rPr lang="en-US" dirty="0">
+                <a:solidFill>
+                  <a:schemeClr val="tx1">
+                    <a:lumMod val="95000"/>
+                  </a:schemeClr>
+                </a:solidFill>
+                <a:latin typeface="Avenir" panose="02000503020000020003" pitchFamily="2" charset="0"/>
+              </a:rPr>
+            </a:br>
+            <a:r>
+              <a:rPr lang="en-US" dirty="0">
+                <a:solidFill>
+                  <a:schemeClr val="tx1">
+                    <a:lumMod val="95000"/>
+                  </a:schemeClr>
+                </a:solidFill>
+                <a:latin typeface="Avenir" panose="02000503020000020003" pitchFamily="2" charset="0"/>
+              </a:rPr>
+              <a:t>resumes after</a:t>
+            </a:r>
+            <a:r>
+              <a:rPr lang="en-US" dirty="0">
+                <a:solidFill>
+                  <a:srgbClr val="65BB75"/>
+                </a:solidFill>
+                <a:latin typeface="Avenir" panose="02000503020000020003" pitchFamily="2" charset="0"/>
+              </a:rPr>
+              <a:t> </a:t>
+            </a:r>
+            <a:r>
+              <a:rPr lang="en-US" dirty="0">
+                <a:solidFill>
+                  <a:srgbClr val="5A5AA8"/>
+                </a:solidFill>
+                <a:latin typeface="Avenir" panose="02000503020000020003" pitchFamily="2" charset="0"/>
+              </a:rPr>
+              <a:t>indention</a:t>
+            </a:r>
+            <a:r>
+              <a:rPr lang="en-US" dirty="0">
+                <a:solidFill>
+                  <a:srgbClr val="65BB75"/>
+                </a:solidFill>
+                <a:latin typeface="Avenir" panose="02000503020000020003" pitchFamily="2" charset="0"/>
+              </a:rPr>
+              <a:t> </a:t>
+            </a:r>
+            <a:r>
+              <a:rPr lang="en-US" dirty="0">
+                <a:solidFill>
+                  <a:schemeClr val="tx1">
+                    <a:lumMod val="95000"/>
+                  </a:schemeClr>
+                </a:solidFill>
+                <a:latin typeface="Avenir" panose="02000503020000020003" pitchFamily="2" charset="0"/>
+              </a:rPr>
+              <a:t>ends</a:t>
             </a:r>
           </a:p>
           <a:p>
@@ -12797,298 +11963,83 @@
                   <a:lumMod val="95000"/>
                 </a:schemeClr>
               </a:solidFill>
+              <a:latin typeface="Avenir" panose="02000503020000020003" pitchFamily="2" charset="0"/>
             </a:endParaRPr>
           </a:p>
         </p:txBody>
       </p:sp>
-      <p:sp>
-        <p:nvSpPr>
-          <p:cNvPr id="7" name="TextBox 6">
+      <p:pic>
+        <p:nvPicPr>
+          <p:cNvPr id="2" name="Picture 1" descr="A picture containing dark, gauge&#10;&#10;Description automatically generated">
             <a:extLst>
               <a:ext uri="{FF2B5EF4-FFF2-40B4-BE49-F238E27FC236}">
-                <a16:creationId xmlns:a16="http://schemas.microsoft.com/office/drawing/2014/main" id="{A5CF19AD-058F-4C7D-9ED6-558795B77763}"/>
+                <a16:creationId xmlns:a16="http://schemas.microsoft.com/office/drawing/2014/main" id="{6181C768-DA5E-6317-F8E6-48B88CA2A408}"/>
               </a:ext>
             </a:extLst>
           </p:cNvPr>
-          <p:cNvSpPr txBox="1"/>
+          <p:cNvPicPr>
+            <a:picLocks noChangeAspect="1"/>
+          </p:cNvPicPr>
           <p:nvPr/>
-        </p:nvSpPr>
+        </p:nvPicPr>
+        <p:blipFill>
+          <a:blip r:embed="rId3">
+            <a:extLst>
+              <a:ext uri="{28A0092B-C50C-407E-A947-70E740481C1C}">
+                <a14:useLocalDpi xmlns:a14="http://schemas.microsoft.com/office/drawing/2010/main" val="0"/>
+              </a:ext>
+            </a:extLst>
+          </a:blip>
+          <a:stretch>
+            <a:fillRect/>
+          </a:stretch>
+        </p:blipFill>
         <p:spPr>
           <a:xfrm>
-            <a:off x="1710550" y="3049585"/>
-            <a:ext cx="1889900" cy="1384995"/>
+            <a:off x="11378037" y="6031948"/>
+            <a:ext cx="800100" cy="812800"/>
           </a:xfrm>
           <a:prstGeom prst="rect">
             <a:avLst/>
           </a:prstGeom>
-          <a:noFill/>
         </p:spPr>
-        <p:txBody>
-          <a:bodyPr wrap="square" rtlCol="0">
-            <a:spAutoFit/>
-          </a:bodyPr>
-          <a:lstStyle/>
-          <a:p>
-            <a:r>
-              <a:rPr lang="en-US" sz="2800" dirty="0">
-                <a:solidFill>
-                  <a:srgbClr val="0070C0"/>
-                </a:solidFill>
-              </a:rPr>
-              <a:t>&lt;indent&gt;</a:t>
-            </a:r>
-          </a:p>
-          <a:p>
-            <a:r>
-              <a:rPr lang="en-US" sz="2800" dirty="0">
-                <a:solidFill>
-                  <a:srgbClr val="0070C0"/>
-                </a:solidFill>
-              </a:rPr>
-              <a:t>&lt;indent&gt;</a:t>
-            </a:r>
-          </a:p>
-          <a:p>
-            <a:r>
-              <a:rPr lang="en-US" sz="2800" dirty="0">
-                <a:solidFill>
-                  <a:srgbClr val="0070C0"/>
-                </a:solidFill>
-              </a:rPr>
-              <a:t>&lt;indent&gt;</a:t>
-            </a:r>
-          </a:p>
-        </p:txBody>
-      </p:sp>
-      <p:sp>
-        <p:nvSpPr>
-          <p:cNvPr id="9" name="TextBox 8">
+      </p:pic>
+      <p:pic>
+        <p:nvPicPr>
+          <p:cNvPr id="4" name="Picture 3" descr="Text&#10;&#10;Description automatically generated with low confidence">
             <a:extLst>
               <a:ext uri="{FF2B5EF4-FFF2-40B4-BE49-F238E27FC236}">
-                <a16:creationId xmlns:a16="http://schemas.microsoft.com/office/drawing/2014/main" id="{59487687-5DF8-42C2-B53E-94365FCC9075}"/>
+                <a16:creationId xmlns:a16="http://schemas.microsoft.com/office/drawing/2014/main" id="{64A7320B-83D8-077A-8AFF-3A11BBA8B9A9}"/>
               </a:ext>
             </a:extLst>
           </p:cNvPr>
-          <p:cNvSpPr txBox="1"/>
+          <p:cNvPicPr>
+            <a:picLocks noChangeAspect="1"/>
+          </p:cNvPicPr>
           <p:nvPr/>
-        </p:nvSpPr>
+        </p:nvPicPr>
+        <p:blipFill>
+          <a:blip r:embed="rId4">
+            <a:extLst>
+              <a:ext uri="{28A0092B-C50C-407E-A947-70E740481C1C}">
+                <a14:useLocalDpi xmlns:a14="http://schemas.microsoft.com/office/drawing/2010/main" val="0"/>
+              </a:ext>
+            </a:extLst>
+          </a:blip>
+          <a:stretch>
+            <a:fillRect/>
+          </a:stretch>
+        </p:blipFill>
         <p:spPr>
           <a:xfrm>
-            <a:off x="3376612" y="5015545"/>
-            <a:ext cx="5438775" cy="1477328"/>
+            <a:off x="650480" y="4825448"/>
+            <a:ext cx="5803900" cy="1612900"/>
           </a:xfrm>
           <a:prstGeom prst="rect">
             <a:avLst/>
           </a:prstGeom>
-          <a:solidFill>
-            <a:schemeClr val="bg1">
-              <a:lumMod val="95000"/>
-              <a:lumOff val="5000"/>
-            </a:schemeClr>
-          </a:solidFill>
-          <a:ln>
-            <a:solidFill>
-              <a:srgbClr val="FF0000"/>
-            </a:solidFill>
-          </a:ln>
         </p:spPr>
-        <p:txBody>
-          <a:bodyPr wrap="square" rtlCol="0">
-            <a:spAutoFit/>
-          </a:bodyPr>
-          <a:lstStyle/>
-          <a:p>
-            <a:r>
-              <a:rPr lang="en-US" dirty="0">
-                <a:latin typeface="Consolas" panose="020B0609020204030204" pitchFamily="49" charset="0"/>
-              </a:rPr>
-              <a:t>n = </a:t>
-            </a:r>
-            <a:r>
-              <a:rPr lang="en-US" dirty="0">
-                <a:solidFill>
-                  <a:srgbClr val="FFC000"/>
-                </a:solidFill>
-                <a:latin typeface="Consolas" panose="020B0609020204030204" pitchFamily="49" charset="0"/>
-              </a:rPr>
-              <a:t>input</a:t>
-            </a:r>
-            <a:r>
-              <a:rPr lang="en-US" dirty="0">
-                <a:latin typeface="Consolas" panose="020B0609020204030204" pitchFamily="49" charset="0"/>
-              </a:rPr>
-              <a:t>(</a:t>
-            </a:r>
-            <a:r>
-              <a:rPr lang="en-US" dirty="0">
-                <a:solidFill>
-                  <a:srgbClr val="92D050"/>
-                </a:solidFill>
-                <a:latin typeface="Consolas" panose="020B0609020204030204" pitchFamily="49" charset="0"/>
-              </a:rPr>
-              <a:t>'Enter</a:t>
-            </a:r>
-            <a:r>
-              <a:rPr lang="en-US" dirty="0">
-                <a:latin typeface="Consolas" panose="020B0609020204030204" pitchFamily="49" charset="0"/>
-              </a:rPr>
-              <a:t> </a:t>
-            </a:r>
-            <a:r>
-              <a:rPr lang="en-US" dirty="0">
-                <a:solidFill>
-                  <a:srgbClr val="92D050"/>
-                </a:solidFill>
-                <a:latin typeface="Consolas" panose="020B0609020204030204" pitchFamily="49" charset="0"/>
-              </a:rPr>
-              <a:t>a number: '</a:t>
-            </a:r>
-            <a:r>
-              <a:rPr lang="en-US" dirty="0">
-                <a:latin typeface="Consolas" panose="020B0609020204030204" pitchFamily="49" charset="0"/>
-              </a:rPr>
-              <a:t>)</a:t>
-            </a:r>
-          </a:p>
-          <a:p>
-            <a:endParaRPr lang="en-US" dirty="0">
-              <a:latin typeface="Consolas" panose="020B0609020204030204" pitchFamily="49" charset="0"/>
-            </a:endParaRPr>
-          </a:p>
-          <a:p>
-            <a:r>
-              <a:rPr lang="en-US" dirty="0">
-                <a:solidFill>
-                  <a:srgbClr val="FF00FF"/>
-                </a:solidFill>
-                <a:latin typeface="Consolas" panose="020B0609020204030204" pitchFamily="49" charset="0"/>
-              </a:rPr>
-              <a:t>if</a:t>
-            </a:r>
-            <a:r>
-              <a:rPr lang="en-US" dirty="0">
-                <a:latin typeface="Consolas" panose="020B0609020204030204" pitchFamily="49" charset="0"/>
-              </a:rPr>
-              <a:t> </a:t>
-            </a:r>
-            <a:r>
-              <a:rPr lang="en-US" dirty="0">
-                <a:solidFill>
-                  <a:srgbClr val="FFC000"/>
-                </a:solidFill>
-                <a:latin typeface="Consolas" panose="020B0609020204030204" pitchFamily="49" charset="0"/>
-              </a:rPr>
-              <a:t>int</a:t>
-            </a:r>
-            <a:r>
-              <a:rPr lang="en-US" dirty="0">
-                <a:latin typeface="Consolas" panose="020B0609020204030204" pitchFamily="49" charset="0"/>
-              </a:rPr>
-              <a:t>(n) &gt; </a:t>
-            </a:r>
-            <a:r>
-              <a:rPr lang="en-US" dirty="0">
-                <a:solidFill>
-                  <a:srgbClr val="0070C0"/>
-                </a:solidFill>
-                <a:latin typeface="Consolas" panose="020B0609020204030204" pitchFamily="49" charset="0"/>
-              </a:rPr>
-              <a:t>1000</a:t>
-            </a:r>
-            <a:r>
-              <a:rPr lang="en-US" dirty="0">
-                <a:latin typeface="Consolas" panose="020B0609020204030204" pitchFamily="49" charset="0"/>
-              </a:rPr>
-              <a:t>:</a:t>
-            </a:r>
-          </a:p>
-          <a:p>
-            <a:r>
-              <a:rPr lang="en-US" dirty="0">
-                <a:latin typeface="Consolas" panose="020B0609020204030204" pitchFamily="49" charset="0"/>
-              </a:rPr>
-              <a:t>    </a:t>
-            </a:r>
-            <a:r>
-              <a:rPr lang="en-US" dirty="0">
-                <a:solidFill>
-                  <a:srgbClr val="FFC000"/>
-                </a:solidFill>
-                <a:latin typeface="Consolas" panose="020B0609020204030204" pitchFamily="49" charset="0"/>
-              </a:rPr>
-              <a:t>print</a:t>
-            </a:r>
-            <a:r>
-              <a:rPr lang="en-US" dirty="0">
-                <a:latin typeface="Consolas" panose="020B0609020204030204" pitchFamily="49" charset="0"/>
-              </a:rPr>
-              <a:t>(</a:t>
-            </a:r>
-            <a:r>
-              <a:rPr lang="en-US" dirty="0">
-                <a:solidFill>
-                  <a:srgbClr val="92D050"/>
-                </a:solidFill>
-                <a:latin typeface="Consolas" panose="020B0609020204030204" pitchFamily="49" charset="0"/>
-              </a:rPr>
-              <a:t>'Wow, {} is </a:t>
-            </a:r>
-            <a:r>
-              <a:rPr lang="en-US" dirty="0" err="1">
-                <a:solidFill>
-                  <a:srgbClr val="92D050"/>
-                </a:solidFill>
-                <a:latin typeface="Consolas" panose="020B0609020204030204" pitchFamily="49" charset="0"/>
-              </a:rPr>
-              <a:t>large!'</a:t>
-            </a:r>
-            <a:r>
-              <a:rPr lang="en-US" dirty="0" err="1">
-                <a:latin typeface="Consolas" panose="020B0609020204030204" pitchFamily="49" charset="0"/>
-              </a:rPr>
-              <a:t>.format</a:t>
-            </a:r>
-            <a:r>
-              <a:rPr lang="en-US" dirty="0">
-                <a:latin typeface="Consolas" panose="020B0609020204030204" pitchFamily="49" charset="0"/>
-              </a:rPr>
-              <a:t>(n))</a:t>
-            </a:r>
-          </a:p>
-          <a:p>
-            <a:r>
-              <a:rPr lang="en-US" dirty="0">
-                <a:solidFill>
-                  <a:srgbClr val="FFC000"/>
-                </a:solidFill>
-                <a:latin typeface="Consolas" panose="020B0609020204030204" pitchFamily="49" charset="0"/>
-              </a:rPr>
-              <a:t>print</a:t>
-            </a:r>
-            <a:r>
-              <a:rPr lang="en-US" dirty="0">
-                <a:latin typeface="Consolas" panose="020B0609020204030204" pitchFamily="49" charset="0"/>
-              </a:rPr>
-              <a:t>(</a:t>
-            </a:r>
-            <a:r>
-              <a:rPr lang="en-US" dirty="0">
-                <a:solidFill>
-                  <a:srgbClr val="92D050"/>
-                </a:solidFill>
-                <a:latin typeface="Consolas" panose="020B0609020204030204" pitchFamily="49" charset="0"/>
-              </a:rPr>
-              <a:t>'Done!'</a:t>
-            </a:r>
-            <a:r>
-              <a:rPr lang="en-US" dirty="0">
-                <a:latin typeface="Consolas" panose="020B0609020204030204" pitchFamily="49" charset="0"/>
-              </a:rPr>
-              <a:t>)</a:t>
-            </a:r>
-          </a:p>
-        </p:txBody>
-      </p:sp>
+      </p:pic>
     </p:spTree>
     <p:extLst>
       <p:ext uri="{BB962C8B-B14F-4D97-AF65-F5344CB8AC3E}">
@@ -13456,7 +12407,7 @@
                             </p:stCondLst>
                             <p:childTnLst>
                               <p:par>
-                                <p:cTn id="28" presetID="2" presetClass="entr" presetSubtype="8" fill="hold" grpId="0" nodeType="clickEffect">
+                                <p:cTn id="28" presetID="2" presetClass="entr" presetSubtype="4" fill="hold" nodeType="clickEffect">
                                   <p:stCondLst>
                                     <p:cond delay="0"/>
                                   </p:stCondLst>
@@ -13469,7 +12420,11 @@
                                           </p:stCondLst>
                                         </p:cTn>
                                         <p:tgtEl>
-                                          <p:spTgt spid="7"/>
+                                          <p:spTgt spid="8">
+                                            <p:txEl>
+                                              <p:pRg st="0" end="0"/>
+                                            </p:txEl>
+                                          </p:spTgt>
                                         </p:tgtEl>
                                         <p:attrNameLst>
                                           <p:attrName>style.visibility</p:attrName>
@@ -13483,7 +12438,11 @@
                                       <p:cBhvr additive="base">
                                         <p:cTn id="30" dur="500" fill="hold"/>
                                         <p:tgtEl>
-                                          <p:spTgt spid="7"/>
+                                          <p:spTgt spid="8">
+                                            <p:txEl>
+                                              <p:pRg st="0" end="0"/>
+                                            </p:txEl>
+                                          </p:spTgt>
                                         </p:tgtEl>
                                         <p:attrNameLst>
                                           <p:attrName>ppt_x</p:attrName>
@@ -13492,7 +12451,7 @@
                                       <p:tavLst>
                                         <p:tav tm="0">
                                           <p:val>
-                                            <p:strVal val="0-#ppt_w/2"/>
+                                            <p:strVal val="#ppt_x"/>
                                           </p:val>
                                         </p:tav>
                                         <p:tav tm="100000">
@@ -13506,7 +12465,11 @@
                                       <p:cBhvr additive="base">
                                         <p:cTn id="31" dur="500" fill="hold"/>
                                         <p:tgtEl>
-                                          <p:spTgt spid="7"/>
+                                          <p:spTgt spid="8">
+                                            <p:txEl>
+                                              <p:pRg st="0" end="0"/>
+                                            </p:txEl>
+                                          </p:spTgt>
                                         </p:tgtEl>
                                         <p:attrNameLst>
                                           <p:attrName>ppt_y</p:attrName>
@@ -13515,7 +12478,7 @@
                                       <p:tavLst>
                                         <p:tav tm="0">
                                           <p:val>
-                                            <p:strVal val="#ppt_y"/>
+                                            <p:strVal val="1+#ppt_h/2"/>
                                           </p:val>
                                         </p:tav>
                                         <p:tav tm="100000">
@@ -13547,7 +12510,7 @@
                             </p:stCondLst>
                             <p:childTnLst>
                               <p:par>
-                                <p:cTn id="34" presetID="2" presetClass="entr" presetSubtype="4" fill="hold" nodeType="clickEffect">
+                                <p:cTn id="34" presetID="10" presetClass="entr" presetSubtype="0" fill="hold" nodeType="clickEffect">
                                   <p:stCondLst>
                                     <p:cond delay="0"/>
                                   </p:stCondLst>
@@ -13562,7 +12525,7 @@
                                         <p:tgtEl>
                                           <p:spTgt spid="8">
                                             <p:txEl>
-                                              <p:pRg st="0" end="0"/>
+                                              <p:pRg st="1" end="1"/>
                                             </p:txEl>
                                           </p:spTgt>
                                         </p:tgtEl>
@@ -13574,60 +12537,18 @@
                                         <p:strVal val="visible"/>
                                       </p:to>
                                     </p:set>
-                                    <p:anim calcmode="lin" valueType="num">
-                                      <p:cBhvr additive="base">
-                                        <p:cTn id="36" dur="500" fill="hold"/>
+                                    <p:animEffect transition="in" filter="fade">
+                                      <p:cBhvr>
+                                        <p:cTn id="36" dur="500"/>
                                         <p:tgtEl>
                                           <p:spTgt spid="8">
                                             <p:txEl>
-                                              <p:pRg st="0" end="0"/>
+                                              <p:pRg st="1" end="1"/>
                                             </p:txEl>
                                           </p:spTgt>
                                         </p:tgtEl>
-                                        <p:attrNameLst>
-                                          <p:attrName>ppt_x</p:attrName>
-                                        </p:attrNameLst>
-                                      </p:cBhvr>
-                                      <p:tavLst>
-                                        <p:tav tm="0">
-                                          <p:val>
-                                            <p:strVal val="#ppt_x"/>
-                                          </p:val>
-                                        </p:tav>
-                                        <p:tav tm="100000">
-                                          <p:val>
-                                            <p:strVal val="#ppt_x"/>
-                                          </p:val>
-                                        </p:tav>
-                                      </p:tavLst>
-                                    </p:anim>
-                                    <p:anim calcmode="lin" valueType="num">
-                                      <p:cBhvr additive="base">
-                                        <p:cTn id="37" dur="500" fill="hold"/>
-                                        <p:tgtEl>
-                                          <p:spTgt spid="8">
-                                            <p:txEl>
-                                              <p:pRg st="0" end="0"/>
-                                            </p:txEl>
-                                          </p:spTgt>
-                                        </p:tgtEl>
-                                        <p:attrNameLst>
-                                          <p:attrName>ppt_y</p:attrName>
-                                        </p:attrNameLst>
-                                      </p:cBhvr>
-                                      <p:tavLst>
-                                        <p:tav tm="0">
-                                          <p:val>
-                                            <p:strVal val="1+#ppt_h/2"/>
-                                          </p:val>
-                                        </p:tav>
-                                        <p:tav tm="100000">
-                                          <p:val>
-                                            <p:strVal val="#ppt_y"/>
-                                          </p:val>
-                                        </p:tav>
-                                      </p:tavLst>
-                                    </p:anim>
+                                      </p:cBhvr>
+                                    </p:animEffect>
                                   </p:childTnLst>
                                 </p:cTn>
                               </p:par>
@@ -13638,26 +12559,26 @@
                     </p:cTn>
                   </p:par>
                   <p:par>
-                    <p:cTn id="38" fill="hold">
+                    <p:cTn id="37" fill="hold">
                       <p:stCondLst>
                         <p:cond delay="indefinite"/>
                       </p:stCondLst>
                       <p:childTnLst>
                         <p:par>
-                          <p:cTn id="39" fill="hold">
+                          <p:cTn id="38" fill="hold">
                             <p:stCondLst>
                               <p:cond delay="0"/>
                             </p:stCondLst>
                             <p:childTnLst>
                               <p:par>
-                                <p:cTn id="40" presetID="10" presetClass="entr" presetSubtype="0" fill="hold" nodeType="clickEffect">
+                                <p:cTn id="39" presetID="2" presetClass="entr" presetSubtype="4" fill="hold" nodeType="clickEffect">
                                   <p:stCondLst>
                                     <p:cond delay="0"/>
                                   </p:stCondLst>
                                   <p:childTnLst>
                                     <p:set>
                                       <p:cBhvr>
-                                        <p:cTn id="41" dur="1" fill="hold">
+                                        <p:cTn id="40" dur="1" fill="hold">
                                           <p:stCondLst>
                                             <p:cond delay="0"/>
                                           </p:stCondLst>
@@ -13665,7 +12586,7 @@
                                         <p:tgtEl>
                                           <p:spTgt spid="8">
                                             <p:txEl>
-                                              <p:pRg st="1" end="1"/>
+                                              <p:pRg st="3" end="3"/>
                                             </p:txEl>
                                           </p:spTgt>
                                         </p:tgtEl>
@@ -13677,18 +12598,60 @@
                                         <p:strVal val="visible"/>
                                       </p:to>
                                     </p:set>
-                                    <p:animEffect transition="in" filter="fade">
-                                      <p:cBhvr>
-                                        <p:cTn id="42" dur="500"/>
+                                    <p:anim calcmode="lin" valueType="num">
+                                      <p:cBhvr additive="base">
+                                        <p:cTn id="41" dur="500" fill="hold"/>
                                         <p:tgtEl>
                                           <p:spTgt spid="8">
                                             <p:txEl>
-                                              <p:pRg st="1" end="1"/>
+                                              <p:pRg st="3" end="3"/>
                                             </p:txEl>
                                           </p:spTgt>
                                         </p:tgtEl>
-                                      </p:cBhvr>
-                                    </p:animEffect>
+                                        <p:attrNameLst>
+                                          <p:attrName>ppt_x</p:attrName>
+                                        </p:attrNameLst>
+                                      </p:cBhvr>
+                                      <p:tavLst>
+                                        <p:tav tm="0">
+                                          <p:val>
+                                            <p:strVal val="#ppt_x"/>
+                                          </p:val>
+                                        </p:tav>
+                                        <p:tav tm="100000">
+                                          <p:val>
+                                            <p:strVal val="#ppt_x"/>
+                                          </p:val>
+                                        </p:tav>
+                                      </p:tavLst>
+                                    </p:anim>
+                                    <p:anim calcmode="lin" valueType="num">
+                                      <p:cBhvr additive="base">
+                                        <p:cTn id="42" dur="500" fill="hold"/>
+                                        <p:tgtEl>
+                                          <p:spTgt spid="8">
+                                            <p:txEl>
+                                              <p:pRg st="3" end="3"/>
+                                            </p:txEl>
+                                          </p:spTgt>
+                                        </p:tgtEl>
+                                        <p:attrNameLst>
+                                          <p:attrName>ppt_y</p:attrName>
+                                        </p:attrNameLst>
+                                      </p:cBhvr>
+                                      <p:tavLst>
+                                        <p:tav tm="0">
+                                          <p:val>
+                                            <p:strVal val="1+#ppt_h/2"/>
+                                          </p:val>
+                                        </p:tav>
+                                        <p:tav tm="100000">
+                                          <p:val>
+                                            <p:strVal val="#ppt_y"/>
+                                          </p:val>
+                                        </p:tav>
+                                      </p:tavLst>
+                                    </p:anim>
                                   </p:childTnLst>
                                 </p:cTn>
                               </p:par>
@@ -13726,7 +12689,7 @@
                                         <p:tgtEl>
                                           <p:spTgt spid="8">
                                             <p:txEl>
-                                              <p:pRg st="3" end="3"/>
+                                              <p:pRg st="5" end="5"/>
                                             </p:txEl>
                                           </p:spTgt>
                                         </p:tgtEl>
@@ -13744,7 +12707,7 @@
                                         <p:tgtEl>
                                           <p:spTgt spid="8">
                                             <p:txEl>
-                                              <p:pRg st="3" end="3"/>
+                                              <p:pRg st="5" end="5"/>
                                             </p:txEl>
                                           </p:spTgt>
                                         </p:tgtEl>
@@ -13771,7 +12734,7 @@
                                         <p:tgtEl>
                                           <p:spTgt spid="8">
                                             <p:txEl>
-                                              <p:pRg st="3" end="3"/>
+                                              <p:pRg st="5" end="5"/>
                                             </p:txEl>
                                           </p:spTgt>
                                         </p:tgtEl>
@@ -13792,162 +12755,6 @@
                                         </p:tav>
                                       </p:tavLst>
                                     </p:anim>
-                                  </p:childTnLst>
-                                </p:cTn>
-                              </p:par>
-                            </p:childTnLst>
-                          </p:cTn>
-                        </p:par>
-                      </p:childTnLst>
-                    </p:cTn>
-                  </p:par>
-                  <p:par>
-                    <p:cTn id="49" fill="hold">
-                      <p:stCondLst>
-                        <p:cond delay="indefinite"/>
-                      </p:stCondLst>
-                      <p:childTnLst>
-                        <p:par>
-                          <p:cTn id="50" fill="hold">
-                            <p:stCondLst>
-                              <p:cond delay="0"/>
-                            </p:stCondLst>
-                            <p:childTnLst>
-                              <p:par>
-                                <p:cTn id="51" presetID="2" presetClass="entr" presetSubtype="4" fill="hold" nodeType="clickEffect">
-                                  <p:stCondLst>
-                                    <p:cond delay="0"/>
-                                  </p:stCondLst>
-                                  <p:childTnLst>
-                                    <p:set>
-                                      <p:cBhvr>
-                                        <p:cTn id="52" dur="1" fill="hold">
-                                          <p:stCondLst>
-                                            <p:cond delay="0"/>
-                                          </p:stCondLst>
-                                        </p:cTn>
-                                        <p:tgtEl>
-                                          <p:spTgt spid="8">
-                                            <p:txEl>
-                                              <p:pRg st="5" end="5"/>
-                                            </p:txEl>
-                                          </p:spTgt>
-                                        </p:tgtEl>
-                                        <p:attrNameLst>
-                                          <p:attrName>style.visibility</p:attrName>
-                                        </p:attrNameLst>
-                                      </p:cBhvr>
-                                      <p:to>
-                                        <p:strVal val="visible"/>
-                                      </p:to>
-                                    </p:set>
-                                    <p:anim calcmode="lin" valueType="num">
-                                      <p:cBhvr additive="base">
-                                        <p:cTn id="53" dur="500" fill="hold"/>
-                                        <p:tgtEl>
-                                          <p:spTgt spid="8">
-                                            <p:txEl>
-                                              <p:pRg st="5" end="5"/>
-                                            </p:txEl>
-                                          </p:spTgt>
-                                        </p:tgtEl>
-                                        <p:attrNameLst>
-                                          <p:attrName>ppt_x</p:attrName>
-                                        </p:attrNameLst>
-                                      </p:cBhvr>
-                                      <p:tavLst>
-                                        <p:tav tm="0">
-                                          <p:val>
-                                            <p:strVal val="#ppt_x"/>
-                                          </p:val>
-                                        </p:tav>
-                                        <p:tav tm="100000">
-                                          <p:val>
-                                            <p:strVal val="#ppt_x"/>
-                                          </p:val>
-                                        </p:tav>
-                                      </p:tavLst>
-                                    </p:anim>
-                                    <p:anim calcmode="lin" valueType="num">
-                                      <p:cBhvr additive="base">
-                                        <p:cTn id="54" dur="500" fill="hold"/>
-                                        <p:tgtEl>
-                                          <p:spTgt spid="8">
-                                            <p:txEl>
-                                              <p:pRg st="5" end="5"/>
-                                            </p:txEl>
-                                          </p:spTgt>
-                                        </p:tgtEl>
-                                        <p:attrNameLst>
-                                          <p:attrName>ppt_y</p:attrName>
-                                        </p:attrNameLst>
-                                      </p:cBhvr>
-                                      <p:tavLst>
-                                        <p:tav tm="0">
-                                          <p:val>
-                                            <p:strVal val="1+#ppt_h/2"/>
-                                          </p:val>
-                                        </p:tav>
-                                        <p:tav tm="100000">
-                                          <p:val>
-                                            <p:strVal val="#ppt_y"/>
-                                          </p:val>
-                                        </p:tav>
-                                      </p:tavLst>
-                                    </p:anim>
-                                  </p:childTnLst>
-                                </p:cTn>
-                              </p:par>
-                            </p:childTnLst>
-                          </p:cTn>
-                        </p:par>
-                      </p:childTnLst>
-                    </p:cTn>
-                  </p:par>
-                  <p:par>
-                    <p:cTn id="55" fill="hold">
-                      <p:stCondLst>
-                        <p:cond delay="indefinite"/>
-                      </p:stCondLst>
-                      <p:childTnLst>
-                        <p:par>
-                          <p:cTn id="56" fill="hold">
-                            <p:stCondLst>
-                              <p:cond delay="0"/>
-                            </p:stCondLst>
-                            <p:childTnLst>
-                              <p:par>
-                                <p:cTn id="57" presetID="10" presetClass="entr" presetSubtype="0" fill="hold" grpId="0" nodeType="clickEffect">
-                                  <p:stCondLst>
-                                    <p:cond delay="0"/>
-                                  </p:stCondLst>
-                                  <p:childTnLst>
-                                    <p:set>
-                                      <p:cBhvr>
-                                        <p:cTn id="58" dur="1" fill="hold">
-                                          <p:stCondLst>
-                                            <p:cond delay="0"/>
-                                          </p:stCondLst>
-                                        </p:cTn>
-                                        <p:tgtEl>
-                                          <p:spTgt spid="9"/>
-                                        </p:tgtEl>
-                                        <p:attrNameLst>
-                                          <p:attrName>style.visibility</p:attrName>
-                                        </p:attrNameLst>
-                                      </p:cBhvr>
-                                      <p:to>
-                                        <p:strVal val="visible"/>
-                                      </p:to>
-                                    </p:set>
-                                    <p:animEffect transition="in" filter="fade">
-                                      <p:cBhvr>
-                                        <p:cTn id="59" dur="500"/>
-                                        <p:tgtEl>
-                                          <p:spTgt spid="9"/>
-                                        </p:tgtEl>
-                                      </p:cBhvr>
-                                    </p:animEffect>
                                   </p:childTnLst>
                                 </p:cTn>
                               </p:par>
@@ -13978,10 +12785,6 @@
         </p:cTn>
       </p:par>
     </p:tnLst>
-    <p:bldLst>
-      <p:bldP spid="7" grpId="0"/>
-      <p:bldP spid="9" grpId="0" animBg="1"/>
-    </p:bldLst>
   </p:timing>
 </p:sld>
 </file>
@@ -14025,19 +12828,24 @@
           <a:lstStyle/>
           <a:p>
             <a:r>
-              <a:rPr lang="en-US" dirty="0"/>
+              <a:rPr lang="en-US" b="1" dirty="0">
+                <a:latin typeface="Avenir Black" panose="02000503020000020003" pitchFamily="2" charset="0"/>
+              </a:rPr>
               <a:t>Python </a:t>
             </a:r>
             <a:r>
-              <a:rPr lang="en-US" dirty="0">
+              <a:rPr lang="en-US" b="1" dirty="0">
                 <a:solidFill>
-                  <a:srgbClr val="FF00FF"/>
+                  <a:srgbClr val="5A5AA8"/>
                 </a:solidFill>
+                <a:latin typeface="Avenir Black" panose="02000503020000020003" pitchFamily="2" charset="0"/>
               </a:rPr>
               <a:t>if else </a:t>
             </a:r>
             <a:r>
-              <a:rPr lang="en-US" dirty="0"/>
+              <a:rPr lang="en-US" b="1" dirty="0">
+                <a:latin typeface="Avenir Black" panose="02000503020000020003" pitchFamily="2" charset="0"/>
+              </a:rPr>
               <a:t>statement</a:t>
             </a:r>
           </a:p>
@@ -14061,56 +12869,52 @@
         </p:nvSpPr>
         <p:spPr/>
         <p:txBody>
-          <a:bodyPr/>
+          <a:bodyPr>
+            <a:normAutofit/>
+          </a:bodyPr>
           <a:lstStyle/>
           <a:p>
             <a:r>
               <a:rPr lang="en-US" dirty="0">
                 <a:solidFill>
-                  <a:srgbClr val="FF00FF"/>
+                  <a:srgbClr val="5A5AA8"/>
                 </a:solidFill>
+                <a:latin typeface="Avenir" panose="02000503020000020003" pitchFamily="2" charset="0"/>
               </a:rPr>
               <a:t>If else </a:t>
             </a:r>
             <a:r>
-              <a:rPr lang="en-US" dirty="0"/>
+              <a:rPr lang="en-US" dirty="0">
+                <a:latin typeface="Avenir" panose="02000503020000020003" pitchFamily="2" charset="0"/>
+              </a:rPr>
               <a:t>statement syntax</a:t>
             </a:r>
           </a:p>
           <a:p>
-            <a:endParaRPr lang="en-US" dirty="0"/>
+            <a:endParaRPr lang="en-US" dirty="0">
+              <a:latin typeface="Avenir" panose="02000503020000020003" pitchFamily="2" charset="0"/>
+            </a:endParaRPr>
           </a:p>
           <a:p>
             <a:pPr marL="0" indent="0">
               <a:buNone/>
             </a:pPr>
             <a:r>
-              <a:rPr lang="en-US" dirty="0"/>
+              <a:rPr lang="en-US" dirty="0">
+                <a:latin typeface="Avenir" panose="02000503020000020003" pitchFamily="2" charset="0"/>
+              </a:rPr>
               <a:t>	</a:t>
             </a:r>
             <a:r>
               <a:rPr lang="en-US" dirty="0">
                 <a:solidFill>
-                  <a:srgbClr val="FF00FF"/>
+                  <a:schemeClr val="bg2">
+                    <a:lumMod val="50000"/>
+                  </a:schemeClr>
                 </a:solidFill>
-              </a:rPr>
-              <a:t>if</a:t>
-            </a:r>
-            <a:r>
-              <a:rPr lang="en-US" dirty="0"/>
-              <a:t> </a:t>
-            </a:r>
-            <a:r>
-              <a:rPr lang="en-US" dirty="0">
-                <a:solidFill>
-                  <a:srgbClr val="92D050"/>
-                </a:solidFill>
-              </a:rPr>
-              <a:t>&lt;condition&gt;</a:t>
-            </a:r>
-            <a:r>
-              <a:rPr lang="en-US" dirty="0"/>
-              <a:t>:</a:t>
+                <a:latin typeface="Avenir" panose="02000503020000020003" pitchFamily="2" charset="0"/>
+              </a:rPr>
+              <a:t>if &lt;condition&gt;:</a:t>
             </a:r>
           </a:p>
           <a:p>
@@ -14118,16 +12922,15 @@
               <a:buNone/>
             </a:pPr>
             <a:r>
-              <a:rPr lang="en-US" dirty="0"/>
-              <a:t>		</a:t>
-            </a:r>
-            <a:r>
               <a:rPr lang="en-US" dirty="0">
                 <a:solidFill>
-                  <a:srgbClr val="92D050"/>
+                  <a:schemeClr val="bg2">
+                    <a:lumMod val="50000"/>
+                  </a:schemeClr>
                 </a:solidFill>
-              </a:rPr>
-              <a:t>&lt; statements&gt;</a:t>
+                <a:latin typeface="Avenir" panose="02000503020000020003" pitchFamily="2" charset="0"/>
+              </a:rPr>
+              <a:t>		&lt; statements&gt;</a:t>
             </a:r>
           </a:p>
           <a:p>
@@ -14137,28 +12940,13 @@
             <a:r>
               <a:rPr lang="en-US" dirty="0">
                 <a:solidFill>
-                  <a:srgbClr val="92D050"/>
-                </a:solidFill>
-              </a:rPr>
-              <a:t>	</a:t>
-            </a:r>
-            <a:r>
-              <a:rPr lang="en-US" dirty="0">
-                <a:solidFill>
-                  <a:srgbClr val="FF00FF"/>
-                </a:solidFill>
-              </a:rPr>
-              <a:t>else</a:t>
-            </a:r>
-            <a:r>
-              <a:rPr lang="en-US" dirty="0">
-                <a:solidFill>
-                  <a:schemeClr val="tx1">
-                    <a:lumMod val="95000"/>
+                  <a:schemeClr val="bg2">
+                    <a:lumMod val="50000"/>
                   </a:schemeClr>
                 </a:solidFill>
-              </a:rPr>
-              <a:t>:</a:t>
+                <a:latin typeface="Avenir" panose="02000503020000020003" pitchFamily="2" charset="0"/>
+              </a:rPr>
+              <a:t>	else:</a:t>
             </a:r>
           </a:p>
           <a:p>
@@ -14166,16 +12954,15 @@
               <a:buNone/>
             </a:pPr>
             <a:r>
-              <a:rPr lang="en-US" dirty="0"/>
-              <a:t>		</a:t>
-            </a:r>
-            <a:r>
               <a:rPr lang="en-US" dirty="0">
                 <a:solidFill>
-                  <a:srgbClr val="92D050"/>
+                  <a:schemeClr val="bg2">
+                    <a:lumMod val="50000"/>
+                  </a:schemeClr>
                 </a:solidFill>
-              </a:rPr>
-              <a:t>&lt;statements&gt;</a:t>
+                <a:latin typeface="Avenir" panose="02000503020000020003" pitchFamily="2" charset="0"/>
+              </a:rPr>
+              <a:t>		&lt;statements&gt;</a:t>
             </a:r>
           </a:p>
           <a:p>
@@ -14185,8 +12972,11 @@
             <a:r>
               <a:rPr lang="en-US" dirty="0">
                 <a:solidFill>
-                  <a:srgbClr val="92D050"/>
+                  <a:schemeClr val="bg2">
+                    <a:lumMod val="50000"/>
+                  </a:schemeClr>
                 </a:solidFill>
+                <a:latin typeface="Avenir" panose="02000503020000020003" pitchFamily="2" charset="0"/>
               </a:rPr>
               <a:t>	&lt;statements after if&gt;</a:t>
             </a:r>
@@ -14196,7 +12986,9 @@
               <a:buNone/>
             </a:pPr>
             <a:r>
-              <a:rPr lang="en-US" dirty="0"/>
+              <a:rPr lang="en-US" dirty="0">
+                <a:latin typeface="Avenir" panose="02000503020000020003" pitchFamily="2" charset="0"/>
+              </a:rPr>
               <a:t>	</a:t>
             </a:r>
           </a:p>
@@ -14216,8 +13008,8 @@
         </p:nvSpPr>
         <p:spPr>
           <a:xfrm>
-            <a:off x="5795965" y="1690690"/>
-            <a:ext cx="4710110" cy="1938992"/>
+            <a:off x="5795964" y="1690690"/>
+            <a:ext cx="4908611" cy="2246769"/>
           </a:xfrm>
           <a:prstGeom prst="rect">
             <a:avLst/>
@@ -14235,50 +13027,62 @@
               <a:buChar char="•"/>
             </a:pPr>
             <a:r>
-              <a:rPr lang="en-US" sz="2400" dirty="0"/>
+              <a:rPr lang="en-US" sz="2800" dirty="0">
+                <a:latin typeface="Avenir" panose="02000503020000020003" pitchFamily="2" charset="0"/>
+              </a:rPr>
               <a:t>Indented </a:t>
             </a:r>
             <a:r>
-              <a:rPr lang="en-US" sz="2400" dirty="0">
+              <a:rPr lang="en-US" sz="2800" dirty="0">
                 <a:solidFill>
-                  <a:srgbClr val="92D050"/>
+                  <a:srgbClr val="5A5AA8"/>
                 </a:solidFill>
-              </a:rPr>
-              <a:t>&lt;statements&gt;</a:t>
-            </a:r>
-            <a:r>
-              <a:rPr lang="en-US" sz="2400" dirty="0"/>
-              <a:t> after the </a:t>
-            </a:r>
-            <a:r>
-              <a:rPr lang="en-US" sz="2400" dirty="0">
+                <a:latin typeface="Avenir" panose="02000503020000020003" pitchFamily="2" charset="0"/>
+              </a:rPr>
+              <a:t>&lt;statements&gt; </a:t>
+            </a:r>
+            <a:r>
+              <a:rPr lang="en-US" sz="2800" dirty="0">
+                <a:latin typeface="Avenir" panose="02000503020000020003" pitchFamily="2" charset="0"/>
+              </a:rPr>
+              <a:t>after the </a:t>
+            </a:r>
+            <a:r>
+              <a:rPr lang="en-US" sz="2800" dirty="0">
                 <a:solidFill>
-                  <a:srgbClr val="FF00FF"/>
+                  <a:srgbClr val="5A5AA8"/>
                 </a:solidFill>
-              </a:rPr>
-              <a:t>else:</a:t>
-            </a:r>
-            <a:r>
-              <a:rPr lang="en-US" sz="2400" dirty="0"/>
-              <a:t> are executed if </a:t>
-            </a:r>
-            <a:r>
-              <a:rPr lang="en-US" sz="2400" dirty="0">
+                <a:latin typeface="Avenir" panose="02000503020000020003" pitchFamily="2" charset="0"/>
+              </a:rPr>
+              <a:t>else: </a:t>
+            </a:r>
+            <a:r>
+              <a:rPr lang="en-US" sz="2800" dirty="0">
+                <a:latin typeface="Avenir" panose="02000503020000020003" pitchFamily="2" charset="0"/>
+              </a:rPr>
+              <a:t>are executed if </a:t>
+            </a:r>
+            <a:r>
+              <a:rPr lang="en-US" sz="2800" dirty="0">
                 <a:solidFill>
-                  <a:srgbClr val="92D050"/>
+                  <a:srgbClr val="5A5AA8"/>
                 </a:solidFill>
-              </a:rPr>
-              <a:t>&lt;condition&gt;</a:t>
-            </a:r>
-            <a:r>
-              <a:rPr lang="en-US" sz="2400" dirty="0"/>
-              <a:t> is </a:t>
-            </a:r>
-            <a:r>
-              <a:rPr lang="en-US" sz="2400" dirty="0">
+                <a:latin typeface="Avenir" panose="02000503020000020003" pitchFamily="2" charset="0"/>
+              </a:rPr>
+              <a:t>&lt;condition&gt; </a:t>
+            </a:r>
+            <a:r>
+              <a:rPr lang="en-US" sz="2800" dirty="0">
+                <a:latin typeface="Avenir" panose="02000503020000020003" pitchFamily="2" charset="0"/>
+              </a:rPr>
+              <a:t>is </a:t>
+            </a:r>
+            <a:r>
+              <a:rPr lang="en-US" sz="2800" dirty="0">
                 <a:solidFill>
-                  <a:srgbClr val="FFC000"/>
+                  <a:srgbClr val="5A5AA8"/>
                 </a:solidFill>
+                <a:latin typeface="Avenir" panose="02000503020000020003" pitchFamily="2" charset="0"/>
               </a:rPr>
               <a:t>False</a:t>
             </a:r>
@@ -14288,7 +13092,9 @@
               <a:buFont typeface="Arial" panose="020B0604020202020204" pitchFamily="34" charset="0"/>
               <a:buChar char="•"/>
             </a:pPr>
-            <a:endParaRPr lang="en-US" sz="2400" dirty="0"/>
+            <a:endParaRPr lang="en-US" sz="2800" dirty="0">
+              <a:latin typeface="Avenir" panose="02000503020000020003" pitchFamily="2" charset="0"/>
+            </a:endParaRPr>
           </a:p>
           <a:p>
             <a:pPr marL="285750" indent="-285750">
@@ -14296,608 +13102,122 @@
               <a:buChar char="•"/>
             </a:pPr>
             <a:r>
-              <a:rPr lang="en-US" sz="2400" dirty="0">
+              <a:rPr lang="en-US" sz="2800" dirty="0">
+                <a:latin typeface="Avenir" panose="02000503020000020003" pitchFamily="2" charset="0"/>
+              </a:rPr>
+              <a:t> </a:t>
+            </a:r>
+            <a:r>
+              <a:rPr lang="en-US" sz="2800" dirty="0">
                 <a:solidFill>
-                  <a:srgbClr val="FF00FF"/>
+                  <a:srgbClr val="5A5AA8"/>
                 </a:solidFill>
+                <a:latin typeface="Avenir" panose="02000503020000020003" pitchFamily="2" charset="0"/>
               </a:rPr>
               <a:t>else</a:t>
             </a:r>
             <a:r>
-              <a:rPr lang="en-US" sz="2400" dirty="0"/>
+              <a:rPr lang="en-US" sz="2800" dirty="0">
+                <a:latin typeface="Avenir" panose="02000503020000020003" pitchFamily="2" charset="0"/>
+              </a:rPr>
               <a:t> has </a:t>
             </a:r>
             <a:r>
-              <a:rPr lang="en-US" sz="2400" b="1" dirty="0">
+              <a:rPr lang="en-US" sz="2800" dirty="0">
                 <a:solidFill>
-                  <a:srgbClr val="0070C0"/>
+                  <a:srgbClr val="5A5AA8"/>
                 </a:solidFill>
-              </a:rPr>
-              <a:t>no</a:t>
-            </a:r>
-            <a:r>
-              <a:rPr lang="en-US" sz="2400" dirty="0"/>
-              <a:t> </a:t>
-            </a:r>
-            <a:r>
-              <a:rPr lang="en-US" sz="2400" dirty="0">
-                <a:solidFill>
-                  <a:srgbClr val="92D050"/>
-                </a:solidFill>
-              </a:rPr>
-              <a:t>&lt;condition&gt;</a:t>
-            </a:r>
-            <a:r>
-              <a:rPr lang="en-US" sz="2400" dirty="0"/>
+                <a:latin typeface="Avenir" panose="02000503020000020003" pitchFamily="2" charset="0"/>
+              </a:rPr>
+              <a:t>no &lt;condition&gt;</a:t>
+            </a:r>
+            <a:r>
+              <a:rPr lang="en-US" sz="2800" dirty="0">
+                <a:latin typeface="Avenir" panose="02000503020000020003" pitchFamily="2" charset="0"/>
+              </a:rPr>
               <a:t>!</a:t>
             </a:r>
+            <a:endParaRPr lang="en-US" sz="2800" dirty="0">
+              <a:solidFill>
+                <a:srgbClr val="5A5AA8"/>
+              </a:solidFill>
+              <a:latin typeface="Avenir" panose="02000503020000020003" pitchFamily="2" charset="0"/>
+            </a:endParaRPr>
           </a:p>
         </p:txBody>
       </p:sp>
-      <p:sp>
-        <p:nvSpPr>
-          <p:cNvPr id="11" name="Content Placeholder 7">
+      <p:pic>
+        <p:nvPicPr>
+          <p:cNvPr id="3" name="Picture 2" descr="A picture containing dark, gauge&#10;&#10;Description automatically generated">
             <a:extLst>
               <a:ext uri="{FF2B5EF4-FFF2-40B4-BE49-F238E27FC236}">
-                <a16:creationId xmlns:a16="http://schemas.microsoft.com/office/drawing/2014/main" id="{E33DFA88-EFB4-431A-BBBF-F7D1E799E3C6}"/>
+                <a16:creationId xmlns:a16="http://schemas.microsoft.com/office/drawing/2014/main" id="{D26C7791-3702-53C3-8F6E-9D4FD973CA3E}"/>
               </a:ext>
             </a:extLst>
           </p:cNvPr>
-          <p:cNvSpPr txBox="1">
-            <a:spLocks/>
-          </p:cNvSpPr>
+          <p:cNvPicPr>
+            <a:picLocks noChangeAspect="1"/>
+          </p:cNvPicPr>
           <p:nvPr/>
-        </p:nvSpPr>
+        </p:nvPicPr>
+        <p:blipFill>
+          <a:blip r:embed="rId3">
+            <a:extLst>
+              <a:ext uri="{28A0092B-C50C-407E-A947-70E740481C1C}">
+                <a14:useLocalDpi xmlns:a14="http://schemas.microsoft.com/office/drawing/2010/main" val="0"/>
+              </a:ext>
+            </a:extLst>
+          </a:blip>
+          <a:stretch>
+            <a:fillRect/>
+          </a:stretch>
+        </p:blipFill>
         <p:spPr>
           <a:xfrm>
-            <a:off x="5580840" y="4298948"/>
-            <a:ext cx="5491160" cy="2193925"/>
+            <a:off x="11378037" y="6031948"/>
+            <a:ext cx="800100" cy="812800"/>
           </a:xfrm>
           <a:prstGeom prst="rect">
             <a:avLst/>
           </a:prstGeom>
-          <a:solidFill>
-            <a:schemeClr val="bg1"/>
-          </a:solidFill>
         </p:spPr>
-        <p:txBody>
-          <a:bodyPr vert="horz" lIns="91440" tIns="45720" rIns="91440" bIns="45720" rtlCol="0">
-            <a:normAutofit/>
-          </a:bodyPr>
-          <a:lstStyle>
-            <a:lvl1pPr marL="171450" indent="-171450" algn="l" defTabSz="685800" rtl="0" eaLnBrk="1" latinLnBrk="0" hangingPunct="1">
-              <a:lnSpc>
-                <a:spcPct val="90000"/>
-              </a:lnSpc>
-              <a:spcBef>
-                <a:spcPts val="750"/>
-              </a:spcBef>
-              <a:buFont typeface="Arial" panose="020B0604020202020204" pitchFamily="34" charset="0"/>
-              <a:buChar char="•"/>
-              <a:defRPr sz="2400" kern="1200">
-                <a:gradFill>
-                  <a:gsLst>
-                    <a:gs pos="34000">
-                      <a:schemeClr val="tx1">
-                        <a:lumMod val="93000"/>
-                      </a:schemeClr>
-                    </a:gs>
-                    <a:gs pos="0">
-                      <a:schemeClr val="bg1">
-                        <a:lumMod val="25000"/>
-                        <a:lumOff val="75000"/>
-                      </a:schemeClr>
-                    </a:gs>
-                    <a:gs pos="100000">
-                      <a:schemeClr val="tx2">
-                        <a:lumMod val="0"/>
-                        <a:lumOff val="100000"/>
-                      </a:schemeClr>
-                    </a:gs>
-                  </a:gsLst>
-                  <a:lin ang="4800000" scaled="0"/>
-                </a:gradFill>
-                <a:latin typeface="+mn-lt"/>
-                <a:ea typeface="+mn-ea"/>
-                <a:cs typeface="+mn-cs"/>
-              </a:defRPr>
-            </a:lvl1pPr>
-            <a:lvl2pPr marL="514350" indent="-171450" algn="l" defTabSz="685800" rtl="0" eaLnBrk="1" latinLnBrk="0" hangingPunct="1">
-              <a:lnSpc>
-                <a:spcPct val="90000"/>
-              </a:lnSpc>
-              <a:spcBef>
-                <a:spcPts val="375"/>
-              </a:spcBef>
-              <a:buFont typeface="Arial" panose="020B0604020202020204" pitchFamily="34" charset="0"/>
-              <a:buChar char="•"/>
-              <a:defRPr sz="2000" kern="1200">
-                <a:gradFill>
-                  <a:gsLst>
-                    <a:gs pos="34000">
-                      <a:schemeClr val="tx1">
-                        <a:lumMod val="93000"/>
-                      </a:schemeClr>
-                    </a:gs>
-                    <a:gs pos="0">
-                      <a:schemeClr val="bg1">
-                        <a:lumMod val="25000"/>
-                        <a:lumOff val="75000"/>
-                      </a:schemeClr>
-                    </a:gs>
-                    <a:gs pos="100000">
-                      <a:schemeClr val="tx2">
-                        <a:lumMod val="0"/>
-                        <a:lumOff val="100000"/>
-                      </a:schemeClr>
-                    </a:gs>
-                  </a:gsLst>
-                  <a:lin ang="4800000" scaled="0"/>
-                </a:gradFill>
-                <a:latin typeface="+mn-lt"/>
-                <a:ea typeface="+mn-ea"/>
-                <a:cs typeface="+mn-cs"/>
-              </a:defRPr>
-            </a:lvl2pPr>
-            <a:lvl3pPr marL="857250" indent="-171450" algn="l" defTabSz="685800" rtl="0" eaLnBrk="1" latinLnBrk="0" hangingPunct="1">
-              <a:lnSpc>
-                <a:spcPct val="90000"/>
-              </a:lnSpc>
-              <a:spcBef>
-                <a:spcPts val="375"/>
-              </a:spcBef>
-              <a:buFont typeface="Arial" panose="020B0604020202020204" pitchFamily="34" charset="0"/>
-              <a:buChar char="•"/>
-              <a:defRPr sz="1600" kern="1200">
-                <a:gradFill>
-                  <a:gsLst>
-                    <a:gs pos="34000">
-                      <a:schemeClr val="tx1">
-                        <a:lumMod val="93000"/>
-                      </a:schemeClr>
-                    </a:gs>
-                    <a:gs pos="0">
-                      <a:schemeClr val="bg1">
-                        <a:lumMod val="25000"/>
-                        <a:lumOff val="75000"/>
-                      </a:schemeClr>
-                    </a:gs>
-                    <a:gs pos="100000">
-                      <a:schemeClr val="tx2">
-                        <a:lumMod val="0"/>
-                        <a:lumOff val="100000"/>
-                      </a:schemeClr>
-                    </a:gs>
-                  </a:gsLst>
-                  <a:lin ang="4800000" scaled="0"/>
-                </a:gradFill>
-                <a:latin typeface="+mn-lt"/>
-                <a:ea typeface="+mn-ea"/>
-                <a:cs typeface="+mn-cs"/>
-              </a:defRPr>
-            </a:lvl3pPr>
-            <a:lvl4pPr marL="1200150" indent="-171450" algn="l" defTabSz="685800" rtl="0" eaLnBrk="1" latinLnBrk="0" hangingPunct="1">
-              <a:lnSpc>
-                <a:spcPct val="90000"/>
-              </a:lnSpc>
-              <a:spcBef>
-                <a:spcPts val="375"/>
-              </a:spcBef>
-              <a:buFont typeface="Arial" panose="020B0604020202020204" pitchFamily="34" charset="0"/>
-              <a:buChar char="•"/>
-              <a:defRPr sz="1400" kern="1200">
-                <a:gradFill>
-                  <a:gsLst>
-                    <a:gs pos="34000">
-                      <a:schemeClr val="tx1">
-                        <a:lumMod val="93000"/>
-                      </a:schemeClr>
-                    </a:gs>
-                    <a:gs pos="0">
-                      <a:schemeClr val="bg1">
-                        <a:lumMod val="25000"/>
-                        <a:lumOff val="75000"/>
-                      </a:schemeClr>
-                    </a:gs>
-                    <a:gs pos="100000">
-                      <a:schemeClr val="tx2">
-                        <a:lumMod val="0"/>
-                        <a:lumOff val="100000"/>
-                      </a:schemeClr>
-                    </a:gs>
-                  </a:gsLst>
-                  <a:lin ang="4800000" scaled="0"/>
-                </a:gradFill>
-                <a:latin typeface="+mn-lt"/>
-                <a:ea typeface="+mn-ea"/>
-                <a:cs typeface="+mn-cs"/>
-              </a:defRPr>
-            </a:lvl4pPr>
-            <a:lvl5pPr marL="1543050" indent="-171450" algn="l" defTabSz="685800" rtl="0" eaLnBrk="1" latinLnBrk="0" hangingPunct="1">
-              <a:lnSpc>
-                <a:spcPct val="90000"/>
-              </a:lnSpc>
-              <a:spcBef>
-                <a:spcPts val="375"/>
-              </a:spcBef>
-              <a:buFont typeface="Arial" panose="020B0604020202020204" pitchFamily="34" charset="0"/>
-              <a:buChar char="•"/>
-              <a:defRPr sz="1400" kern="1200">
-                <a:gradFill>
-                  <a:gsLst>
-                    <a:gs pos="34000">
-                      <a:schemeClr val="tx1">
-                        <a:lumMod val="93000"/>
-                      </a:schemeClr>
-                    </a:gs>
-                    <a:gs pos="0">
-                      <a:schemeClr val="bg1">
-                        <a:lumMod val="25000"/>
-                        <a:lumOff val="75000"/>
-                      </a:schemeClr>
-                    </a:gs>
-                    <a:gs pos="100000">
-                      <a:schemeClr val="tx2">
-                        <a:lumMod val="0"/>
-                        <a:lumOff val="100000"/>
-                      </a:schemeClr>
-                    </a:gs>
-                  </a:gsLst>
-                  <a:lin ang="4800000" scaled="0"/>
-                </a:gradFill>
-                <a:latin typeface="+mn-lt"/>
-                <a:ea typeface="+mn-ea"/>
-                <a:cs typeface="+mn-cs"/>
-              </a:defRPr>
-            </a:lvl5pPr>
-            <a:lvl6pPr marL="1885950" indent="-171450" algn="l" defTabSz="685800" rtl="0" eaLnBrk="1" latinLnBrk="0" hangingPunct="1">
-              <a:lnSpc>
-                <a:spcPct val="90000"/>
-              </a:lnSpc>
-              <a:spcBef>
-                <a:spcPts val="375"/>
-              </a:spcBef>
-              <a:buFont typeface="Arial" panose="020B0604020202020204" pitchFamily="34" charset="0"/>
-              <a:buChar char="•"/>
-              <a:defRPr sz="1350" kern="1200">
-                <a:solidFill>
-                  <a:schemeClr val="tx1"/>
-                </a:solidFill>
-                <a:latin typeface="+mn-lt"/>
-                <a:ea typeface="+mn-ea"/>
-                <a:cs typeface="+mn-cs"/>
-              </a:defRPr>
-            </a:lvl6pPr>
-            <a:lvl7pPr marL="2228850" indent="-171450" algn="l" defTabSz="685800" rtl="0" eaLnBrk="1" latinLnBrk="0" hangingPunct="1">
-              <a:lnSpc>
-                <a:spcPct val="90000"/>
-              </a:lnSpc>
-              <a:spcBef>
-                <a:spcPts val="375"/>
-              </a:spcBef>
-              <a:buFont typeface="Arial" panose="020B0604020202020204" pitchFamily="34" charset="0"/>
-              <a:buChar char="•"/>
-              <a:defRPr sz="1350" kern="1200">
-                <a:solidFill>
-                  <a:schemeClr val="tx1"/>
-                </a:solidFill>
-                <a:latin typeface="+mn-lt"/>
-                <a:ea typeface="+mn-ea"/>
-                <a:cs typeface="+mn-cs"/>
-              </a:defRPr>
-            </a:lvl7pPr>
-            <a:lvl8pPr marL="2571750" indent="-171450" algn="l" defTabSz="685800" rtl="0" eaLnBrk="1" latinLnBrk="0" hangingPunct="1">
-              <a:lnSpc>
-                <a:spcPct val="90000"/>
-              </a:lnSpc>
-              <a:spcBef>
-                <a:spcPts val="375"/>
-              </a:spcBef>
-              <a:buFont typeface="Arial" panose="020B0604020202020204" pitchFamily="34" charset="0"/>
-              <a:buChar char="•"/>
-              <a:defRPr sz="1350" kern="1200">
-                <a:solidFill>
-                  <a:schemeClr val="tx1"/>
-                </a:solidFill>
-                <a:latin typeface="+mn-lt"/>
-                <a:ea typeface="+mn-ea"/>
-                <a:cs typeface="+mn-cs"/>
-              </a:defRPr>
-            </a:lvl8pPr>
-            <a:lvl9pPr marL="2914650" indent="-171450" algn="l" defTabSz="685800" rtl="0" eaLnBrk="1" latinLnBrk="0" hangingPunct="1">
-              <a:lnSpc>
-                <a:spcPct val="90000"/>
-              </a:lnSpc>
-              <a:spcBef>
-                <a:spcPts val="375"/>
-              </a:spcBef>
-              <a:buFont typeface="Arial" panose="020B0604020202020204" pitchFamily="34" charset="0"/>
-              <a:buChar char="•"/>
-              <a:defRPr sz="1350" kern="1200">
-                <a:solidFill>
-                  <a:schemeClr val="tx1"/>
-                </a:solidFill>
-                <a:latin typeface="+mn-lt"/>
-                <a:ea typeface="+mn-ea"/>
-                <a:cs typeface="+mn-cs"/>
-              </a:defRPr>
-            </a:lvl9pPr>
-          </a:lstStyle>
-          <a:p>
-            <a:pPr marL="0" indent="0">
-              <a:buFont typeface="Arial" panose="020B0604020202020204" pitchFamily="34" charset="0"/>
-              <a:buNone/>
-            </a:pPr>
-            <a:r>
-              <a:rPr lang="en-US" sz="1600" dirty="0">
-                <a:latin typeface="Consolas" panose="020B0609020204030204" pitchFamily="49" charset="0"/>
-              </a:rPr>
-              <a:t>n = </a:t>
-            </a:r>
-            <a:r>
-              <a:rPr lang="en-US" sz="1600" dirty="0">
-                <a:solidFill>
-                  <a:srgbClr val="FFC000"/>
-                </a:solidFill>
-                <a:latin typeface="Consolas" panose="020B0609020204030204" pitchFamily="49" charset="0"/>
-              </a:rPr>
-              <a:t>input</a:t>
-            </a:r>
-            <a:r>
-              <a:rPr lang="en-US" sz="1600" dirty="0">
-                <a:latin typeface="Consolas" panose="020B0609020204030204" pitchFamily="49" charset="0"/>
-              </a:rPr>
-              <a:t>(</a:t>
-            </a:r>
-            <a:r>
-              <a:rPr lang="en-US" sz="1600" dirty="0">
-                <a:solidFill>
-                  <a:srgbClr val="92D050"/>
-                </a:solidFill>
-                <a:latin typeface="Consolas" panose="020B0609020204030204" pitchFamily="49" charset="0"/>
-              </a:rPr>
-              <a:t>'Enter</a:t>
-            </a:r>
-            <a:r>
-              <a:rPr lang="en-US" sz="1600" dirty="0">
-                <a:latin typeface="Consolas" panose="020B0609020204030204" pitchFamily="49" charset="0"/>
-              </a:rPr>
-              <a:t> </a:t>
-            </a:r>
-            <a:r>
-              <a:rPr lang="en-US" sz="1600" dirty="0">
-                <a:solidFill>
-                  <a:srgbClr val="92D050"/>
-                </a:solidFill>
-                <a:latin typeface="Consolas" panose="020B0609020204030204" pitchFamily="49" charset="0"/>
-              </a:rPr>
-              <a:t>a number: '</a:t>
-            </a:r>
-            <a:r>
-              <a:rPr lang="en-US" sz="1600" dirty="0">
-                <a:latin typeface="Consolas" panose="020B0609020204030204" pitchFamily="49" charset="0"/>
-              </a:rPr>
-              <a:t>)</a:t>
-            </a:r>
-          </a:p>
-          <a:p>
-            <a:pPr marL="0" indent="0">
-              <a:buFont typeface="Arial" panose="020B0604020202020204" pitchFamily="34" charset="0"/>
-              <a:buNone/>
-            </a:pPr>
-            <a:r>
-              <a:rPr lang="en-US" sz="1600" dirty="0">
-                <a:solidFill>
-                  <a:srgbClr val="FF00FF"/>
-                </a:solidFill>
-                <a:latin typeface="Consolas" panose="020B0609020204030204" pitchFamily="49" charset="0"/>
-              </a:rPr>
-              <a:t>if</a:t>
-            </a:r>
-            <a:r>
-              <a:rPr lang="en-US" sz="1600" dirty="0">
-                <a:latin typeface="Consolas" panose="020B0609020204030204" pitchFamily="49" charset="0"/>
-              </a:rPr>
-              <a:t> </a:t>
-            </a:r>
-            <a:r>
-              <a:rPr lang="en-US" sz="1600" dirty="0">
-                <a:solidFill>
-                  <a:srgbClr val="FFC000"/>
-                </a:solidFill>
-                <a:latin typeface="Consolas" panose="020B0609020204030204" pitchFamily="49" charset="0"/>
-              </a:rPr>
-              <a:t>int</a:t>
-            </a:r>
-            <a:r>
-              <a:rPr lang="en-US" sz="1600" dirty="0">
-                <a:latin typeface="Consolas" panose="020B0609020204030204" pitchFamily="49" charset="0"/>
-              </a:rPr>
-              <a:t>(n) &gt; </a:t>
-            </a:r>
-            <a:r>
-              <a:rPr lang="en-US" sz="1600" dirty="0">
-                <a:solidFill>
-                  <a:srgbClr val="0070C0"/>
-                </a:solidFill>
-                <a:latin typeface="Consolas" panose="020B0609020204030204" pitchFamily="49" charset="0"/>
-              </a:rPr>
-              <a:t>1000</a:t>
-            </a:r>
-            <a:r>
-              <a:rPr lang="en-US" sz="1600" dirty="0">
-                <a:latin typeface="Consolas" panose="020B0609020204030204" pitchFamily="49" charset="0"/>
-              </a:rPr>
-              <a:t>:</a:t>
-            </a:r>
-          </a:p>
-          <a:p>
-            <a:pPr marL="0" indent="0">
-              <a:buFont typeface="Arial" panose="020B0604020202020204" pitchFamily="34" charset="0"/>
-              <a:buNone/>
-            </a:pPr>
-            <a:r>
-              <a:rPr lang="en-US" sz="1600" dirty="0">
-                <a:latin typeface="Consolas" panose="020B0609020204030204" pitchFamily="49" charset="0"/>
-              </a:rPr>
-              <a:t>    </a:t>
-            </a:r>
-            <a:r>
-              <a:rPr lang="en-US" sz="1600" dirty="0">
-                <a:solidFill>
-                  <a:srgbClr val="FFC000"/>
-                </a:solidFill>
-                <a:latin typeface="Consolas" panose="020B0609020204030204" pitchFamily="49" charset="0"/>
-              </a:rPr>
-              <a:t>print</a:t>
-            </a:r>
-            <a:r>
-              <a:rPr lang="en-US" sz="1600" dirty="0">
-                <a:latin typeface="Consolas" panose="020B0609020204030204" pitchFamily="49" charset="0"/>
-              </a:rPr>
-              <a:t>(</a:t>
-            </a:r>
-            <a:r>
-              <a:rPr lang="en-US" sz="1600" dirty="0">
-                <a:solidFill>
-                  <a:srgbClr val="92D050"/>
-                </a:solidFill>
-                <a:latin typeface="Consolas" panose="020B0609020204030204" pitchFamily="49" charset="0"/>
-              </a:rPr>
-              <a:t>'Wow, {} is </a:t>
-            </a:r>
-            <a:r>
-              <a:rPr lang="en-US" sz="1600" dirty="0" err="1">
-                <a:solidFill>
-                  <a:srgbClr val="92D050"/>
-                </a:solidFill>
-                <a:latin typeface="Consolas" panose="020B0609020204030204" pitchFamily="49" charset="0"/>
-              </a:rPr>
-              <a:t>large!'</a:t>
-            </a:r>
-            <a:r>
-              <a:rPr lang="en-US" sz="1600" dirty="0" err="1">
-                <a:latin typeface="Consolas" panose="020B0609020204030204" pitchFamily="49" charset="0"/>
-              </a:rPr>
-              <a:t>.format</a:t>
-            </a:r>
-            <a:r>
-              <a:rPr lang="en-US" sz="1600" dirty="0">
-                <a:latin typeface="Consolas" panose="020B0609020204030204" pitchFamily="49" charset="0"/>
-              </a:rPr>
-              <a:t>(n))</a:t>
-            </a:r>
-          </a:p>
-          <a:p>
-            <a:pPr marL="0" indent="0">
-              <a:buFont typeface="Arial" panose="020B0604020202020204" pitchFamily="34" charset="0"/>
-              <a:buNone/>
-            </a:pPr>
-            <a:r>
-              <a:rPr lang="en-US" sz="1600" dirty="0">
-                <a:solidFill>
-                  <a:srgbClr val="FF00FF"/>
-                </a:solidFill>
-                <a:latin typeface="Consolas" panose="020B0609020204030204" pitchFamily="49" charset="0"/>
-              </a:rPr>
-              <a:t>else:</a:t>
-            </a:r>
-          </a:p>
-          <a:p>
-            <a:pPr marL="0" indent="0">
-              <a:buFont typeface="Arial" panose="020B0604020202020204" pitchFamily="34" charset="0"/>
-              <a:buNone/>
-            </a:pPr>
-            <a:r>
-              <a:rPr lang="en-US" sz="1600" dirty="0">
-                <a:latin typeface="Consolas" panose="020B0609020204030204" pitchFamily="49" charset="0"/>
-              </a:rPr>
-              <a:t>	</a:t>
-            </a:r>
-            <a:r>
-              <a:rPr lang="en-US" sz="1600" dirty="0">
-                <a:solidFill>
-                  <a:srgbClr val="FFC000"/>
-                </a:solidFill>
-                <a:latin typeface="Consolas" panose="020B0609020204030204" pitchFamily="49" charset="0"/>
-              </a:rPr>
-              <a:t>print</a:t>
-            </a:r>
-            <a:r>
-              <a:rPr lang="en-US" sz="1600" dirty="0">
-                <a:latin typeface="Consolas" panose="020B0609020204030204" pitchFamily="49" charset="0"/>
-              </a:rPr>
-              <a:t>(</a:t>
-            </a:r>
-            <a:r>
-              <a:rPr lang="en-US" sz="1600" dirty="0">
-                <a:solidFill>
-                  <a:srgbClr val="92D050"/>
-                </a:solidFill>
-                <a:latin typeface="Consolas" panose="020B0609020204030204" pitchFamily="49" charset="0"/>
-              </a:rPr>
-              <a:t>'{} is all you\'ve </a:t>
-            </a:r>
-            <a:r>
-              <a:rPr lang="en-US" sz="1600" dirty="0" err="1">
-                <a:solidFill>
-                  <a:srgbClr val="92D050"/>
-                </a:solidFill>
-                <a:latin typeface="Consolas" panose="020B0609020204030204" pitchFamily="49" charset="0"/>
-              </a:rPr>
-              <a:t>got?'</a:t>
-            </a:r>
-            <a:r>
-              <a:rPr lang="en-US" sz="1600" dirty="0" err="1">
-                <a:latin typeface="Consolas" panose="020B0609020204030204" pitchFamily="49" charset="0"/>
-              </a:rPr>
-              <a:t>.format</a:t>
-            </a:r>
-            <a:r>
-              <a:rPr lang="en-US" sz="1600" dirty="0">
-                <a:latin typeface="Consolas" panose="020B0609020204030204" pitchFamily="49" charset="0"/>
-              </a:rPr>
-              <a:t>(n))</a:t>
-            </a:r>
-          </a:p>
-          <a:p>
-            <a:pPr marL="0" indent="0">
-              <a:buFont typeface="Arial" panose="020B0604020202020204" pitchFamily="34" charset="0"/>
-              <a:buNone/>
-            </a:pPr>
-            <a:r>
-              <a:rPr lang="en-US" sz="1600" dirty="0">
-                <a:solidFill>
-                  <a:srgbClr val="FFC000"/>
-                </a:solidFill>
-                <a:latin typeface="Consolas" panose="020B0609020204030204" pitchFamily="49" charset="0"/>
-              </a:rPr>
-              <a:t>print</a:t>
-            </a:r>
-            <a:r>
-              <a:rPr lang="en-US" sz="1600" dirty="0">
-                <a:latin typeface="Consolas" panose="020B0609020204030204" pitchFamily="49" charset="0"/>
-              </a:rPr>
-              <a:t>(</a:t>
-            </a:r>
-            <a:r>
-              <a:rPr lang="en-US" sz="1600" dirty="0">
-                <a:solidFill>
-                  <a:srgbClr val="92D050"/>
-                </a:solidFill>
-                <a:latin typeface="Consolas" panose="020B0609020204030204" pitchFamily="49" charset="0"/>
-              </a:rPr>
-              <a:t>'Done!'</a:t>
-            </a:r>
-            <a:r>
-              <a:rPr lang="en-US" sz="1600" dirty="0">
-                <a:latin typeface="Consolas" panose="020B0609020204030204" pitchFamily="49" charset="0"/>
-              </a:rPr>
-              <a:t>)</a:t>
-            </a:r>
-          </a:p>
-        </p:txBody>
-      </p:sp>
+      </p:pic>
+      <p:pic>
+        <p:nvPicPr>
+          <p:cNvPr id="7" name="Picture 6" descr="Text&#10;&#10;Description automatically generated">
+            <a:extLst>
+              <a:ext uri="{FF2B5EF4-FFF2-40B4-BE49-F238E27FC236}">
+                <a16:creationId xmlns:a16="http://schemas.microsoft.com/office/drawing/2014/main" id="{7DA163EE-6D85-F68B-65D4-14188CBC66FA}"/>
+              </a:ext>
+            </a:extLst>
+          </p:cNvPr>
+          <p:cNvPicPr>
+            <a:picLocks noChangeAspect="1"/>
+          </p:cNvPicPr>
+          <p:nvPr/>
+        </p:nvPicPr>
+        <p:blipFill>
+          <a:blip r:embed="rId4">
+            <a:extLst>
+              <a:ext uri="{28A0092B-C50C-407E-A947-70E740481C1C}">
+                <a14:useLocalDpi xmlns:a14="http://schemas.microsoft.com/office/drawing/2010/main" val="0"/>
+              </a:ext>
+            </a:extLst>
+          </a:blip>
+          <a:stretch>
+            <a:fillRect/>
+          </a:stretch>
+        </p:blipFill>
+        <p:spPr>
+          <a:xfrm>
+            <a:off x="5574137" y="4291010"/>
+            <a:ext cx="5803900" cy="1752600"/>
+          </a:xfrm>
+          <a:prstGeom prst="rect">
+            <a:avLst/>
+          </a:prstGeom>
+        </p:spPr>
+      </p:pic>
     </p:spTree>
     <p:extLst>
       <p:ext uri="{BB962C8B-B14F-4D97-AF65-F5344CB8AC3E}">
@@ -15265,7 +13585,7 @@
                             </p:stCondLst>
                             <p:childTnLst>
                               <p:par>
-                                <p:cTn id="28" presetID="10" presetClass="entr" presetSubtype="0" fill="hold" grpId="0" nodeType="clickEffect">
+                                <p:cTn id="28" presetID="2" presetClass="entr" presetSubtype="4" fill="hold" nodeType="clickEffect">
                                   <p:stCondLst>
                                     <p:cond delay="0"/>
                                   </p:stCondLst>
@@ -15278,59 +13598,6 @@
                                           </p:stCondLst>
                                         </p:cTn>
                                         <p:tgtEl>
-                                          <p:spTgt spid="11"/>
-                                        </p:tgtEl>
-                                        <p:attrNameLst>
-                                          <p:attrName>style.visibility</p:attrName>
-                                        </p:attrNameLst>
-                                      </p:cBhvr>
-                                      <p:to>
-                                        <p:strVal val="visible"/>
-                                      </p:to>
-                                    </p:set>
-                                    <p:animEffect transition="in" filter="fade">
-                                      <p:cBhvr>
-                                        <p:cTn id="30" dur="500"/>
-                                        <p:tgtEl>
-                                          <p:spTgt spid="11"/>
-                                        </p:tgtEl>
-                                      </p:cBhvr>
-                                    </p:animEffect>
-                                  </p:childTnLst>
-                                </p:cTn>
-                              </p:par>
-                            </p:childTnLst>
-                          </p:cTn>
-                        </p:par>
-                      </p:childTnLst>
-                    </p:cTn>
-                  </p:par>
-                  <p:par>
-                    <p:cTn id="31" fill="hold">
-                      <p:stCondLst>
-                        <p:cond delay="indefinite"/>
-                      </p:stCondLst>
-                      <p:childTnLst>
-                        <p:par>
-                          <p:cTn id="32" fill="hold">
-                            <p:stCondLst>
-                              <p:cond delay="0"/>
-                            </p:stCondLst>
-                            <p:childTnLst>
-                              <p:par>
-                                <p:cTn id="33" presetID="2" presetClass="entr" presetSubtype="4" fill="hold" nodeType="clickEffect">
-                                  <p:stCondLst>
-                                    <p:cond delay="0"/>
-                                  </p:stCondLst>
-                                  <p:childTnLst>
-                                    <p:set>
-                                      <p:cBhvr>
-                                        <p:cTn id="34" dur="1" fill="hold">
-                                          <p:stCondLst>
-                                            <p:cond delay="0"/>
-                                          </p:stCondLst>
-                                        </p:cTn>
-                                        <p:tgtEl>
                                           <p:spTgt spid="2">
                                             <p:txEl>
                                               <p:pRg st="0" end="0"/>
@@ -15347,7 +13614,7 @@
                                     </p:set>
                                     <p:anim calcmode="lin" valueType="num">
                                       <p:cBhvr additive="base">
-                                        <p:cTn id="35" dur="500" fill="hold"/>
+                                        <p:cTn id="30" dur="500" fill="hold"/>
                                         <p:tgtEl>
                                           <p:spTgt spid="2">
                                             <p:txEl>
@@ -15374,7 +13641,7 @@
                                     </p:anim>
                                     <p:anim calcmode="lin" valueType="num">
                                       <p:cBhvr additive="base">
-                                        <p:cTn id="36" dur="500" fill="hold"/>
+                                        <p:cTn id="31" dur="500" fill="hold"/>
                                         <p:tgtEl>
                                           <p:spTgt spid="2">
                                             <p:txEl>
@@ -15409,26 +13676,26 @@
                     </p:cTn>
                   </p:par>
                   <p:par>
-                    <p:cTn id="37" fill="hold">
+                    <p:cTn id="32" fill="hold">
                       <p:stCondLst>
                         <p:cond delay="indefinite"/>
                       </p:stCondLst>
                       <p:childTnLst>
                         <p:par>
-                          <p:cTn id="38" fill="hold">
+                          <p:cTn id="33" fill="hold">
                             <p:stCondLst>
                               <p:cond delay="0"/>
                             </p:stCondLst>
                             <p:childTnLst>
                               <p:par>
-                                <p:cTn id="39" presetID="2" presetClass="entr" presetSubtype="4" fill="hold" nodeType="clickEffect">
+                                <p:cTn id="34" presetID="2" presetClass="entr" presetSubtype="4" fill="hold" nodeType="clickEffect">
                                   <p:stCondLst>
                                     <p:cond delay="0"/>
                                   </p:stCondLst>
                                   <p:childTnLst>
                                     <p:set>
                                       <p:cBhvr>
-                                        <p:cTn id="40" dur="1" fill="hold">
+                                        <p:cTn id="35" dur="1" fill="hold">
                                           <p:stCondLst>
                                             <p:cond delay="0"/>
                                           </p:stCondLst>
@@ -15450,7 +13717,7 @@
                                     </p:set>
                                     <p:anim calcmode="lin" valueType="num">
                                       <p:cBhvr additive="base">
-                                        <p:cTn id="41" dur="500" fill="hold"/>
+                                        <p:cTn id="36" dur="500" fill="hold"/>
                                         <p:tgtEl>
                                           <p:spTgt spid="2">
                                             <p:txEl>
@@ -15477,7 +13744,7 @@
                                     </p:anim>
                                     <p:anim calcmode="lin" valueType="num">
                                       <p:cBhvr additive="base">
-                                        <p:cTn id="42" dur="500" fill="hold"/>
+                                        <p:cTn id="37" dur="500" fill="hold"/>
                                         <p:tgtEl>
                                           <p:spTgt spid="2">
                                             <p:txEl>
@@ -15532,9 +13799,6 @@
         </p:cTn>
       </p:par>
     </p:tnLst>
-    <p:bldLst>
-      <p:bldP spid="11" grpId="0" animBg="1"/>
-    </p:bldLst>
   </p:timing>
 </p:sld>
 </file>
